--- a/Racism Analysis Twitter Data/Sentiment Analysis.pptx
+++ b/Racism Analysis Twitter Data/Sentiment Analysis.pptx
@@ -2,19 +2,31 @@
 <file path=ppt/presentation.xml><?xml version="1.0" encoding="utf-8"?>
 <p:presentation xmlns:a="http://schemas.openxmlformats.org/drawingml/2006/main" xmlns:r="http://schemas.openxmlformats.org/officeDocument/2006/relationships" xmlns:p="http://schemas.openxmlformats.org/presentationml/2006/main">
   <p:sldMasterIdLst>
-    <p:sldMasterId id="2147483648" r:id="rId1"/>
+    <p:sldMasterId id="2147483912" r:id="rId1"/>
   </p:sldMasterIdLst>
   <p:sldIdLst>
-    <p:sldId id="256" r:id="rId3"/>
-    <p:sldId id="257" r:id="rId4"/>
-    <p:sldId id="258" r:id="rId5"/>
-    <p:sldId id="259" r:id="rId6"/>
-    <p:sldId id="260" r:id="rId7"/>
+    <p:sldId id="256" r:id="rId2"/>
+    <p:sldId id="257" r:id="rId3"/>
+    <p:sldId id="258" r:id="rId4"/>
+    <p:sldId id="259" r:id="rId5"/>
+    <p:sldId id="260" r:id="rId6"/>
+    <p:sldId id="266" r:id="rId7"/>
     <p:sldId id="261" r:id="rId8"/>
     <p:sldId id="262" r:id="rId9"/>
     <p:sldId id="263" r:id="rId10"/>
     <p:sldId id="264" r:id="rId11"/>
     <p:sldId id="265" r:id="rId12"/>
+    <p:sldId id="267" r:id="rId13"/>
+    <p:sldId id="269" r:id="rId14"/>
+    <p:sldId id="268" r:id="rId15"/>
+    <p:sldId id="270" r:id="rId16"/>
+    <p:sldId id="271" r:id="rId17"/>
+    <p:sldId id="272" r:id="rId18"/>
+    <p:sldId id="273" r:id="rId19"/>
+    <p:sldId id="274" r:id="rId20"/>
+    <p:sldId id="275" r:id="rId21"/>
+    <p:sldId id="276" r:id="rId22"/>
+    <p:sldId id="277" r:id="rId23"/>
   </p:sldIdLst>
   <p:sldSz cx="12192000" cy="6858000"/>
   <p:notesSz cx="6858000" cy="9144000"/>
@@ -117,7 +129,7 @@
 </file>
 
 <file path=ppt/slideLayouts/slideLayout1.xml><?xml version="1.0" encoding="utf-8"?>
-<p:sldLayout xmlns:a="http://schemas.openxmlformats.org/drawingml/2006/main" xmlns:r="http://schemas.openxmlformats.org/officeDocument/2006/relationships" xmlns:p="http://schemas.openxmlformats.org/presentationml/2006/main" type="title" preserve="1">
+<p:sldLayout xmlns:a="http://schemas.openxmlformats.org/drawingml/2006/main" xmlns:r="http://schemas.openxmlformats.org/officeDocument/2006/relationships" xmlns:p="http://schemas.openxmlformats.org/presentationml/2006/main" showMasterSp="0" type="title" preserve="1">
   <p:cSld name="Title Slide">
     <p:spTree>
       <p:nvGrpSpPr>
@@ -135,6 +147,49 @@
       </p:grpSpPr>
       <p:sp>
         <p:nvSpPr>
+          <p:cNvPr id="8" name="Rectangle 7"/>
+          <p:cNvSpPr/>
+          <p:nvPr/>
+        </p:nvSpPr>
+        <p:spPr>
+          <a:xfrm>
+            <a:off x="1036320" y="0"/>
+            <a:ext cx="10058400" cy="3048000"/>
+          </a:xfrm>
+          <a:prstGeom prst="rect">
+            <a:avLst/>
+          </a:prstGeom>
+          <a:ln>
+            <a:noFill/>
+          </a:ln>
+        </p:spPr>
+        <p:style>
+          <a:lnRef idx="2">
+            <a:schemeClr val="accent1">
+              <a:shade val="50000"/>
+            </a:schemeClr>
+          </a:lnRef>
+          <a:fillRef idx="1">
+            <a:schemeClr val="accent1"/>
+          </a:fillRef>
+          <a:effectRef idx="0">
+            <a:schemeClr val="accent1"/>
+          </a:effectRef>
+          <a:fontRef idx="minor">
+            <a:schemeClr val="lt1"/>
+          </a:fontRef>
+        </p:style>
+        <p:txBody>
+          <a:bodyPr rtlCol="0" anchor="ctr"/>
+          <a:lstStyle/>
+          <a:p>
+            <a:pPr algn="ctr"/>
+            <a:endParaRPr lang="en-US"/>
+          </a:p>
+        </p:txBody>
+      </p:sp>
+      <p:sp>
+        <p:nvSpPr>
           <p:cNvPr id="2" name="Title 1"/>
           <p:cNvSpPr>
             <a:spLocks noGrp="1"/>
@@ -145,15 +200,17 @@
         </p:nvSpPr>
         <p:spPr>
           <a:xfrm>
-            <a:off x="1524000" y="1122363"/>
-            <a:ext cx="9144000" cy="2387600"/>
-          </a:xfrm>
-        </p:spPr>
-        <p:txBody>
-          <a:bodyPr anchor="b"/>
+            <a:off x="1016000" y="3200400"/>
+            <a:ext cx="10058400" cy="1524000"/>
+          </a:xfrm>
+        </p:spPr>
+        <p:txBody>
+          <a:bodyPr>
+            <a:noAutofit/>
+          </a:bodyPr>
           <a:lstStyle>
-            <a:lvl1pPr algn="ctr">
-              <a:defRPr sz="6000"/>
+            <a:lvl1pPr>
+              <a:defRPr sz="8000"/>
             </a:lvl1pPr>
           </a:lstStyle>
           <a:p>
@@ -161,7 +218,7 @@
               <a:rPr lang="en-US" smtClean="0"/>
               <a:t>Click to edit Master title style</a:t>
             </a:r>
-            <a:endParaRPr lang="en-US"/>
+            <a:endParaRPr lang="en-US" dirty="0"/>
           </a:p>
         </p:txBody>
       </p:sp>
@@ -177,48 +234,102 @@
         </p:nvSpPr>
         <p:spPr>
           <a:xfrm>
-            <a:off x="1524000" y="3602038"/>
-            <a:ext cx="9144000" cy="1655762"/>
-          </a:xfrm>
-        </p:spPr>
-        <p:txBody>
-          <a:bodyPr/>
+            <a:off x="1016000" y="4724400"/>
+            <a:ext cx="9144000" cy="990600"/>
+          </a:xfrm>
+        </p:spPr>
+        <p:txBody>
+          <a:bodyPr anchor="t" anchorCtr="0">
+            <a:normAutofit/>
+          </a:bodyPr>
           <a:lstStyle>
-            <a:lvl1pPr marL="0" indent="0" algn="ctr">
+            <a:lvl1pPr marL="0" indent="0" algn="l">
               <a:buNone/>
-              <a:defRPr sz="2400"/>
+              <a:defRPr sz="2800">
+                <a:solidFill>
+                  <a:schemeClr val="tx2"/>
+                </a:solidFill>
+              </a:defRPr>
             </a:lvl1pPr>
             <a:lvl2pPr marL="457200" indent="0" algn="ctr">
               <a:buNone/>
-              <a:defRPr sz="2000"/>
+              <a:defRPr>
+                <a:solidFill>
+                  <a:schemeClr val="tx1">
+                    <a:tint val="75000"/>
+                  </a:schemeClr>
+                </a:solidFill>
+              </a:defRPr>
             </a:lvl2pPr>
             <a:lvl3pPr marL="914400" indent="0" algn="ctr">
               <a:buNone/>
-              <a:defRPr sz="1800"/>
+              <a:defRPr>
+                <a:solidFill>
+                  <a:schemeClr val="tx1">
+                    <a:tint val="75000"/>
+                  </a:schemeClr>
+                </a:solidFill>
+              </a:defRPr>
             </a:lvl3pPr>
             <a:lvl4pPr marL="1371600" indent="0" algn="ctr">
               <a:buNone/>
-              <a:defRPr sz="1600"/>
+              <a:defRPr>
+                <a:solidFill>
+                  <a:schemeClr val="tx1">
+                    <a:tint val="75000"/>
+                  </a:schemeClr>
+                </a:solidFill>
+              </a:defRPr>
             </a:lvl4pPr>
             <a:lvl5pPr marL="1828800" indent="0" algn="ctr">
               <a:buNone/>
-              <a:defRPr sz="1600"/>
+              <a:defRPr>
+                <a:solidFill>
+                  <a:schemeClr val="tx1">
+                    <a:tint val="75000"/>
+                  </a:schemeClr>
+                </a:solidFill>
+              </a:defRPr>
             </a:lvl5pPr>
             <a:lvl6pPr marL="2286000" indent="0" algn="ctr">
               <a:buNone/>
-              <a:defRPr sz="1600"/>
+              <a:defRPr>
+                <a:solidFill>
+                  <a:schemeClr val="tx1">
+                    <a:tint val="75000"/>
+                  </a:schemeClr>
+                </a:solidFill>
+              </a:defRPr>
             </a:lvl6pPr>
             <a:lvl7pPr marL="2743200" indent="0" algn="ctr">
               <a:buNone/>
-              <a:defRPr sz="1600"/>
+              <a:defRPr>
+                <a:solidFill>
+                  <a:schemeClr val="tx1">
+                    <a:tint val="75000"/>
+                  </a:schemeClr>
+                </a:solidFill>
+              </a:defRPr>
             </a:lvl7pPr>
             <a:lvl8pPr marL="3200400" indent="0" algn="ctr">
               <a:buNone/>
-              <a:defRPr sz="1600"/>
+              <a:defRPr>
+                <a:solidFill>
+                  <a:schemeClr val="tx1">
+                    <a:tint val="75000"/>
+                  </a:schemeClr>
+                </a:solidFill>
+              </a:defRPr>
             </a:lvl8pPr>
             <a:lvl9pPr marL="3657600" indent="0" algn="ctr">
               <a:buNone/>
-              <a:defRPr sz="1600"/>
+              <a:defRPr>
+                <a:solidFill>
+                  <a:schemeClr val="tx1">
+                    <a:tint val="75000"/>
+                  </a:schemeClr>
+                </a:solidFill>
+              </a:defRPr>
             </a:lvl9pPr>
           </a:lstStyle>
           <a:p>
@@ -226,7 +337,7 @@
               <a:rPr lang="en-US" smtClean="0"/>
               <a:t>Click to edit Master subtitle style</a:t>
             </a:r>
-            <a:endParaRPr lang="en-US"/>
+            <a:endParaRPr lang="en-US" dirty="0"/>
           </a:p>
         </p:txBody>
       </p:sp>
@@ -247,6 +358,7 @@
           <a:p>
             <a:fld id="{63A1C593-65D0-4073-BCC9-577B9352EA97}" type="datetimeFigureOut">
               <a:rPr lang="en-US" smtClean="0"/>
+              <a:t>6/24/2019</a:t>
             </a:fld>
             <a:endParaRPr lang="en-US"/>
           </a:p>
@@ -288,7 +400,51 @@
           <a:p>
             <a:fld id="{9B618960-8005-486C-9A75-10CB2AAC16F9}" type="slidenum">
               <a:rPr lang="en-US" smtClean="0"/>
+              <a:t>‹#›</a:t>
             </a:fld>
+            <a:endParaRPr lang="en-US"/>
+          </a:p>
+        </p:txBody>
+      </p:sp>
+      <p:sp>
+        <p:nvSpPr>
+          <p:cNvPr id="7" name="Rectangle 6"/>
+          <p:cNvSpPr/>
+          <p:nvPr/>
+        </p:nvSpPr>
+        <p:spPr>
+          <a:xfrm>
+            <a:off x="1036320" y="6172200"/>
+            <a:ext cx="10058400" cy="27432"/>
+          </a:xfrm>
+          <a:prstGeom prst="rect">
+            <a:avLst/>
+          </a:prstGeom>
+          <a:ln>
+            <a:noFill/>
+          </a:ln>
+        </p:spPr>
+        <p:style>
+          <a:lnRef idx="2">
+            <a:schemeClr val="accent1">
+              <a:shade val="50000"/>
+            </a:schemeClr>
+          </a:lnRef>
+          <a:fillRef idx="1">
+            <a:schemeClr val="accent1"/>
+          </a:fillRef>
+          <a:effectRef idx="0">
+            <a:schemeClr val="accent1"/>
+          </a:effectRef>
+          <a:fontRef idx="minor">
+            <a:schemeClr val="lt1"/>
+          </a:fontRef>
+        </p:style>
+        <p:txBody>
+          <a:bodyPr rtlCol="0" anchor="ctr"/>
+          <a:lstStyle/>
+          <a:p>
+            <a:pPr algn="ctr"/>
             <a:endParaRPr lang="en-US"/>
           </a:p>
         </p:txBody>
@@ -337,7 +493,7 @@
               <a:rPr lang="en-US" smtClean="0"/>
               <a:t>Click to edit Master title style</a:t>
             </a:r>
-            <a:endParaRPr lang="en-US"/>
+            <a:endParaRPr lang="en-US" dirty="0"/>
           </a:p>
         </p:txBody>
       </p:sp>
@@ -351,9 +507,14 @@
             <p:ph type="body" orient="vert" idx="1"/>
           </p:nvPr>
         </p:nvSpPr>
-        <p:spPr/>
-        <p:txBody>
-          <a:bodyPr vert="eaVert"/>
+        <p:spPr>
+          <a:xfrm>
+            <a:off x="1219200" y="685800"/>
+            <a:ext cx="9652000" cy="3886200"/>
+          </a:xfrm>
+        </p:spPr>
+        <p:txBody>
+          <a:bodyPr vert="eaVert" anchor="t" anchorCtr="0"/>
           <a:lstStyle/>
           <a:p>
             <a:pPr lvl="0"/>
@@ -361,7 +522,6 @@
               <a:rPr lang="en-US" smtClean="0"/>
               <a:t>Click to edit Master text styles</a:t>
             </a:r>
-            <a:endParaRPr lang="en-US" smtClean="0"/>
           </a:p>
           <a:p>
             <a:pPr lvl="1"/>
@@ -369,7 +529,6 @@
               <a:rPr lang="en-US" smtClean="0"/>
               <a:t>Second level</a:t>
             </a:r>
-            <a:endParaRPr lang="en-US" smtClean="0"/>
           </a:p>
           <a:p>
             <a:pPr lvl="2"/>
@@ -377,7 +536,6 @@
               <a:rPr lang="en-US" smtClean="0"/>
               <a:t>Third level</a:t>
             </a:r>
-            <a:endParaRPr lang="en-US" smtClean="0"/>
           </a:p>
           <a:p>
             <a:pPr lvl="3"/>
@@ -385,7 +543,6 @@
               <a:rPr lang="en-US" smtClean="0"/>
               <a:t>Fourth level</a:t>
             </a:r>
-            <a:endParaRPr lang="en-US" smtClean="0"/>
           </a:p>
           <a:p>
             <a:pPr lvl="4"/>
@@ -414,6 +571,7 @@
           <a:p>
             <a:fld id="{63A1C593-65D0-4073-BCC9-577B9352EA97}" type="datetimeFigureOut">
               <a:rPr lang="en-US" smtClean="0"/>
+              <a:t>6/24/2019</a:t>
             </a:fld>
             <a:endParaRPr lang="en-US"/>
           </a:p>
@@ -455,6 +613,7 @@
           <a:p>
             <a:fld id="{9B618960-8005-486C-9A75-10CB2AAC16F9}" type="slidenum">
               <a:rPr lang="en-US" smtClean="0"/>
+              <a:t>‹#›</a:t>
             </a:fld>
             <a:endParaRPr lang="en-US"/>
           </a:p>
@@ -497,8 +656,8 @@
         </p:nvSpPr>
         <p:spPr>
           <a:xfrm>
-            <a:off x="8724900" y="365125"/>
-            <a:ext cx="2628900" cy="5811838"/>
+            <a:off x="1016000" y="685802"/>
+            <a:ext cx="2438400" cy="5410199"/>
           </a:xfrm>
         </p:spPr>
         <p:txBody>
@@ -509,7 +668,7 @@
               <a:rPr lang="en-US" smtClean="0"/>
               <a:t>Click to edit Master title style</a:t>
             </a:r>
-            <a:endParaRPr lang="en-US"/>
+            <a:endParaRPr lang="en-US" dirty="0"/>
           </a:p>
         </p:txBody>
       </p:sp>
@@ -525,12 +684,12 @@
         </p:nvSpPr>
         <p:spPr>
           <a:xfrm>
-            <a:off x="838200" y="365125"/>
-            <a:ext cx="7734300" cy="5811838"/>
-          </a:xfrm>
-        </p:spPr>
-        <p:txBody>
-          <a:bodyPr vert="eaVert"/>
+            <a:off x="3454400" y="685801"/>
+            <a:ext cx="7620000" cy="4876800"/>
+          </a:xfrm>
+        </p:spPr>
+        <p:txBody>
+          <a:bodyPr vert="eaVert" anchor="t" anchorCtr="0"/>
           <a:lstStyle/>
           <a:p>
             <a:pPr lvl="0"/>
@@ -538,7 +697,6 @@
               <a:rPr lang="en-US" smtClean="0"/>
               <a:t>Click to edit Master text styles</a:t>
             </a:r>
-            <a:endParaRPr lang="en-US" smtClean="0"/>
           </a:p>
           <a:p>
             <a:pPr lvl="1"/>
@@ -546,7 +704,6 @@
               <a:rPr lang="en-US" smtClean="0"/>
               <a:t>Second level</a:t>
             </a:r>
-            <a:endParaRPr lang="en-US" smtClean="0"/>
           </a:p>
           <a:p>
             <a:pPr lvl="2"/>
@@ -554,7 +711,6 @@
               <a:rPr lang="en-US" smtClean="0"/>
               <a:t>Third level</a:t>
             </a:r>
-            <a:endParaRPr lang="en-US" smtClean="0"/>
           </a:p>
           <a:p>
             <a:pPr lvl="3"/>
@@ -562,7 +718,6 @@
               <a:rPr lang="en-US" smtClean="0"/>
               <a:t>Fourth level</a:t>
             </a:r>
-            <a:endParaRPr lang="en-US" smtClean="0"/>
           </a:p>
           <a:p>
             <a:pPr lvl="4"/>
@@ -591,6 +746,7 @@
           <a:p>
             <a:fld id="{63A1C593-65D0-4073-BCC9-577B9352EA97}" type="datetimeFigureOut">
               <a:rPr lang="en-US" smtClean="0"/>
+              <a:t>6/24/2019</a:t>
             </a:fld>
             <a:endParaRPr lang="en-US"/>
           </a:p>
@@ -632,6 +788,7 @@
           <a:p>
             <a:fld id="{9B618960-8005-486C-9A75-10CB2AAC16F9}" type="slidenum">
               <a:rPr lang="en-US" smtClean="0"/>
+              <a:t>‹#›</a:t>
             </a:fld>
             <a:endParaRPr lang="en-US"/>
           </a:p>
@@ -705,7 +862,6 @@
               <a:rPr lang="en-US" smtClean="0"/>
               <a:t>Click to edit Master text styles</a:t>
             </a:r>
-            <a:endParaRPr lang="en-US" smtClean="0"/>
           </a:p>
           <a:p>
             <a:pPr lvl="1"/>
@@ -713,7 +869,6 @@
               <a:rPr lang="en-US" smtClean="0"/>
               <a:t>Second level</a:t>
             </a:r>
-            <a:endParaRPr lang="en-US" smtClean="0"/>
           </a:p>
           <a:p>
             <a:pPr lvl="2"/>
@@ -721,7 +876,6 @@
               <a:rPr lang="en-US" smtClean="0"/>
               <a:t>Third level</a:t>
             </a:r>
-            <a:endParaRPr lang="en-US" smtClean="0"/>
           </a:p>
           <a:p>
             <a:pPr lvl="3"/>
@@ -729,7 +883,6 @@
               <a:rPr lang="en-US" smtClean="0"/>
               <a:t>Fourth level</a:t>
             </a:r>
-            <a:endParaRPr lang="en-US" smtClean="0"/>
           </a:p>
           <a:p>
             <a:pPr lvl="4"/>
@@ -758,6 +911,7 @@
           <a:p>
             <a:fld id="{63A1C593-65D0-4073-BCC9-577B9352EA97}" type="datetimeFigureOut">
               <a:rPr lang="en-US" smtClean="0"/>
+              <a:t>6/24/2019</a:t>
             </a:fld>
             <a:endParaRPr lang="en-US"/>
           </a:p>
@@ -799,6 +953,7 @@
           <a:p>
             <a:fld id="{9B618960-8005-486C-9A75-10CB2AAC16F9}" type="slidenum">
               <a:rPr lang="en-US" smtClean="0"/>
+              <a:t>‹#›</a:t>
             </a:fld>
             <a:endParaRPr lang="en-US"/>
           </a:p>
@@ -813,7 +968,7 @@
 </file>
 
 <file path=ppt/slideLayouts/slideLayout3.xml><?xml version="1.0" encoding="utf-8"?>
-<p:sldLayout xmlns:a="http://schemas.openxmlformats.org/drawingml/2006/main" xmlns:r="http://schemas.openxmlformats.org/officeDocument/2006/relationships" xmlns:p="http://schemas.openxmlformats.org/presentationml/2006/main" type="secHead" preserve="1">
+<p:sldLayout xmlns:a="http://schemas.openxmlformats.org/drawingml/2006/main" xmlns:r="http://schemas.openxmlformats.org/officeDocument/2006/relationships" xmlns:p="http://schemas.openxmlformats.org/presentationml/2006/main" showMasterSp="0" type="secHead" preserve="1">
   <p:cSld name="Section Header">
     <p:spTree>
       <p:nvGrpSpPr>
@@ -831,6 +986,49 @@
       </p:grpSpPr>
       <p:sp>
         <p:nvSpPr>
+          <p:cNvPr id="7" name="Rectangle 6"/>
+          <p:cNvSpPr/>
+          <p:nvPr/>
+        </p:nvSpPr>
+        <p:spPr>
+          <a:xfrm>
+            <a:off x="1036320" y="0"/>
+            <a:ext cx="10058400" cy="3048000"/>
+          </a:xfrm>
+          <a:prstGeom prst="rect">
+            <a:avLst/>
+          </a:prstGeom>
+          <a:ln>
+            <a:noFill/>
+          </a:ln>
+        </p:spPr>
+        <p:style>
+          <a:lnRef idx="2">
+            <a:schemeClr val="accent1">
+              <a:shade val="50000"/>
+            </a:schemeClr>
+          </a:lnRef>
+          <a:fillRef idx="1">
+            <a:schemeClr val="accent1"/>
+          </a:fillRef>
+          <a:effectRef idx="0">
+            <a:schemeClr val="accent1"/>
+          </a:effectRef>
+          <a:fontRef idx="minor">
+            <a:schemeClr val="lt1"/>
+          </a:fontRef>
+        </p:style>
+        <p:txBody>
+          <a:bodyPr rtlCol="0" anchor="ctr"/>
+          <a:lstStyle/>
+          <a:p>
+            <a:pPr algn="ctr"/>
+            <a:endParaRPr lang="en-US"/>
+          </a:p>
+        </p:txBody>
+      </p:sp>
+      <p:sp>
+        <p:nvSpPr>
           <p:cNvPr id="2" name="Title 1"/>
           <p:cNvSpPr>
             <a:spLocks noGrp="1"/>
@@ -841,15 +1039,15 @@
         </p:nvSpPr>
         <p:spPr>
           <a:xfrm>
-            <a:off x="831850" y="1709738"/>
-            <a:ext cx="10515600" cy="2852737"/>
-          </a:xfrm>
-        </p:spPr>
-        <p:txBody>
-          <a:bodyPr anchor="b"/>
+            <a:off x="1016000" y="3276600"/>
+            <a:ext cx="10058400" cy="1676400"/>
+          </a:xfrm>
+        </p:spPr>
+        <p:txBody>
+          <a:bodyPr anchor="b" anchorCtr="0"/>
           <a:lstStyle>
-            <a:lvl1pPr>
-              <a:defRPr sz="6000"/>
+            <a:lvl1pPr algn="l">
+              <a:defRPr sz="5400" b="0" cap="all"/>
             </a:lvl1pPr>
           </a:lstStyle>
           <a:p>
@@ -857,7 +1055,7 @@
               <a:rPr lang="en-US" smtClean="0"/>
               <a:t>Click to edit Master title style</a:t>
             </a:r>
-            <a:endParaRPr lang="en-US"/>
+            <a:endParaRPr lang="en-US" dirty="0"/>
           </a:p>
         </p:txBody>
       </p:sp>
@@ -873,26 +1071,26 @@
         </p:nvSpPr>
         <p:spPr>
           <a:xfrm>
-            <a:off x="831850" y="4589463"/>
-            <a:ext cx="10515600" cy="1500187"/>
-          </a:xfrm>
-        </p:spPr>
-        <p:txBody>
-          <a:bodyPr/>
+            <a:off x="1016000" y="4953000"/>
+            <a:ext cx="9144000" cy="914400"/>
+          </a:xfrm>
+        </p:spPr>
+        <p:txBody>
+          <a:bodyPr anchor="t" anchorCtr="0">
+            <a:normAutofit/>
+          </a:bodyPr>
           <a:lstStyle>
             <a:lvl1pPr marL="0" indent="0">
               <a:buNone/>
-              <a:defRPr sz="2400">
+              <a:defRPr sz="2800">
                 <a:solidFill>
-                  <a:schemeClr val="tx1">
-                    <a:tint val="75000"/>
-                  </a:schemeClr>
+                  <a:schemeClr val="tx2"/>
                 </a:solidFill>
               </a:defRPr>
             </a:lvl1pPr>
             <a:lvl2pPr marL="457200" indent="0">
               <a:buNone/>
-              <a:defRPr sz="2000">
+              <a:defRPr sz="1800">
                 <a:solidFill>
                   <a:schemeClr val="tx1">
                     <a:tint val="75000"/>
@@ -902,7 +1100,7 @@
             </a:lvl2pPr>
             <a:lvl3pPr marL="914400" indent="0">
               <a:buNone/>
-              <a:defRPr sz="1800">
+              <a:defRPr sz="1600">
                 <a:solidFill>
                   <a:schemeClr val="tx1">
                     <a:tint val="75000"/>
@@ -912,7 +1110,7 @@
             </a:lvl3pPr>
             <a:lvl4pPr marL="1371600" indent="0">
               <a:buNone/>
-              <a:defRPr sz="1600">
+              <a:defRPr sz="1400">
                 <a:solidFill>
                   <a:schemeClr val="tx1">
                     <a:tint val="75000"/>
@@ -922,7 +1120,7 @@
             </a:lvl4pPr>
             <a:lvl5pPr marL="1828800" indent="0">
               <a:buNone/>
-              <a:defRPr sz="1600">
+              <a:defRPr sz="1400">
                 <a:solidFill>
                   <a:schemeClr val="tx1">
                     <a:tint val="75000"/>
@@ -932,7 +1130,7 @@
             </a:lvl5pPr>
             <a:lvl6pPr marL="2286000" indent="0">
               <a:buNone/>
-              <a:defRPr sz="1600">
+              <a:defRPr sz="1400">
                 <a:solidFill>
                   <a:schemeClr val="tx1">
                     <a:tint val="75000"/>
@@ -942,7 +1140,7 @@
             </a:lvl6pPr>
             <a:lvl7pPr marL="2743200" indent="0">
               <a:buNone/>
-              <a:defRPr sz="1600">
+              <a:defRPr sz="1400">
                 <a:solidFill>
                   <a:schemeClr val="tx1">
                     <a:tint val="75000"/>
@@ -952,7 +1150,7 @@
             </a:lvl7pPr>
             <a:lvl8pPr marL="3200400" indent="0">
               <a:buNone/>
-              <a:defRPr sz="1600">
+              <a:defRPr sz="1400">
                 <a:solidFill>
                   <a:schemeClr val="tx1">
                     <a:tint val="75000"/>
@@ -962,7 +1160,7 @@
             </a:lvl8pPr>
             <a:lvl9pPr marL="3657600" indent="0">
               <a:buNone/>
-              <a:defRPr sz="1600">
+              <a:defRPr sz="1400">
                 <a:solidFill>
                   <a:schemeClr val="tx1">
                     <a:tint val="75000"/>
@@ -977,7 +1175,6 @@
               <a:rPr lang="en-US" smtClean="0"/>
               <a:t>Click to edit Master text styles</a:t>
             </a:r>
-            <a:endParaRPr lang="en-US" smtClean="0"/>
           </a:p>
         </p:txBody>
       </p:sp>
@@ -998,6 +1195,7 @@
           <a:p>
             <a:fld id="{63A1C593-65D0-4073-BCC9-577B9352EA97}" type="datetimeFigureOut">
               <a:rPr lang="en-US" smtClean="0"/>
+              <a:t>6/24/2019</a:t>
             </a:fld>
             <a:endParaRPr lang="en-US"/>
           </a:p>
@@ -1039,7 +1237,51 @@
           <a:p>
             <a:fld id="{9B618960-8005-486C-9A75-10CB2AAC16F9}" type="slidenum">
               <a:rPr lang="en-US" smtClean="0"/>
+              <a:t>‹#›</a:t>
             </a:fld>
+            <a:endParaRPr lang="en-US"/>
+          </a:p>
+        </p:txBody>
+      </p:sp>
+      <p:sp>
+        <p:nvSpPr>
+          <p:cNvPr id="8" name="Rectangle 7"/>
+          <p:cNvSpPr/>
+          <p:nvPr/>
+        </p:nvSpPr>
+        <p:spPr>
+          <a:xfrm>
+            <a:off x="1036320" y="6172200"/>
+            <a:ext cx="10058400" cy="27432"/>
+          </a:xfrm>
+          <a:prstGeom prst="rect">
+            <a:avLst/>
+          </a:prstGeom>
+          <a:ln>
+            <a:noFill/>
+          </a:ln>
+        </p:spPr>
+        <p:style>
+          <a:lnRef idx="2">
+            <a:schemeClr val="accent1">
+              <a:shade val="50000"/>
+            </a:schemeClr>
+          </a:lnRef>
+          <a:fillRef idx="1">
+            <a:schemeClr val="accent1"/>
+          </a:fillRef>
+          <a:effectRef idx="0">
+            <a:schemeClr val="accent1"/>
+          </a:effectRef>
+          <a:fontRef idx="minor">
+            <a:schemeClr val="lt1"/>
+          </a:fontRef>
+        </p:style>
+        <p:txBody>
+          <a:bodyPr rtlCol="0" anchor="ctr"/>
+          <a:lstStyle/>
+          <a:p>
+            <a:pPr algn="ctr"/>
             <a:endParaRPr lang="en-US"/>
           </a:p>
         </p:txBody>
@@ -1104,20 +1346,47 @@
         </p:nvSpPr>
         <p:spPr>
           <a:xfrm>
-            <a:off x="838200" y="1825625"/>
-            <a:ext cx="5181600" cy="4351338"/>
+            <a:off x="1016000" y="609601"/>
+            <a:ext cx="4876800" cy="3767328"/>
           </a:xfrm>
         </p:spPr>
         <p:txBody>
           <a:bodyPr/>
-          <a:lstStyle/>
+          <a:lstStyle>
+            <a:lvl1pPr>
+              <a:defRPr sz="2800"/>
+            </a:lvl1pPr>
+            <a:lvl2pPr>
+              <a:defRPr sz="2400"/>
+            </a:lvl2pPr>
+            <a:lvl3pPr>
+              <a:defRPr sz="2000"/>
+            </a:lvl3pPr>
+            <a:lvl4pPr>
+              <a:defRPr sz="1800"/>
+            </a:lvl4pPr>
+            <a:lvl5pPr>
+              <a:defRPr sz="1800"/>
+            </a:lvl5pPr>
+            <a:lvl6pPr>
+              <a:defRPr sz="1800"/>
+            </a:lvl6pPr>
+            <a:lvl7pPr>
+              <a:defRPr sz="1800"/>
+            </a:lvl7pPr>
+            <a:lvl8pPr>
+              <a:defRPr sz="1800"/>
+            </a:lvl8pPr>
+            <a:lvl9pPr>
+              <a:defRPr sz="1800"/>
+            </a:lvl9pPr>
+          </a:lstStyle>
           <a:p>
             <a:pPr lvl="0"/>
             <a:r>
               <a:rPr lang="en-US" smtClean="0"/>
               <a:t>Click to edit Master text styles</a:t>
             </a:r>
-            <a:endParaRPr lang="en-US" smtClean="0"/>
           </a:p>
           <a:p>
             <a:pPr lvl="1"/>
@@ -1125,7 +1394,6 @@
               <a:rPr lang="en-US" smtClean="0"/>
               <a:t>Second level</a:t>
             </a:r>
-            <a:endParaRPr lang="en-US" smtClean="0"/>
           </a:p>
           <a:p>
             <a:pPr lvl="2"/>
@@ -1133,7 +1401,6 @@
               <a:rPr lang="en-US" smtClean="0"/>
               <a:t>Third level</a:t>
             </a:r>
-            <a:endParaRPr lang="en-US" smtClean="0"/>
           </a:p>
           <a:p>
             <a:pPr lvl="3"/>
@@ -1141,7 +1408,6 @@
               <a:rPr lang="en-US" smtClean="0"/>
               <a:t>Fourth level</a:t>
             </a:r>
-            <a:endParaRPr lang="en-US" smtClean="0"/>
           </a:p>
           <a:p>
             <a:pPr lvl="4"/>
@@ -1149,7 +1415,7 @@
               <a:rPr lang="en-US" smtClean="0"/>
               <a:t>Fifth level</a:t>
             </a:r>
-            <a:endParaRPr lang="en-US"/>
+            <a:endParaRPr lang="en-US" dirty="0"/>
           </a:p>
         </p:txBody>
       </p:sp>
@@ -1165,20 +1431,47 @@
         </p:nvSpPr>
         <p:spPr>
           <a:xfrm>
-            <a:off x="6172200" y="1825625"/>
-            <a:ext cx="5181600" cy="4351338"/>
+            <a:off x="6197600" y="609601"/>
+            <a:ext cx="4876800" cy="3767328"/>
           </a:xfrm>
         </p:spPr>
         <p:txBody>
           <a:bodyPr/>
-          <a:lstStyle/>
+          <a:lstStyle>
+            <a:lvl1pPr>
+              <a:defRPr sz="2800"/>
+            </a:lvl1pPr>
+            <a:lvl2pPr>
+              <a:defRPr sz="2400"/>
+            </a:lvl2pPr>
+            <a:lvl3pPr>
+              <a:defRPr sz="2000"/>
+            </a:lvl3pPr>
+            <a:lvl4pPr>
+              <a:defRPr sz="1800"/>
+            </a:lvl4pPr>
+            <a:lvl5pPr>
+              <a:defRPr sz="1800"/>
+            </a:lvl5pPr>
+            <a:lvl6pPr>
+              <a:defRPr sz="1800"/>
+            </a:lvl6pPr>
+            <a:lvl7pPr>
+              <a:defRPr sz="1800"/>
+            </a:lvl7pPr>
+            <a:lvl8pPr>
+              <a:defRPr sz="1800"/>
+            </a:lvl8pPr>
+            <a:lvl9pPr>
+              <a:defRPr sz="1800"/>
+            </a:lvl9pPr>
+          </a:lstStyle>
           <a:p>
             <a:pPr lvl="0"/>
             <a:r>
               <a:rPr lang="en-US" smtClean="0"/>
               <a:t>Click to edit Master text styles</a:t>
             </a:r>
-            <a:endParaRPr lang="en-US" smtClean="0"/>
           </a:p>
           <a:p>
             <a:pPr lvl="1"/>
@@ -1186,7 +1479,6 @@
               <a:rPr lang="en-US" smtClean="0"/>
               <a:t>Second level</a:t>
             </a:r>
-            <a:endParaRPr lang="en-US" smtClean="0"/>
           </a:p>
           <a:p>
             <a:pPr lvl="2"/>
@@ -1194,7 +1486,6 @@
               <a:rPr lang="en-US" smtClean="0"/>
               <a:t>Third level</a:t>
             </a:r>
-            <a:endParaRPr lang="en-US" smtClean="0"/>
           </a:p>
           <a:p>
             <a:pPr lvl="3"/>
@@ -1202,7 +1493,6 @@
               <a:rPr lang="en-US" smtClean="0"/>
               <a:t>Fourth level</a:t>
             </a:r>
-            <a:endParaRPr lang="en-US" smtClean="0"/>
           </a:p>
           <a:p>
             <a:pPr lvl="4"/>
@@ -1231,6 +1521,7 @@
           <a:p>
             <a:fld id="{63A1C593-65D0-4073-BCC9-577B9352EA97}" type="datetimeFigureOut">
               <a:rPr lang="en-US" smtClean="0"/>
+              <a:t>6/24/2019</a:t>
             </a:fld>
             <a:endParaRPr lang="en-US"/>
           </a:p>
@@ -1272,6 +1563,7 @@
           <a:p>
             <a:fld id="{9B618960-8005-486C-9A75-10CB2AAC16F9}" type="slidenum">
               <a:rPr lang="en-US" smtClean="0"/>
+              <a:t>‹#›</a:t>
             </a:fld>
             <a:endParaRPr lang="en-US"/>
           </a:p>
@@ -1312,21 +1604,20 @@
             <p:ph type="title"/>
           </p:nvPr>
         </p:nvSpPr>
-        <p:spPr>
-          <a:xfrm>
-            <a:off x="839788" y="365125"/>
-            <a:ext cx="10515600" cy="1325563"/>
-          </a:xfrm>
-        </p:spPr>
+        <p:spPr/>
         <p:txBody>
           <a:bodyPr/>
-          <a:lstStyle/>
+          <a:lstStyle>
+            <a:lvl1pPr>
+              <a:defRPr/>
+            </a:lvl1pPr>
+          </a:lstStyle>
           <a:p>
             <a:r>
               <a:rPr lang="en-US" smtClean="0"/>
               <a:t>Click to edit Master title style</a:t>
             </a:r>
-            <a:endParaRPr lang="en-US"/>
+            <a:endParaRPr lang="en-US" dirty="0"/>
           </a:p>
         </p:txBody>
       </p:sp>
@@ -1342,16 +1633,20 @@
         </p:nvSpPr>
         <p:spPr>
           <a:xfrm>
-            <a:off x="839788" y="1681163"/>
-            <a:ext cx="5157787" cy="823912"/>
-          </a:xfrm>
-        </p:spPr>
-        <p:txBody>
-          <a:bodyPr anchor="b"/>
+            <a:off x="1011936" y="609600"/>
+            <a:ext cx="4876800" cy="639762"/>
+          </a:xfrm>
+        </p:spPr>
+        <p:txBody>
+          <a:bodyPr anchor="b">
+            <a:noAutofit/>
+          </a:bodyPr>
           <a:lstStyle>
             <a:lvl1pPr marL="0" indent="0">
               <a:buNone/>
-              <a:defRPr sz="2400" b="1"/>
+              <a:defRPr sz="2800" b="0">
+                <a:latin typeface="+mj-lt"/>
+              </a:defRPr>
             </a:lvl1pPr>
             <a:lvl2pPr marL="457200" indent="0">
               <a:buNone/>
@@ -1392,7 +1687,6 @@
               <a:rPr lang="en-US" smtClean="0"/>
               <a:t>Click to edit Master text styles</a:t>
             </a:r>
-            <a:endParaRPr lang="en-US" smtClean="0"/>
           </a:p>
         </p:txBody>
       </p:sp>
@@ -1408,20 +1702,47 @@
         </p:nvSpPr>
         <p:spPr>
           <a:xfrm>
-            <a:off x="839788" y="2505075"/>
-            <a:ext cx="5157787" cy="3684588"/>
-          </a:xfrm>
-        </p:spPr>
-        <p:txBody>
-          <a:bodyPr/>
-          <a:lstStyle/>
+            <a:off x="1011936" y="1329264"/>
+            <a:ext cx="4876800" cy="3048000"/>
+          </a:xfrm>
+        </p:spPr>
+        <p:txBody>
+          <a:bodyPr anchor="t" anchorCtr="0"/>
+          <a:lstStyle>
+            <a:lvl1pPr>
+              <a:defRPr sz="2400"/>
+            </a:lvl1pPr>
+            <a:lvl2pPr>
+              <a:defRPr sz="2000"/>
+            </a:lvl2pPr>
+            <a:lvl3pPr>
+              <a:defRPr sz="1800"/>
+            </a:lvl3pPr>
+            <a:lvl4pPr>
+              <a:defRPr sz="1600"/>
+            </a:lvl4pPr>
+            <a:lvl5pPr>
+              <a:defRPr sz="1600"/>
+            </a:lvl5pPr>
+            <a:lvl6pPr>
+              <a:defRPr sz="1600"/>
+            </a:lvl6pPr>
+            <a:lvl7pPr>
+              <a:defRPr sz="1600"/>
+            </a:lvl7pPr>
+            <a:lvl8pPr>
+              <a:defRPr sz="1600"/>
+            </a:lvl8pPr>
+            <a:lvl9pPr>
+              <a:defRPr sz="1600"/>
+            </a:lvl9pPr>
+          </a:lstStyle>
           <a:p>
             <a:pPr lvl="0"/>
             <a:r>
               <a:rPr lang="en-US" smtClean="0"/>
               <a:t>Click to edit Master text styles</a:t>
             </a:r>
-            <a:endParaRPr lang="en-US" smtClean="0"/>
           </a:p>
           <a:p>
             <a:pPr lvl="1"/>
@@ -1429,7 +1750,6 @@
               <a:rPr lang="en-US" smtClean="0"/>
               <a:t>Second level</a:t>
             </a:r>
-            <a:endParaRPr lang="en-US" smtClean="0"/>
           </a:p>
           <a:p>
             <a:pPr lvl="2"/>
@@ -1437,7 +1757,6 @@
               <a:rPr lang="en-US" smtClean="0"/>
               <a:t>Third level</a:t>
             </a:r>
-            <a:endParaRPr lang="en-US" smtClean="0"/>
           </a:p>
           <a:p>
             <a:pPr lvl="3"/>
@@ -1445,7 +1764,6 @@
               <a:rPr lang="en-US" smtClean="0"/>
               <a:t>Fourth level</a:t>
             </a:r>
-            <a:endParaRPr lang="en-US" smtClean="0"/>
           </a:p>
           <a:p>
             <a:pPr lvl="4"/>
@@ -1453,7 +1771,7 @@
               <a:rPr lang="en-US" smtClean="0"/>
               <a:t>Fifth level</a:t>
             </a:r>
-            <a:endParaRPr lang="en-US"/>
+            <a:endParaRPr lang="en-US" dirty="0"/>
           </a:p>
         </p:txBody>
       </p:sp>
@@ -1469,16 +1787,20 @@
         </p:nvSpPr>
         <p:spPr>
           <a:xfrm>
-            <a:off x="6172200" y="1681163"/>
-            <a:ext cx="5183188" cy="823912"/>
-          </a:xfrm>
-        </p:spPr>
-        <p:txBody>
-          <a:bodyPr anchor="b"/>
+            <a:off x="6193536" y="609600"/>
+            <a:ext cx="4876800" cy="639762"/>
+          </a:xfrm>
+        </p:spPr>
+        <p:txBody>
+          <a:bodyPr anchor="b">
+            <a:noAutofit/>
+          </a:bodyPr>
           <a:lstStyle>
             <a:lvl1pPr marL="0" indent="0">
               <a:buNone/>
-              <a:defRPr sz="2400" b="1"/>
+              <a:defRPr sz="2800" b="0">
+                <a:latin typeface="+mj-lt"/>
+              </a:defRPr>
             </a:lvl1pPr>
             <a:lvl2pPr marL="457200" indent="0">
               <a:buNone/>
@@ -1519,7 +1841,6 @@
               <a:rPr lang="en-US" smtClean="0"/>
               <a:t>Click to edit Master text styles</a:t>
             </a:r>
-            <a:endParaRPr lang="en-US" smtClean="0"/>
           </a:p>
         </p:txBody>
       </p:sp>
@@ -1535,20 +1856,47 @@
         </p:nvSpPr>
         <p:spPr>
           <a:xfrm>
-            <a:off x="6172200" y="2505075"/>
-            <a:ext cx="5183188" cy="3684588"/>
-          </a:xfrm>
-        </p:spPr>
-        <p:txBody>
-          <a:bodyPr/>
-          <a:lstStyle/>
+            <a:off x="6193536" y="1329264"/>
+            <a:ext cx="4876800" cy="3048000"/>
+          </a:xfrm>
+        </p:spPr>
+        <p:txBody>
+          <a:bodyPr anchor="t" anchorCtr="0"/>
+          <a:lstStyle>
+            <a:lvl1pPr>
+              <a:defRPr sz="2400"/>
+            </a:lvl1pPr>
+            <a:lvl2pPr>
+              <a:defRPr sz="2000"/>
+            </a:lvl2pPr>
+            <a:lvl3pPr>
+              <a:defRPr sz="1800"/>
+            </a:lvl3pPr>
+            <a:lvl4pPr>
+              <a:defRPr sz="1600"/>
+            </a:lvl4pPr>
+            <a:lvl5pPr>
+              <a:defRPr sz="1600"/>
+            </a:lvl5pPr>
+            <a:lvl6pPr>
+              <a:defRPr sz="1600"/>
+            </a:lvl6pPr>
+            <a:lvl7pPr>
+              <a:defRPr sz="1600"/>
+            </a:lvl7pPr>
+            <a:lvl8pPr>
+              <a:defRPr sz="1600"/>
+            </a:lvl8pPr>
+            <a:lvl9pPr>
+              <a:defRPr sz="1600"/>
+            </a:lvl9pPr>
+          </a:lstStyle>
           <a:p>
             <a:pPr lvl="0"/>
             <a:r>
               <a:rPr lang="en-US" smtClean="0"/>
               <a:t>Click to edit Master text styles</a:t>
             </a:r>
-            <a:endParaRPr lang="en-US" smtClean="0"/>
           </a:p>
           <a:p>
             <a:pPr lvl="1"/>
@@ -1556,7 +1904,6 @@
               <a:rPr lang="en-US" smtClean="0"/>
               <a:t>Second level</a:t>
             </a:r>
-            <a:endParaRPr lang="en-US" smtClean="0"/>
           </a:p>
           <a:p>
             <a:pPr lvl="2"/>
@@ -1564,7 +1911,6 @@
               <a:rPr lang="en-US" smtClean="0"/>
               <a:t>Third level</a:t>
             </a:r>
-            <a:endParaRPr lang="en-US" smtClean="0"/>
           </a:p>
           <a:p>
             <a:pPr lvl="3"/>
@@ -1572,7 +1918,6 @@
               <a:rPr lang="en-US" smtClean="0"/>
               <a:t>Fourth level</a:t>
             </a:r>
-            <a:endParaRPr lang="en-US" smtClean="0"/>
           </a:p>
           <a:p>
             <a:pPr lvl="4"/>
@@ -1601,6 +1946,7 @@
           <a:p>
             <a:fld id="{63A1C593-65D0-4073-BCC9-577B9352EA97}" type="datetimeFigureOut">
               <a:rPr lang="en-US" smtClean="0"/>
+              <a:t>6/24/2019</a:t>
             </a:fld>
             <a:endParaRPr lang="en-US"/>
           </a:p>
@@ -1642,11 +1988,72 @@
           <a:p>
             <a:fld id="{9B618960-8005-486C-9A75-10CB2AAC16F9}" type="slidenum">
               <a:rPr lang="en-US" smtClean="0"/>
+              <a:t>‹#›</a:t>
             </a:fld>
             <a:endParaRPr lang="en-US"/>
           </a:p>
         </p:txBody>
       </p:sp>
+      <p:cxnSp>
+        <p:nvCxnSpPr>
+          <p:cNvPr id="11" name="Straight Connector 10"/>
+          <p:cNvCxnSpPr/>
+          <p:nvPr/>
+        </p:nvCxnSpPr>
+        <p:spPr>
+          <a:xfrm>
+            <a:off x="1011936" y="1249362"/>
+            <a:ext cx="4876800" cy="1588"/>
+          </a:xfrm>
+          <a:prstGeom prst="line">
+            <a:avLst/>
+          </a:prstGeom>
+        </p:spPr>
+        <p:style>
+          <a:lnRef idx="1">
+            <a:schemeClr val="accent1"/>
+          </a:lnRef>
+          <a:fillRef idx="0">
+            <a:schemeClr val="accent1"/>
+          </a:fillRef>
+          <a:effectRef idx="0">
+            <a:schemeClr val="accent1"/>
+          </a:effectRef>
+          <a:fontRef idx="minor">
+            <a:schemeClr val="tx1"/>
+          </a:fontRef>
+        </p:style>
+      </p:cxnSp>
+      <p:cxnSp>
+        <p:nvCxnSpPr>
+          <p:cNvPr id="13" name="Straight Connector 12"/>
+          <p:cNvCxnSpPr/>
+          <p:nvPr/>
+        </p:nvCxnSpPr>
+        <p:spPr>
+          <a:xfrm>
+            <a:off x="6193536" y="1249362"/>
+            <a:ext cx="4876800" cy="1588"/>
+          </a:xfrm>
+          <a:prstGeom prst="line">
+            <a:avLst/>
+          </a:prstGeom>
+        </p:spPr>
+        <p:style>
+          <a:lnRef idx="1">
+            <a:schemeClr val="accent1"/>
+          </a:lnRef>
+          <a:fillRef idx="0">
+            <a:schemeClr val="accent1"/>
+          </a:fillRef>
+          <a:effectRef idx="0">
+            <a:schemeClr val="accent1"/>
+          </a:effectRef>
+          <a:fontRef idx="minor">
+            <a:schemeClr val="tx1"/>
+          </a:fontRef>
+        </p:style>
+      </p:cxnSp>
     </p:spTree>
   </p:cSld>
   <p:clrMapOvr>
@@ -1691,7 +2098,7 @@
               <a:rPr lang="en-US" smtClean="0"/>
               <a:t>Click to edit Master title style</a:t>
             </a:r>
-            <a:endParaRPr lang="en-US"/>
+            <a:endParaRPr lang="en-US" dirty="0"/>
           </a:p>
         </p:txBody>
       </p:sp>
@@ -1712,6 +2119,7 @@
           <a:p>
             <a:fld id="{63A1C593-65D0-4073-BCC9-577B9352EA97}" type="datetimeFigureOut">
               <a:rPr lang="en-US" smtClean="0"/>
+              <a:t>6/24/2019</a:t>
             </a:fld>
             <a:endParaRPr lang="en-US"/>
           </a:p>
@@ -1753,6 +2161,7 @@
           <a:p>
             <a:fld id="{9B618960-8005-486C-9A75-10CB2AAC16F9}" type="slidenum">
               <a:rPr lang="en-US" smtClean="0"/>
+              <a:t>‹#›</a:t>
             </a:fld>
             <a:endParaRPr lang="en-US"/>
           </a:p>
@@ -1800,6 +2209,7 @@
           <a:p>
             <a:fld id="{63A1C593-65D0-4073-BCC9-577B9352EA97}" type="datetimeFigureOut">
               <a:rPr lang="en-US" smtClean="0"/>
+              <a:t>6/24/2019</a:t>
             </a:fld>
             <a:endParaRPr lang="en-US"/>
           </a:p>
@@ -1841,6 +2251,7 @@
           <a:p>
             <a:fld id="{9B618960-8005-486C-9A75-10CB2AAC16F9}" type="slidenum">
               <a:rPr lang="en-US" smtClean="0"/>
+              <a:t>‹#›</a:t>
             </a:fld>
             <a:endParaRPr lang="en-US"/>
           </a:p>
@@ -1883,15 +2294,17 @@
         </p:nvSpPr>
         <p:spPr>
           <a:xfrm>
-            <a:off x="839788" y="457200"/>
-            <a:ext cx="3932237" cy="1600200"/>
-          </a:xfrm>
-        </p:spPr>
-        <p:txBody>
-          <a:bodyPr anchor="b"/>
+            <a:off x="1016000" y="4572000"/>
+            <a:ext cx="9046464" cy="1600200"/>
+          </a:xfrm>
+        </p:spPr>
+        <p:txBody>
+          <a:bodyPr anchor="b">
+            <a:normAutofit/>
+          </a:bodyPr>
           <a:lstStyle>
-            <a:lvl1pPr>
-              <a:defRPr sz="3200"/>
+            <a:lvl1pPr algn="l">
+              <a:defRPr sz="5400" b="0"/>
             </a:lvl1pPr>
           </a:lstStyle>
           <a:p>
@@ -1915,27 +2328,27 @@
         </p:nvSpPr>
         <p:spPr>
           <a:xfrm>
-            <a:off x="5183188" y="987425"/>
-            <a:ext cx="6172200" cy="4873625"/>
+            <a:off x="4947821" y="457201"/>
+            <a:ext cx="6126579" cy="4114799"/>
           </a:xfrm>
         </p:spPr>
         <p:txBody>
           <a:bodyPr/>
           <a:lstStyle>
             <a:lvl1pPr>
-              <a:defRPr sz="3200"/>
+              <a:defRPr sz="2400"/>
             </a:lvl1pPr>
             <a:lvl2pPr>
-              <a:defRPr sz="2800"/>
+              <a:defRPr sz="2200"/>
             </a:lvl2pPr>
             <a:lvl3pPr>
-              <a:defRPr sz="2400"/>
+              <a:defRPr sz="2000"/>
             </a:lvl3pPr>
             <a:lvl4pPr>
-              <a:defRPr sz="2000"/>
+              <a:defRPr sz="1800"/>
             </a:lvl4pPr>
             <a:lvl5pPr>
-              <a:defRPr sz="2000"/>
+              <a:defRPr sz="1800"/>
             </a:lvl5pPr>
             <a:lvl6pPr>
               <a:defRPr sz="2000"/>
@@ -1956,7 +2369,6 @@
               <a:rPr lang="en-US" smtClean="0"/>
               <a:t>Click to edit Master text styles</a:t>
             </a:r>
-            <a:endParaRPr lang="en-US" smtClean="0"/>
           </a:p>
           <a:p>
             <a:pPr lvl="1"/>
@@ -1964,7 +2376,6 @@
               <a:rPr lang="en-US" smtClean="0"/>
               <a:t>Second level</a:t>
             </a:r>
-            <a:endParaRPr lang="en-US" smtClean="0"/>
           </a:p>
           <a:p>
             <a:pPr lvl="2"/>
@@ -1972,7 +2383,6 @@
               <a:rPr lang="en-US" smtClean="0"/>
               <a:t>Third level</a:t>
             </a:r>
-            <a:endParaRPr lang="en-US" smtClean="0"/>
           </a:p>
           <a:p>
             <a:pPr lvl="3"/>
@@ -1980,7 +2390,6 @@
               <a:rPr lang="en-US" smtClean="0"/>
               <a:t>Fourth level</a:t>
             </a:r>
-            <a:endParaRPr lang="en-US" smtClean="0"/>
           </a:p>
           <a:p>
             <a:pPr lvl="4"/>
@@ -1988,7 +2397,7 @@
               <a:rPr lang="en-US" smtClean="0"/>
               <a:t>Fifth level</a:t>
             </a:r>
-            <a:endParaRPr lang="en-US"/>
+            <a:endParaRPr lang="en-US" dirty="0"/>
           </a:p>
         </p:txBody>
       </p:sp>
@@ -2004,48 +2413,54 @@
         </p:nvSpPr>
         <p:spPr>
           <a:xfrm>
-            <a:off x="839788" y="2057400"/>
-            <a:ext cx="3932237" cy="3811588"/>
-          </a:xfrm>
-        </p:spPr>
-        <p:txBody>
-          <a:bodyPr/>
+            <a:off x="1016002" y="457200"/>
+            <a:ext cx="3564876" cy="4114800"/>
+          </a:xfrm>
+        </p:spPr>
+        <p:txBody>
+          <a:bodyPr>
+            <a:normAutofit/>
+          </a:bodyPr>
           <a:lstStyle>
             <a:lvl1pPr marL="0" indent="0">
               <a:buNone/>
-              <a:defRPr sz="1600"/>
+              <a:defRPr sz="2100">
+                <a:solidFill>
+                  <a:schemeClr val="tx2"/>
+                </a:solidFill>
+              </a:defRPr>
             </a:lvl1pPr>
             <a:lvl2pPr marL="457200" indent="0">
               <a:buNone/>
-              <a:defRPr sz="1400"/>
+              <a:defRPr sz="1200"/>
             </a:lvl2pPr>
             <a:lvl3pPr marL="914400" indent="0">
               <a:buNone/>
-              <a:defRPr sz="1200"/>
+              <a:defRPr sz="1000"/>
             </a:lvl3pPr>
             <a:lvl4pPr marL="1371600" indent="0">
               <a:buNone/>
-              <a:defRPr sz="1000"/>
+              <a:defRPr sz="900"/>
             </a:lvl4pPr>
             <a:lvl5pPr marL="1828800" indent="0">
               <a:buNone/>
-              <a:defRPr sz="1000"/>
+              <a:defRPr sz="900"/>
             </a:lvl5pPr>
             <a:lvl6pPr marL="2286000" indent="0">
               <a:buNone/>
-              <a:defRPr sz="1000"/>
+              <a:defRPr sz="900"/>
             </a:lvl6pPr>
             <a:lvl7pPr marL="2743200" indent="0">
               <a:buNone/>
-              <a:defRPr sz="1000"/>
+              <a:defRPr sz="900"/>
             </a:lvl7pPr>
             <a:lvl8pPr marL="3200400" indent="0">
               <a:buNone/>
-              <a:defRPr sz="1000"/>
+              <a:defRPr sz="900"/>
             </a:lvl8pPr>
             <a:lvl9pPr marL="3657600" indent="0">
               <a:buNone/>
-              <a:defRPr sz="1000"/>
+              <a:defRPr sz="900"/>
             </a:lvl9pPr>
           </a:lstStyle>
           <a:p>
@@ -2054,7 +2469,6 @@
               <a:rPr lang="en-US" smtClean="0"/>
               <a:t>Click to edit Master text styles</a:t>
             </a:r>
-            <a:endParaRPr lang="en-US" smtClean="0"/>
           </a:p>
         </p:txBody>
       </p:sp>
@@ -2075,6 +2489,7 @@
           <a:p>
             <a:fld id="{63A1C593-65D0-4073-BCC9-577B9352EA97}" type="datetimeFigureOut">
               <a:rPr lang="en-US" smtClean="0"/>
+              <a:t>6/24/2019</a:t>
             </a:fld>
             <a:endParaRPr lang="en-US"/>
           </a:p>
@@ -2116,11 +2531,50 @@
           <a:p>
             <a:fld id="{9B618960-8005-486C-9A75-10CB2AAC16F9}" type="slidenum">
               <a:rPr lang="en-US" smtClean="0"/>
+              <a:t>‹#›</a:t>
             </a:fld>
             <a:endParaRPr lang="en-US"/>
           </a:p>
         </p:txBody>
       </p:sp>
+      <p:cxnSp>
+        <p:nvCxnSpPr>
+          <p:cNvPr id="10" name="Straight Connector 9"/>
+          <p:cNvCxnSpPr/>
+          <p:nvPr/>
+        </p:nvCxnSpPr>
+        <p:spPr>
+          <a:xfrm rot="5400000">
+            <a:off x="2871259" y="2514336"/>
+            <a:ext cx="3810000" cy="2117"/>
+          </a:xfrm>
+          <a:prstGeom prst="line">
+            <a:avLst/>
+          </a:prstGeom>
+          <a:ln>
+            <a:solidFill>
+              <a:schemeClr val="tx2">
+                <a:lumMod val="50000"/>
+                <a:lumOff val="50000"/>
+              </a:schemeClr>
+            </a:solidFill>
+          </a:ln>
+        </p:spPr>
+        <p:style>
+          <a:lnRef idx="1">
+            <a:schemeClr val="accent1"/>
+          </a:lnRef>
+          <a:fillRef idx="0">
+            <a:schemeClr val="accent1"/>
+          </a:fillRef>
+          <a:effectRef idx="0">
+            <a:schemeClr val="accent1"/>
+          </a:effectRef>
+          <a:fontRef idx="minor">
+            <a:schemeClr val="tx1"/>
+          </a:fontRef>
+        </p:style>
+      </p:cxnSp>
     </p:spTree>
   </p:cSld>
   <p:clrMapOvr>
@@ -2158,15 +2612,17 @@
         </p:nvSpPr>
         <p:spPr>
           <a:xfrm>
-            <a:off x="839788" y="457200"/>
-            <a:ext cx="3932237" cy="1600200"/>
-          </a:xfrm>
-        </p:spPr>
-        <p:txBody>
-          <a:bodyPr anchor="b"/>
+            <a:off x="1011936" y="4572000"/>
+            <a:ext cx="9046464" cy="1600200"/>
+          </a:xfrm>
+        </p:spPr>
+        <p:txBody>
+          <a:bodyPr anchor="b">
+            <a:normAutofit/>
+          </a:bodyPr>
           <a:lstStyle>
-            <a:lvl1pPr>
-              <a:defRPr sz="3200"/>
+            <a:lvl1pPr algn="l">
+              <a:defRPr sz="5400" b="0"/>
             </a:lvl1pPr>
           </a:lstStyle>
           <a:p>
@@ -2174,7 +2630,7 @@
               <a:rPr lang="en-US" smtClean="0"/>
               <a:t>Click to edit Master title style</a:t>
             </a:r>
-            <a:endParaRPr lang="en-US"/>
+            <a:endParaRPr lang="en-US" dirty="0"/>
           </a:p>
         </p:txBody>
       </p:sp>
@@ -2190,9 +2646,14 @@
         </p:nvSpPr>
         <p:spPr>
           <a:xfrm>
-            <a:off x="5183188" y="987425"/>
-            <a:ext cx="6172200" cy="4873625"/>
-          </a:xfrm>
+            <a:off x="1036320" y="457200"/>
+            <a:ext cx="10058400" cy="2895600"/>
+          </a:xfrm>
+          <a:ln w="6350">
+            <a:solidFill>
+              <a:schemeClr val="tx2"/>
+            </a:solidFill>
+          </a:ln>
         </p:spPr>
         <p:txBody>
           <a:bodyPr/>
@@ -2235,6 +2696,10 @@
             </a:lvl9pPr>
           </a:lstStyle>
           <a:p>
+            <a:r>
+              <a:rPr lang="en-US" smtClean="0"/>
+              <a:t>Click icon to add picture</a:t>
+            </a:r>
             <a:endParaRPr lang="en-US"/>
           </a:p>
         </p:txBody>
@@ -2251,48 +2716,50 @@
         </p:nvSpPr>
         <p:spPr>
           <a:xfrm>
-            <a:off x="839788" y="2057400"/>
-            <a:ext cx="3932237" cy="3811588"/>
-          </a:xfrm>
-        </p:spPr>
-        <p:txBody>
-          <a:bodyPr/>
+            <a:off x="1133856" y="3505200"/>
+            <a:ext cx="9855200" cy="804862"/>
+          </a:xfrm>
+        </p:spPr>
+        <p:txBody>
+          <a:bodyPr anchor="t" anchorCtr="0">
+            <a:normAutofit/>
+          </a:bodyPr>
           <a:lstStyle>
             <a:lvl1pPr marL="0" indent="0">
               <a:buNone/>
-              <a:defRPr sz="1600"/>
+              <a:defRPr sz="1800"/>
             </a:lvl1pPr>
             <a:lvl2pPr marL="457200" indent="0">
               <a:buNone/>
-              <a:defRPr sz="1400"/>
+              <a:defRPr sz="1200"/>
             </a:lvl2pPr>
             <a:lvl3pPr marL="914400" indent="0">
               <a:buNone/>
-              <a:defRPr sz="1200"/>
+              <a:defRPr sz="1000"/>
             </a:lvl3pPr>
             <a:lvl4pPr marL="1371600" indent="0">
               <a:buNone/>
-              <a:defRPr sz="1000"/>
+              <a:defRPr sz="900"/>
             </a:lvl4pPr>
             <a:lvl5pPr marL="1828800" indent="0">
               <a:buNone/>
-              <a:defRPr sz="1000"/>
+              <a:defRPr sz="900"/>
             </a:lvl5pPr>
             <a:lvl6pPr marL="2286000" indent="0">
               <a:buNone/>
-              <a:defRPr sz="1000"/>
+              <a:defRPr sz="900"/>
             </a:lvl6pPr>
             <a:lvl7pPr marL="2743200" indent="0">
               <a:buNone/>
-              <a:defRPr sz="1000"/>
+              <a:defRPr sz="900"/>
             </a:lvl7pPr>
             <a:lvl8pPr marL="3200400" indent="0">
               <a:buNone/>
-              <a:defRPr sz="1000"/>
+              <a:defRPr sz="900"/>
             </a:lvl8pPr>
             <a:lvl9pPr marL="3657600" indent="0">
               <a:buNone/>
-              <a:defRPr sz="1000"/>
+              <a:defRPr sz="900"/>
             </a:lvl9pPr>
           </a:lstStyle>
           <a:p>
@@ -2301,7 +2768,6 @@
               <a:rPr lang="en-US" smtClean="0"/>
               <a:t>Click to edit Master text styles</a:t>
             </a:r>
-            <a:endParaRPr lang="en-US" smtClean="0"/>
           </a:p>
         </p:txBody>
       </p:sp>
@@ -2322,6 +2788,7 @@
           <a:p>
             <a:fld id="{63A1C593-65D0-4073-BCC9-577B9352EA97}" type="datetimeFigureOut">
               <a:rPr lang="en-US" smtClean="0"/>
+              <a:t>6/24/2019</a:t>
             </a:fld>
             <a:endParaRPr lang="en-US"/>
           </a:p>
@@ -2363,6 +2830,7 @@
           <a:p>
             <a:fld id="{9B618960-8005-486C-9A75-10CB2AAC16F9}" type="slidenum">
               <a:rPr lang="en-US" smtClean="0"/>
+              <a:t>‹#›</a:t>
             </a:fld>
             <a:endParaRPr lang="en-US"/>
           </a:p>
@@ -2380,7 +2848,7 @@
 <p:sldMaster xmlns:a="http://schemas.openxmlformats.org/drawingml/2006/main" xmlns:r="http://schemas.openxmlformats.org/officeDocument/2006/relationships" xmlns:p="http://schemas.openxmlformats.org/presentationml/2006/main">
   <p:cSld>
     <p:bg>
-      <p:bgRef idx="1001">
+      <p:bgRef idx="1003">
         <a:schemeClr val="bg1"/>
       </p:bgRef>
     </p:bg>
@@ -2410,15 +2878,15 @@
         </p:nvSpPr>
         <p:spPr>
           <a:xfrm>
-            <a:off x="838200" y="365125"/>
-            <a:ext cx="10515600" cy="1325563"/>
+            <a:off x="1016000" y="4572000"/>
+            <a:ext cx="9042400" cy="1600200"/>
           </a:xfrm>
           <a:prstGeom prst="rect">
             <a:avLst/>
           </a:prstGeom>
         </p:spPr>
         <p:txBody>
-          <a:bodyPr vert="horz" lIns="91440" tIns="45720" rIns="91440" bIns="45720" rtlCol="0" anchor="ctr">
+          <a:bodyPr vert="horz" lIns="91440" tIns="45720" rIns="91440" bIns="45720" rtlCol="0" anchor="b" anchorCtr="0">
             <a:normAutofit/>
           </a:bodyPr>
           <a:lstStyle/>
@@ -2427,7 +2895,7 @@
               <a:rPr lang="en-US" smtClean="0"/>
               <a:t>Click to edit Master title style</a:t>
             </a:r>
-            <a:endParaRPr lang="en-US"/>
+            <a:endParaRPr lang="en-US" dirty="0"/>
           </a:p>
         </p:txBody>
       </p:sp>
@@ -2443,15 +2911,15 @@
         </p:nvSpPr>
         <p:spPr>
           <a:xfrm>
-            <a:off x="838200" y="1825625"/>
-            <a:ext cx="10515600" cy="4351338"/>
+            <a:off x="1016000" y="685800"/>
+            <a:ext cx="10058400" cy="3886200"/>
           </a:xfrm>
           <a:prstGeom prst="rect">
             <a:avLst/>
           </a:prstGeom>
         </p:spPr>
         <p:txBody>
-          <a:bodyPr vert="horz" lIns="91440" tIns="45720" rIns="91440" bIns="45720" rtlCol="0">
+          <a:bodyPr vert="horz" lIns="91440" tIns="45720" rIns="91440" bIns="45720" rtlCol="0" anchor="ctr" anchorCtr="0">
             <a:normAutofit/>
           </a:bodyPr>
           <a:lstStyle/>
@@ -2461,7 +2929,6 @@
               <a:rPr lang="en-US" smtClean="0"/>
               <a:t>Click to edit Master text styles</a:t>
             </a:r>
-            <a:endParaRPr lang="en-US" smtClean="0"/>
           </a:p>
           <a:p>
             <a:pPr lvl="1"/>
@@ -2469,7 +2936,6 @@
               <a:rPr lang="en-US" smtClean="0"/>
               <a:t>Second level</a:t>
             </a:r>
-            <a:endParaRPr lang="en-US" smtClean="0"/>
           </a:p>
           <a:p>
             <a:pPr lvl="2"/>
@@ -2477,7 +2943,6 @@
               <a:rPr lang="en-US" smtClean="0"/>
               <a:t>Third level</a:t>
             </a:r>
-            <a:endParaRPr lang="en-US" smtClean="0"/>
           </a:p>
           <a:p>
             <a:pPr lvl="3"/>
@@ -2485,7 +2950,6 @@
               <a:rPr lang="en-US" smtClean="0"/>
               <a:t>Fourth level</a:t>
             </a:r>
-            <a:endParaRPr lang="en-US" smtClean="0"/>
           </a:p>
           <a:p>
             <a:pPr lvl="4"/>
@@ -2493,7 +2957,7 @@
               <a:rPr lang="en-US" smtClean="0"/>
               <a:t>Fifth level</a:t>
             </a:r>
-            <a:endParaRPr lang="en-US"/>
+            <a:endParaRPr lang="en-US" dirty="0"/>
           </a:p>
         </p:txBody>
       </p:sp>
@@ -2509,8 +2973,8 @@
         </p:nvSpPr>
         <p:spPr>
           <a:xfrm>
-            <a:off x="838200" y="6356350"/>
-            <a:ext cx="2743200" cy="365125"/>
+            <a:off x="8331200" y="6208777"/>
+            <a:ext cx="2844800" cy="365125"/>
           </a:xfrm>
           <a:prstGeom prst="rect">
             <a:avLst/>
@@ -2519,38 +2983,79 @@
         <p:txBody>
           <a:bodyPr vert="horz" lIns="91440" tIns="45720" rIns="91440" bIns="45720" rtlCol="0" anchor="ctr"/>
           <a:lstStyle>
+            <a:lvl1pPr algn="r">
+              <a:defRPr sz="1200" b="1">
+                <a:solidFill>
+                  <a:schemeClr val="tx2">
+                    <a:lumMod val="90000"/>
+                    <a:lumOff val="10000"/>
+                  </a:schemeClr>
+                </a:solidFill>
+                <a:latin typeface="+mn-lt"/>
+              </a:defRPr>
+            </a:lvl1pPr>
+          </a:lstStyle>
+          <a:p>
+            <a:fld id="{63A1C593-65D0-4073-BCC9-577B9352EA97}" type="datetimeFigureOut">
+              <a:rPr lang="en-US" smtClean="0"/>
+              <a:t>6/24/2019</a:t>
+            </a:fld>
+            <a:endParaRPr lang="en-US"/>
+          </a:p>
+        </p:txBody>
+      </p:sp>
+      <p:sp>
+        <p:nvSpPr>
+          <p:cNvPr id="5" name="Footer Placeholder 4"/>
+          <p:cNvSpPr>
+            <a:spLocks noGrp="1"/>
+          </p:cNvSpPr>
+          <p:nvPr>
+            <p:ph type="ftr" sz="quarter" idx="3"/>
+          </p:nvPr>
+        </p:nvSpPr>
+        <p:spPr>
+          <a:xfrm>
+            <a:off x="1015999" y="6208777"/>
+            <a:ext cx="6498492" cy="365125"/>
+          </a:xfrm>
+          <a:prstGeom prst="rect">
+            <a:avLst/>
+          </a:prstGeom>
+        </p:spPr>
+        <p:txBody>
+          <a:bodyPr vert="horz" lIns="91440" tIns="45720" rIns="91440" bIns="45720" rtlCol="0" anchor="ctr"/>
+          <a:lstStyle>
             <a:lvl1pPr algn="l">
-              <a:defRPr sz="1200">
+              <a:defRPr sz="1200" b="1">
                 <a:solidFill>
-                  <a:schemeClr val="tx1">
-                    <a:tint val="75000"/>
+                  <a:schemeClr val="tx2">
+                    <a:lumMod val="90000"/>
+                    <a:lumOff val="10000"/>
                   </a:schemeClr>
                 </a:solidFill>
               </a:defRPr>
             </a:lvl1pPr>
           </a:lstStyle>
           <a:p>
-            <a:fld id="{63A1C593-65D0-4073-BCC9-577B9352EA97}" type="datetimeFigureOut">
-              <a:rPr lang="en-US" smtClean="0"/>
-            </a:fld>
             <a:endParaRPr lang="en-US"/>
           </a:p>
         </p:txBody>
       </p:sp>
       <p:sp>
         <p:nvSpPr>
-          <p:cNvPr id="5" name="Footer Placeholder 4"/>
+          <p:cNvPr id="6" name="Slide Number Placeholder 5"/>
           <p:cNvSpPr>
             <a:spLocks noGrp="1"/>
           </p:cNvSpPr>
           <p:nvPr>
-            <p:ph type="ftr" sz="quarter" idx="3"/>
-          </p:nvPr>
-        </p:nvSpPr>
-        <p:spPr>
-          <a:xfrm>
-            <a:off x="4038600" y="6356350"/>
-            <a:ext cx="4114800" cy="365125"/>
+            <p:ph type="sldNum" sz="quarter" idx="4"/>
+          </p:nvPr>
+        </p:nvSpPr>
+        <p:spPr>
+          <a:xfrm>
+            <a:off x="10160000" y="5687569"/>
+            <a:ext cx="1016000" cy="365125"/>
           </a:xfrm>
           <a:prstGeom prst="rect">
             <a:avLst/>
@@ -2559,57 +3064,109 @@
         <p:txBody>
           <a:bodyPr vert="horz" lIns="91440" tIns="45720" rIns="91440" bIns="45720" rtlCol="0" anchor="ctr"/>
           <a:lstStyle>
-            <a:lvl1pPr algn="ctr">
-              <a:defRPr sz="1200">
+            <a:lvl1pPr algn="r">
+              <a:defRPr sz="2400">
                 <a:solidFill>
                   <a:schemeClr val="tx1">
-                    <a:tint val="75000"/>
+                    <a:lumMod val="85000"/>
+                    <a:lumOff val="15000"/>
                   </a:schemeClr>
                 </a:solidFill>
+                <a:latin typeface="+mj-lt"/>
               </a:defRPr>
             </a:lvl1pPr>
           </a:lstStyle>
           <a:p>
+            <a:fld id="{9B618960-8005-486C-9A75-10CB2AAC16F9}" type="slidenum">
+              <a:rPr lang="en-US" smtClean="0"/>
+              <a:t>‹#›</a:t>
+            </a:fld>
             <a:endParaRPr lang="en-US"/>
           </a:p>
         </p:txBody>
       </p:sp>
       <p:sp>
         <p:nvSpPr>
-          <p:cNvPr id="6" name="Slide Number Placeholder 5"/>
-          <p:cNvSpPr>
-            <a:spLocks noGrp="1"/>
-          </p:cNvSpPr>
-          <p:nvPr>
-            <p:ph type="sldNum" sz="quarter" idx="4"/>
-          </p:nvPr>
-        </p:nvSpPr>
-        <p:spPr>
-          <a:xfrm>
-            <a:off x="8610600" y="6356350"/>
-            <a:ext cx="2743200" cy="365125"/>
+          <p:cNvPr id="8" name="Rectangle 7"/>
+          <p:cNvSpPr/>
+          <p:nvPr/>
+        </p:nvSpPr>
+        <p:spPr>
+          <a:xfrm>
+            <a:off x="1036320" y="0"/>
+            <a:ext cx="10058400" cy="381000"/>
           </a:xfrm>
           <a:prstGeom prst="rect">
             <a:avLst/>
           </a:prstGeom>
-        </p:spPr>
-        <p:txBody>
-          <a:bodyPr vert="horz" lIns="91440" tIns="45720" rIns="91440" bIns="45720" rtlCol="0" anchor="ctr"/>
-          <a:lstStyle>
-            <a:lvl1pPr algn="r">
-              <a:defRPr sz="1200">
-                <a:solidFill>
-                  <a:schemeClr val="tx1">
-                    <a:tint val="75000"/>
-                  </a:schemeClr>
-                </a:solidFill>
-              </a:defRPr>
-            </a:lvl1pPr>
-          </a:lstStyle>
-          <a:p>
-            <a:fld id="{9B618960-8005-486C-9A75-10CB2AAC16F9}" type="slidenum">
-              <a:rPr lang="en-US" smtClean="0"/>
-            </a:fld>
+          <a:ln>
+            <a:noFill/>
+          </a:ln>
+        </p:spPr>
+        <p:style>
+          <a:lnRef idx="2">
+            <a:schemeClr val="accent1">
+              <a:shade val="50000"/>
+            </a:schemeClr>
+          </a:lnRef>
+          <a:fillRef idx="1">
+            <a:schemeClr val="accent1"/>
+          </a:fillRef>
+          <a:effectRef idx="0">
+            <a:schemeClr val="accent1"/>
+          </a:effectRef>
+          <a:fontRef idx="minor">
+            <a:schemeClr val="lt1"/>
+          </a:fontRef>
+        </p:style>
+        <p:txBody>
+          <a:bodyPr rtlCol="0" anchor="ctr"/>
+          <a:lstStyle/>
+          <a:p>
+            <a:pPr algn="ctr"/>
+            <a:endParaRPr lang="en-US"/>
+          </a:p>
+        </p:txBody>
+      </p:sp>
+      <p:sp>
+        <p:nvSpPr>
+          <p:cNvPr id="9" name="Rectangle 8"/>
+          <p:cNvSpPr/>
+          <p:nvPr/>
+        </p:nvSpPr>
+        <p:spPr>
+          <a:xfrm>
+            <a:off x="1036320" y="6172200"/>
+            <a:ext cx="10058400" cy="27432"/>
+          </a:xfrm>
+          <a:prstGeom prst="rect">
+            <a:avLst/>
+          </a:prstGeom>
+          <a:ln>
+            <a:noFill/>
+          </a:ln>
+        </p:spPr>
+        <p:style>
+          <a:lnRef idx="2">
+            <a:schemeClr val="accent1">
+              <a:shade val="50000"/>
+            </a:schemeClr>
+          </a:lnRef>
+          <a:fillRef idx="1">
+            <a:schemeClr val="accent1"/>
+          </a:fillRef>
+          <a:effectRef idx="0">
+            <a:schemeClr val="accent1"/>
+          </a:effectRef>
+          <a:fontRef idx="minor">
+            <a:schemeClr val="lt1"/>
+          </a:fontRef>
+        </p:style>
+        <p:txBody>
+          <a:bodyPr rtlCol="0" anchor="ctr"/>
+          <a:lstStyle/>
+          <a:p>
+            <a:pPr algn="ctr"/>
             <a:endParaRPr lang="en-US"/>
           </a:p>
         </p:txBody>
@@ -2618,195 +3175,251 @@
   </p:cSld>
   <p:clrMap bg1="lt1" tx1="dk1" bg2="lt2" tx2="dk2" accent1="accent1" accent2="accent2" accent3="accent3" accent4="accent4" accent5="accent5" accent6="accent6" hlink="hlink" folHlink="folHlink"/>
   <p:sldLayoutIdLst>
-    <p:sldLayoutId id="2147483649" r:id="rId1"/>
-    <p:sldLayoutId id="2147483650" r:id="rId2"/>
-    <p:sldLayoutId id="2147483651" r:id="rId3"/>
-    <p:sldLayoutId id="2147483652" r:id="rId4"/>
-    <p:sldLayoutId id="2147483653" r:id="rId5"/>
-    <p:sldLayoutId id="2147483654" r:id="rId6"/>
-    <p:sldLayoutId id="2147483655" r:id="rId7"/>
-    <p:sldLayoutId id="2147483656" r:id="rId8"/>
-    <p:sldLayoutId id="2147483657" r:id="rId9"/>
-    <p:sldLayoutId id="2147483658" r:id="rId10"/>
-    <p:sldLayoutId id="2147483659" r:id="rId11"/>
+    <p:sldLayoutId id="2147483913" r:id="rId1"/>
+    <p:sldLayoutId id="2147483914" r:id="rId2"/>
+    <p:sldLayoutId id="2147483915" r:id="rId3"/>
+    <p:sldLayoutId id="2147483916" r:id="rId4"/>
+    <p:sldLayoutId id="2147483917" r:id="rId5"/>
+    <p:sldLayoutId id="2147483918" r:id="rId6"/>
+    <p:sldLayoutId id="2147483919" r:id="rId7"/>
+    <p:sldLayoutId id="2147483920" r:id="rId8"/>
+    <p:sldLayoutId id="2147483921" r:id="rId9"/>
+    <p:sldLayoutId id="2147483922" r:id="rId10"/>
+    <p:sldLayoutId id="2147483923" r:id="rId11"/>
   </p:sldLayoutIdLst>
   <p:txStyles>
     <p:titleStyle>
       <a:lvl1pPr algn="l" defTabSz="914400" rtl="0" eaLnBrk="1" latinLnBrk="0" hangingPunct="1">
-        <a:lnSpc>
-          <a:spcPct val="90000"/>
-        </a:lnSpc>
         <a:spcBef>
           <a:spcPct val="0"/>
         </a:spcBef>
         <a:buNone/>
-        <a:defRPr sz="4400" kern="1200">
+        <a:defRPr sz="5400" kern="1200">
           <a:solidFill>
-            <a:schemeClr val="tx1"/>
+            <a:schemeClr val="tx1">
+              <a:lumMod val="85000"/>
+              <a:lumOff val="15000"/>
+            </a:schemeClr>
           </a:solidFill>
           <a:latin typeface="+mj-lt"/>
           <a:ea typeface="+mj-ea"/>
           <a:cs typeface="+mj-cs"/>
         </a:defRPr>
       </a:lvl1pPr>
+      <a:lvl2pPr eaLnBrk="1" hangingPunct="1">
+        <a:defRPr>
+          <a:solidFill>
+            <a:schemeClr val="tx2"/>
+          </a:solidFill>
+        </a:defRPr>
+      </a:lvl2pPr>
+      <a:lvl3pPr eaLnBrk="1" hangingPunct="1">
+        <a:defRPr>
+          <a:solidFill>
+            <a:schemeClr val="tx2"/>
+          </a:solidFill>
+        </a:defRPr>
+      </a:lvl3pPr>
+      <a:lvl4pPr eaLnBrk="1" hangingPunct="1">
+        <a:defRPr>
+          <a:solidFill>
+            <a:schemeClr val="tx2"/>
+          </a:solidFill>
+        </a:defRPr>
+      </a:lvl4pPr>
+      <a:lvl5pPr eaLnBrk="1" hangingPunct="1">
+        <a:defRPr>
+          <a:solidFill>
+            <a:schemeClr val="tx2"/>
+          </a:solidFill>
+        </a:defRPr>
+      </a:lvl5pPr>
+      <a:lvl6pPr eaLnBrk="1" hangingPunct="1">
+        <a:defRPr>
+          <a:solidFill>
+            <a:schemeClr val="tx2"/>
+          </a:solidFill>
+        </a:defRPr>
+      </a:lvl6pPr>
+      <a:lvl7pPr eaLnBrk="1" hangingPunct="1">
+        <a:defRPr>
+          <a:solidFill>
+            <a:schemeClr val="tx2"/>
+          </a:solidFill>
+        </a:defRPr>
+      </a:lvl7pPr>
+      <a:lvl8pPr eaLnBrk="1" hangingPunct="1">
+        <a:defRPr>
+          <a:solidFill>
+            <a:schemeClr val="tx2"/>
+          </a:solidFill>
+        </a:defRPr>
+      </a:lvl8pPr>
+      <a:lvl9pPr eaLnBrk="1" hangingPunct="1">
+        <a:defRPr>
+          <a:solidFill>
+            <a:schemeClr val="tx2"/>
+          </a:solidFill>
+        </a:defRPr>
+      </a:lvl9pPr>
     </p:titleStyle>
     <p:bodyStyle>
-      <a:lvl1pPr marL="228600" indent="-228600" algn="l" defTabSz="914400" rtl="0" eaLnBrk="1" latinLnBrk="0" hangingPunct="1">
-        <a:lnSpc>
-          <a:spcPct val="90000"/>
-        </a:lnSpc>
+      <a:lvl1pPr marL="274320" indent="-274320" algn="l" defTabSz="914400" rtl="0" eaLnBrk="1" latinLnBrk="0" hangingPunct="1">
         <a:spcBef>
-          <a:spcPts val="1000"/>
+          <a:spcPct val="20000"/>
         </a:spcBef>
-        <a:buFont typeface="Arial" panose="020B0604020202020204" pitchFamily="34" charset="0"/>
+        <a:buClr>
+          <a:schemeClr val="accent1"/>
+        </a:buClr>
+        <a:buFont typeface="Arial" pitchFamily="34" charset="0"/>
         <a:buChar char="•"/>
-        <a:defRPr sz="2800" kern="1200">
+        <a:defRPr sz="2400" kern="1200">
           <a:solidFill>
-            <a:schemeClr val="tx1"/>
+            <a:schemeClr val="tx2"/>
           </a:solidFill>
           <a:latin typeface="+mn-lt"/>
           <a:ea typeface="+mn-ea"/>
           <a:cs typeface="+mn-cs"/>
         </a:defRPr>
       </a:lvl1pPr>
-      <a:lvl2pPr marL="685800" indent="-228600" algn="l" defTabSz="914400" rtl="0" eaLnBrk="1" latinLnBrk="0" hangingPunct="1">
-        <a:lnSpc>
-          <a:spcPct val="90000"/>
-        </a:lnSpc>
+      <a:lvl2pPr marL="594360" indent="-274320" algn="l" defTabSz="914400" rtl="0" eaLnBrk="1" latinLnBrk="0" hangingPunct="1">
         <a:spcBef>
-          <a:spcPts val="500"/>
+          <a:spcPct val="20000"/>
         </a:spcBef>
-        <a:buFont typeface="Arial" panose="020B0604020202020204" pitchFamily="34" charset="0"/>
+        <a:buClr>
+          <a:schemeClr val="accent1"/>
+        </a:buClr>
+        <a:buFont typeface="Arial" pitchFamily="34" charset="0"/>
         <a:buChar char="•"/>
-        <a:defRPr sz="2400" kern="1200">
+        <a:defRPr sz="2200" kern="1200">
           <a:solidFill>
-            <a:schemeClr val="tx1"/>
+            <a:schemeClr val="tx2"/>
           </a:solidFill>
           <a:latin typeface="+mn-lt"/>
           <a:ea typeface="+mn-ea"/>
           <a:cs typeface="+mn-cs"/>
         </a:defRPr>
       </a:lvl2pPr>
-      <a:lvl3pPr marL="1143000" indent="-228600" algn="l" defTabSz="914400" rtl="0" eaLnBrk="1" latinLnBrk="0" hangingPunct="1">
-        <a:lnSpc>
-          <a:spcPct val="90000"/>
-        </a:lnSpc>
+      <a:lvl3pPr marL="868680" indent="-228600" algn="l" defTabSz="914400" rtl="0" eaLnBrk="1" latinLnBrk="0" hangingPunct="1">
         <a:spcBef>
-          <a:spcPts val="500"/>
+          <a:spcPct val="20000"/>
         </a:spcBef>
-        <a:buFont typeface="Arial" panose="020B0604020202020204" pitchFamily="34" charset="0"/>
+        <a:buClr>
+          <a:schemeClr val="accent1"/>
+        </a:buClr>
+        <a:buFont typeface="Arial" pitchFamily="34" charset="0"/>
         <a:buChar char="•"/>
         <a:defRPr sz="2000" kern="1200">
           <a:solidFill>
-            <a:schemeClr val="tx1"/>
+            <a:schemeClr val="tx2"/>
           </a:solidFill>
           <a:latin typeface="+mn-lt"/>
           <a:ea typeface="+mn-ea"/>
           <a:cs typeface="+mn-cs"/>
         </a:defRPr>
       </a:lvl3pPr>
-      <a:lvl4pPr marL="1600200" indent="-228600" algn="l" defTabSz="914400" rtl="0" eaLnBrk="1" latinLnBrk="0" hangingPunct="1">
-        <a:lnSpc>
-          <a:spcPct val="90000"/>
-        </a:lnSpc>
+      <a:lvl4pPr marL="1143000" indent="-228600" algn="l" defTabSz="914400" rtl="0" eaLnBrk="1" latinLnBrk="0" hangingPunct="1">
         <a:spcBef>
-          <a:spcPts val="500"/>
+          <a:spcPct val="20000"/>
         </a:spcBef>
-        <a:buFont typeface="Arial" panose="020B0604020202020204" pitchFamily="34" charset="0"/>
+        <a:buClr>
+          <a:schemeClr val="accent1"/>
+        </a:buClr>
+        <a:buFont typeface="Arial" pitchFamily="34" charset="0"/>
         <a:buChar char="•"/>
         <a:defRPr sz="1800" kern="1200">
           <a:solidFill>
-            <a:schemeClr val="tx1"/>
+            <a:schemeClr val="tx2"/>
           </a:solidFill>
           <a:latin typeface="+mn-lt"/>
           <a:ea typeface="+mn-ea"/>
           <a:cs typeface="+mn-cs"/>
         </a:defRPr>
       </a:lvl4pPr>
-      <a:lvl5pPr marL="2057400" indent="-228600" algn="l" defTabSz="914400" rtl="0" eaLnBrk="1" latinLnBrk="0" hangingPunct="1">
-        <a:lnSpc>
-          <a:spcPct val="90000"/>
-        </a:lnSpc>
+      <a:lvl5pPr marL="1371600" indent="-228600" algn="l" defTabSz="914400" rtl="0" eaLnBrk="1" latinLnBrk="0" hangingPunct="1">
         <a:spcBef>
-          <a:spcPts val="500"/>
+          <a:spcPct val="20000"/>
         </a:spcBef>
-        <a:buFont typeface="Arial" panose="020B0604020202020204" pitchFamily="34" charset="0"/>
+        <a:buClr>
+          <a:schemeClr val="accent1"/>
+        </a:buClr>
+        <a:buFont typeface="Arial" pitchFamily="34" charset="0"/>
         <a:buChar char="•"/>
-        <a:defRPr sz="1800" kern="1200">
+        <a:defRPr sz="1800" kern="1200" baseline="0">
           <a:solidFill>
-            <a:schemeClr val="tx1"/>
+            <a:schemeClr val="tx2"/>
           </a:solidFill>
           <a:latin typeface="+mn-lt"/>
           <a:ea typeface="+mn-ea"/>
           <a:cs typeface="+mn-cs"/>
         </a:defRPr>
       </a:lvl5pPr>
-      <a:lvl6pPr marL="2514600" indent="-228600" algn="l" defTabSz="914400" rtl="0" eaLnBrk="1" latinLnBrk="0" hangingPunct="1">
-        <a:lnSpc>
-          <a:spcPct val="90000"/>
-        </a:lnSpc>
+      <a:lvl6pPr marL="1645920" indent="-228600" algn="l" defTabSz="914400" rtl="0" eaLnBrk="1" latinLnBrk="0" hangingPunct="1">
         <a:spcBef>
-          <a:spcPts val="500"/>
+          <a:spcPct val="20000"/>
         </a:spcBef>
-        <a:buFont typeface="Arial" panose="020B0604020202020204" pitchFamily="34" charset="0"/>
+        <a:buClr>
+          <a:schemeClr val="accent1"/>
+        </a:buClr>
+        <a:buFont typeface="Arial" pitchFamily="34" charset="0"/>
         <a:buChar char="•"/>
-        <a:defRPr sz="1800" kern="1200">
+        <a:defRPr sz="1600" kern="1200">
           <a:solidFill>
-            <a:schemeClr val="tx1"/>
+            <a:schemeClr val="tx2"/>
           </a:solidFill>
           <a:latin typeface="+mn-lt"/>
           <a:ea typeface="+mn-ea"/>
           <a:cs typeface="+mn-cs"/>
         </a:defRPr>
       </a:lvl6pPr>
-      <a:lvl7pPr marL="2971800" indent="-228600" algn="l" defTabSz="914400" rtl="0" eaLnBrk="1" latinLnBrk="0" hangingPunct="1">
-        <a:lnSpc>
-          <a:spcPct val="90000"/>
-        </a:lnSpc>
+      <a:lvl7pPr marL="1901952" indent="-228600" algn="l" defTabSz="914400" rtl="0" eaLnBrk="1" latinLnBrk="0" hangingPunct="1">
         <a:spcBef>
-          <a:spcPts val="500"/>
+          <a:spcPct val="20000"/>
         </a:spcBef>
-        <a:buFont typeface="Arial" panose="020B0604020202020204" pitchFamily="34" charset="0"/>
+        <a:buClr>
+          <a:schemeClr val="accent1"/>
+        </a:buClr>
+        <a:buFont typeface="Arial" pitchFamily="34" charset="0"/>
         <a:buChar char="•"/>
-        <a:defRPr sz="1800" kern="1200">
+        <a:defRPr sz="1600" kern="1200">
           <a:solidFill>
-            <a:schemeClr val="tx1"/>
+            <a:schemeClr val="tx2"/>
           </a:solidFill>
           <a:latin typeface="+mn-lt"/>
           <a:ea typeface="+mn-ea"/>
           <a:cs typeface="+mn-cs"/>
         </a:defRPr>
       </a:lvl7pPr>
-      <a:lvl8pPr marL="3429000" indent="-228600" algn="l" defTabSz="914400" rtl="0" eaLnBrk="1" latinLnBrk="0" hangingPunct="1">
-        <a:lnSpc>
-          <a:spcPct val="90000"/>
-        </a:lnSpc>
+      <a:lvl8pPr marL="2194560" indent="-228600" algn="l" defTabSz="914400" rtl="0" eaLnBrk="1" latinLnBrk="0" hangingPunct="1">
         <a:spcBef>
-          <a:spcPts val="500"/>
+          <a:spcPct val="20000"/>
         </a:spcBef>
-        <a:buFont typeface="Arial" panose="020B0604020202020204" pitchFamily="34" charset="0"/>
+        <a:buClr>
+          <a:schemeClr val="accent1"/>
+        </a:buClr>
+        <a:buFont typeface="Arial" pitchFamily="34" charset="0"/>
         <a:buChar char="•"/>
-        <a:defRPr sz="1800" kern="1200">
+        <a:defRPr sz="1600" kern="1200">
           <a:solidFill>
-            <a:schemeClr val="tx1"/>
+            <a:schemeClr val="tx2"/>
           </a:solidFill>
           <a:latin typeface="+mn-lt"/>
           <a:ea typeface="+mn-ea"/>
           <a:cs typeface="+mn-cs"/>
         </a:defRPr>
       </a:lvl8pPr>
-      <a:lvl9pPr marL="3886200" indent="-228600" algn="l" defTabSz="914400" rtl="0" eaLnBrk="1" latinLnBrk="0" hangingPunct="1">
-        <a:lnSpc>
-          <a:spcPct val="90000"/>
-        </a:lnSpc>
+      <a:lvl9pPr marL="2468880" indent="-228600" algn="l" defTabSz="914400" rtl="0" eaLnBrk="1" latinLnBrk="0" hangingPunct="1">
         <a:spcBef>
-          <a:spcPts val="500"/>
+          <a:spcPct val="20000"/>
         </a:spcBef>
-        <a:buFont typeface="Arial" panose="020B0604020202020204" pitchFamily="34" charset="0"/>
+        <a:buClr>
+          <a:schemeClr val="accent1"/>
+        </a:buClr>
+        <a:buFont typeface="Arial" pitchFamily="34" charset="0"/>
         <a:buChar char="•"/>
-        <a:defRPr sz="1800" kern="1200">
+        <a:defRPr sz="1600" kern="1200">
           <a:solidFill>
-            <a:schemeClr val="tx1"/>
+            <a:schemeClr val="tx2"/>
           </a:solidFill>
           <a:latin typeface="+mn-lt"/>
           <a:ea typeface="+mn-ea"/>
@@ -2922,7 +3535,14 @@
         <p:cNvGrpSpPr/>
         <p:nvPr/>
       </p:nvGrpSpPr>
-      <p:grpSpPr/>
+      <p:grpSpPr>
+        <a:xfrm>
+          <a:off x="0" y="0"/>
+          <a:ext cx="0" cy="0"/>
+          <a:chOff x="0" y="0"/>
+          <a:chExt cx="0" cy="0"/>
+        </a:xfrm>
+      </p:grpSpPr>
       <p:sp>
         <p:nvSpPr>
           <p:cNvPr id="2" name="Title 1"/>
@@ -2936,8 +3556,13 @@
         <p:spPr/>
         <p:txBody>
           <a:bodyPr/>
-          <a:p>
-            <a:endParaRPr lang="en-US"/>
+          <a:lstStyle/>
+          <a:p>
+            <a:r>
+              <a:rPr lang="en-US" dirty="0" smtClean="0"/>
+              <a:t>Sentiment Analysis</a:t>
+            </a:r>
+            <a:endParaRPr lang="en-US" dirty="0"/>
           </a:p>
         </p:txBody>
       </p:sp>
@@ -2951,11 +3576,29 @@
             <p:ph type="subTitle" idx="1"/>
           </p:nvPr>
         </p:nvSpPr>
-        <p:spPr/>
+        <p:spPr>
+          <a:xfrm>
+            <a:off x="7431110" y="4783368"/>
+            <a:ext cx="2936383" cy="615085"/>
+          </a:xfrm>
+        </p:spPr>
         <p:txBody>
           <a:bodyPr/>
-          <a:p>
-            <a:endParaRPr lang="en-US"/>
+          <a:lstStyle/>
+          <a:p>
+            <a:r>
+              <a:rPr lang="en-US" dirty="0"/>
+              <a:t>– </a:t>
+            </a:r>
+            <a:r>
+              <a:rPr lang="en-US" dirty="0" err="1" smtClean="0"/>
+              <a:t>Devender</a:t>
+            </a:r>
+            <a:r>
+              <a:rPr lang="en-US" dirty="0" smtClean="0"/>
+              <a:t> Singh </a:t>
+            </a:r>
+            <a:endParaRPr lang="en-US" dirty="0"/>
           </a:p>
         </p:txBody>
       </p:sp>
@@ -2964,6 +3607,13 @@
   <p:clrMapOvr>
     <a:masterClrMapping/>
   </p:clrMapOvr>
+  <p:timing>
+    <p:tnLst>
+      <p:par>
+        <p:cTn id="1" dur="indefinite" restart="never" nodeType="tmRoot"/>
+      </p:par>
+    </p:tnLst>
+  </p:timing>
 </p:sld>
 </file>
 
@@ -2976,48 +3626,2202 @@
         <p:cNvGrpSpPr/>
         <p:nvPr/>
       </p:nvGrpSpPr>
-      <p:grpSpPr/>
-      <p:sp>
-        <p:nvSpPr>
-          <p:cNvPr id="2" name="Title 1"/>
-          <p:cNvSpPr>
-            <a:spLocks noGrp="1"/>
-          </p:cNvSpPr>
-          <p:nvPr>
-            <p:ph type="title"/>
-          </p:nvPr>
-        </p:nvSpPr>
-        <p:spPr/>
-        <p:txBody>
-          <a:bodyPr/>
-          <a:p>
-            <a:endParaRPr lang="en-US"/>
-          </a:p>
-        </p:txBody>
-      </p:sp>
-      <p:sp>
-        <p:nvSpPr>
-          <p:cNvPr id="3" name="Content Placeholder 2"/>
-          <p:cNvSpPr>
-            <a:spLocks noGrp="1"/>
-          </p:cNvSpPr>
+      <p:grpSpPr>
+        <a:xfrm>
+          <a:off x="0" y="0"/>
+          <a:ext cx="0" cy="0"/>
+          <a:chOff x="0" y="0"/>
+          <a:chExt cx="0" cy="0"/>
+        </a:xfrm>
+      </p:grpSpPr>
+      <p:pic>
+        <p:nvPicPr>
+          <p:cNvPr id="4" name="Content Placeholder 3"/>
+          <p:cNvPicPr>
+            <a:picLocks noGrp="1" noChangeAspect="1"/>
+          </p:cNvPicPr>
           <p:nvPr>
             <p:ph idx="1"/>
           </p:nvPr>
-        </p:nvSpPr>
-        <p:spPr/>
-        <p:txBody>
-          <a:bodyPr/>
-          <a:p>
-            <a:endParaRPr lang="en-US"/>
-          </a:p>
-        </p:txBody>
-      </p:sp>
+        </p:nvPicPr>
+        <p:blipFill>
+          <a:blip r:embed="rId2"/>
+          <a:stretch>
+            <a:fillRect/>
+          </a:stretch>
+        </p:blipFill>
+        <p:spPr>
+          <a:xfrm>
+            <a:off x="1624459" y="479736"/>
+            <a:ext cx="8652883" cy="5669811"/>
+          </a:xfrm>
+          <a:prstGeom prst="rect">
+            <a:avLst/>
+          </a:prstGeom>
+        </p:spPr>
+      </p:pic>
     </p:spTree>
   </p:cSld>
   <p:clrMapOvr>
     <a:masterClrMapping/>
   </p:clrMapOvr>
+  <p:timing>
+    <p:tnLst>
+      <p:par>
+        <p:cTn id="1" dur="indefinite" restart="never" nodeType="tmRoot"/>
+      </p:par>
+    </p:tnLst>
+  </p:timing>
+</p:sld>
+</file>
+
+<file path=ppt/slides/slide11.xml><?xml version="1.0" encoding="utf-8"?>
+<p:sld xmlns:a="http://schemas.openxmlformats.org/drawingml/2006/main" xmlns:r="http://schemas.openxmlformats.org/officeDocument/2006/relationships" xmlns:p="http://schemas.openxmlformats.org/presentationml/2006/main">
+  <p:cSld>
+    <p:spTree>
+      <p:nvGrpSpPr>
+        <p:cNvPr id="1" name=""/>
+        <p:cNvGrpSpPr/>
+        <p:nvPr/>
+      </p:nvGrpSpPr>
+      <p:grpSpPr>
+        <a:xfrm>
+          <a:off x="0" y="0"/>
+          <a:ext cx="0" cy="0"/>
+          <a:chOff x="0" y="0"/>
+          <a:chExt cx="0" cy="0"/>
+        </a:xfrm>
+      </p:grpSpPr>
+      <p:sp>
+        <p:nvSpPr>
+          <p:cNvPr id="2" name="Title 1"/>
+          <p:cNvSpPr>
+            <a:spLocks noGrp="1"/>
+          </p:cNvSpPr>
+          <p:nvPr>
+            <p:ph type="title"/>
+          </p:nvPr>
+        </p:nvSpPr>
+        <p:spPr>
+          <a:xfrm>
+            <a:off x="1286456" y="579551"/>
+            <a:ext cx="9042400" cy="721215"/>
+          </a:xfrm>
+        </p:spPr>
+        <p:txBody>
+          <a:bodyPr>
+            <a:normAutofit/>
+          </a:bodyPr>
+          <a:lstStyle/>
+          <a:p>
+            <a:r>
+              <a:rPr lang="en-US" sz="3200" dirty="0" smtClean="0"/>
+              <a:t>Experiment 1 – Classifying Tweets based on Racis</a:t>
+            </a:r>
+            <a:r>
+              <a:rPr lang="en-US" sz="3200" dirty="0"/>
+              <a:t>m</a:t>
+            </a:r>
+            <a:endParaRPr lang="en-US" sz="3200" dirty="0"/>
+          </a:p>
+        </p:txBody>
+      </p:sp>
+      <p:sp>
+        <p:nvSpPr>
+          <p:cNvPr id="3" name="Content Placeholder 2"/>
+          <p:cNvSpPr>
+            <a:spLocks noGrp="1"/>
+          </p:cNvSpPr>
+          <p:nvPr>
+            <p:ph idx="1"/>
+          </p:nvPr>
+        </p:nvSpPr>
+        <p:spPr>
+          <a:xfrm>
+            <a:off x="1413096" y="1368379"/>
+            <a:ext cx="8862095" cy="975576"/>
+          </a:xfrm>
+        </p:spPr>
+        <p:txBody>
+          <a:bodyPr>
+            <a:normAutofit fontScale="85000" lnSpcReduction="10000"/>
+          </a:bodyPr>
+          <a:lstStyle/>
+          <a:p>
+            <a:pPr marL="0" indent="0">
+              <a:buNone/>
+            </a:pPr>
+            <a:r>
+              <a:rPr lang="en-US" b="1" i="1" dirty="0" smtClean="0"/>
+              <a:t>The objective of this task is to detect hate speech in tweets. For the sake of simplicity, we say a tweet contains hate speech if it has a racist or sexist sentiment associated with it. So, the task is to classify racist or sexist tweets from </a:t>
+            </a:r>
+            <a:r>
+              <a:rPr lang="en-US" b="1" i="1" dirty="0"/>
+              <a:t>other </a:t>
+            </a:r>
+            <a:r>
+              <a:rPr lang="en-US" b="1" i="1" dirty="0" smtClean="0"/>
+              <a:t>tweets</a:t>
+            </a:r>
+            <a:r>
+              <a:rPr lang="en-US" b="1" i="1" dirty="0"/>
+              <a:t>.</a:t>
+            </a:r>
+            <a:endParaRPr lang="en-US" dirty="0"/>
+          </a:p>
+        </p:txBody>
+      </p:sp>
+      <p:sp>
+        <p:nvSpPr>
+          <p:cNvPr id="4" name="Content Placeholder 2"/>
+          <p:cNvSpPr txBox="1">
+            <a:spLocks/>
+          </p:cNvSpPr>
+          <p:nvPr/>
+        </p:nvSpPr>
+        <p:spPr>
+          <a:xfrm>
+            <a:off x="1413097" y="2358975"/>
+            <a:ext cx="8862095" cy="1182712"/>
+          </a:xfrm>
+          <a:prstGeom prst="rect">
+            <a:avLst/>
+          </a:prstGeom>
+        </p:spPr>
+        <p:txBody>
+          <a:bodyPr vert="horz" lIns="91440" tIns="45720" rIns="91440" bIns="45720" rtlCol="0" anchor="ctr" anchorCtr="0">
+            <a:normAutofit/>
+          </a:bodyPr>
+          <a:lstStyle>
+            <a:lvl1pPr marL="274320" indent="-274320" algn="l" defTabSz="914400" rtl="0" eaLnBrk="1" latinLnBrk="0" hangingPunct="1">
+              <a:spcBef>
+                <a:spcPct val="20000"/>
+              </a:spcBef>
+              <a:buClr>
+                <a:schemeClr val="accent1"/>
+              </a:buClr>
+              <a:buFont typeface="Arial" pitchFamily="34" charset="0"/>
+              <a:buChar char="•"/>
+              <a:defRPr sz="2400" kern="1200">
+                <a:solidFill>
+                  <a:schemeClr val="tx2"/>
+                </a:solidFill>
+                <a:latin typeface="+mn-lt"/>
+                <a:ea typeface="+mn-ea"/>
+                <a:cs typeface="+mn-cs"/>
+              </a:defRPr>
+            </a:lvl1pPr>
+            <a:lvl2pPr marL="594360" indent="-274320" algn="l" defTabSz="914400" rtl="0" eaLnBrk="1" latinLnBrk="0" hangingPunct="1">
+              <a:spcBef>
+                <a:spcPct val="20000"/>
+              </a:spcBef>
+              <a:buClr>
+                <a:schemeClr val="accent1"/>
+              </a:buClr>
+              <a:buFont typeface="Arial" pitchFamily="34" charset="0"/>
+              <a:buChar char="•"/>
+              <a:defRPr sz="2200" kern="1200">
+                <a:solidFill>
+                  <a:schemeClr val="tx2"/>
+                </a:solidFill>
+                <a:latin typeface="+mn-lt"/>
+                <a:ea typeface="+mn-ea"/>
+                <a:cs typeface="+mn-cs"/>
+              </a:defRPr>
+            </a:lvl2pPr>
+            <a:lvl3pPr marL="868680" indent="-228600" algn="l" defTabSz="914400" rtl="0" eaLnBrk="1" latinLnBrk="0" hangingPunct="1">
+              <a:spcBef>
+                <a:spcPct val="20000"/>
+              </a:spcBef>
+              <a:buClr>
+                <a:schemeClr val="accent1"/>
+              </a:buClr>
+              <a:buFont typeface="Arial" pitchFamily="34" charset="0"/>
+              <a:buChar char="•"/>
+              <a:defRPr sz="2000" kern="1200">
+                <a:solidFill>
+                  <a:schemeClr val="tx2"/>
+                </a:solidFill>
+                <a:latin typeface="+mn-lt"/>
+                <a:ea typeface="+mn-ea"/>
+                <a:cs typeface="+mn-cs"/>
+              </a:defRPr>
+            </a:lvl3pPr>
+            <a:lvl4pPr marL="1143000" indent="-228600" algn="l" defTabSz="914400" rtl="0" eaLnBrk="1" latinLnBrk="0" hangingPunct="1">
+              <a:spcBef>
+                <a:spcPct val="20000"/>
+              </a:spcBef>
+              <a:buClr>
+                <a:schemeClr val="accent1"/>
+              </a:buClr>
+              <a:buFont typeface="Arial" pitchFamily="34" charset="0"/>
+              <a:buChar char="•"/>
+              <a:defRPr sz="1800" kern="1200">
+                <a:solidFill>
+                  <a:schemeClr val="tx2"/>
+                </a:solidFill>
+                <a:latin typeface="+mn-lt"/>
+                <a:ea typeface="+mn-ea"/>
+                <a:cs typeface="+mn-cs"/>
+              </a:defRPr>
+            </a:lvl4pPr>
+            <a:lvl5pPr marL="1371600" indent="-228600" algn="l" defTabSz="914400" rtl="0" eaLnBrk="1" latinLnBrk="0" hangingPunct="1">
+              <a:spcBef>
+                <a:spcPct val="20000"/>
+              </a:spcBef>
+              <a:buClr>
+                <a:schemeClr val="accent1"/>
+              </a:buClr>
+              <a:buFont typeface="Arial" pitchFamily="34" charset="0"/>
+              <a:buChar char="•"/>
+              <a:defRPr sz="1800" kern="1200" baseline="0">
+                <a:solidFill>
+                  <a:schemeClr val="tx2"/>
+                </a:solidFill>
+                <a:latin typeface="+mn-lt"/>
+                <a:ea typeface="+mn-ea"/>
+                <a:cs typeface="+mn-cs"/>
+              </a:defRPr>
+            </a:lvl5pPr>
+            <a:lvl6pPr marL="1645920" indent="-228600" algn="l" defTabSz="914400" rtl="0" eaLnBrk="1" latinLnBrk="0" hangingPunct="1">
+              <a:spcBef>
+                <a:spcPct val="20000"/>
+              </a:spcBef>
+              <a:buClr>
+                <a:schemeClr val="accent1"/>
+              </a:buClr>
+              <a:buFont typeface="Arial" pitchFamily="34" charset="0"/>
+              <a:buChar char="•"/>
+              <a:defRPr sz="1600" kern="1200">
+                <a:solidFill>
+                  <a:schemeClr val="tx2"/>
+                </a:solidFill>
+                <a:latin typeface="+mn-lt"/>
+                <a:ea typeface="+mn-ea"/>
+                <a:cs typeface="+mn-cs"/>
+              </a:defRPr>
+            </a:lvl6pPr>
+            <a:lvl7pPr marL="1901952" indent="-228600" algn="l" defTabSz="914400" rtl="0" eaLnBrk="1" latinLnBrk="0" hangingPunct="1">
+              <a:spcBef>
+                <a:spcPct val="20000"/>
+              </a:spcBef>
+              <a:buClr>
+                <a:schemeClr val="accent1"/>
+              </a:buClr>
+              <a:buFont typeface="Arial" pitchFamily="34" charset="0"/>
+              <a:buChar char="•"/>
+              <a:defRPr sz="1600" kern="1200">
+                <a:solidFill>
+                  <a:schemeClr val="tx2"/>
+                </a:solidFill>
+                <a:latin typeface="+mn-lt"/>
+                <a:ea typeface="+mn-ea"/>
+                <a:cs typeface="+mn-cs"/>
+              </a:defRPr>
+            </a:lvl7pPr>
+            <a:lvl8pPr marL="2194560" indent="-228600" algn="l" defTabSz="914400" rtl="0" eaLnBrk="1" latinLnBrk="0" hangingPunct="1">
+              <a:spcBef>
+                <a:spcPct val="20000"/>
+              </a:spcBef>
+              <a:buClr>
+                <a:schemeClr val="accent1"/>
+              </a:buClr>
+              <a:buFont typeface="Arial" pitchFamily="34" charset="0"/>
+              <a:buChar char="•"/>
+              <a:defRPr sz="1600" kern="1200">
+                <a:solidFill>
+                  <a:schemeClr val="tx2"/>
+                </a:solidFill>
+                <a:latin typeface="+mn-lt"/>
+                <a:ea typeface="+mn-ea"/>
+                <a:cs typeface="+mn-cs"/>
+              </a:defRPr>
+            </a:lvl8pPr>
+            <a:lvl9pPr marL="2468880" indent="-228600" algn="l" defTabSz="914400" rtl="0" eaLnBrk="1" latinLnBrk="0" hangingPunct="1">
+              <a:spcBef>
+                <a:spcPct val="20000"/>
+              </a:spcBef>
+              <a:buClr>
+                <a:schemeClr val="accent1"/>
+              </a:buClr>
+              <a:buFont typeface="Arial" pitchFamily="34" charset="0"/>
+              <a:buChar char="•"/>
+              <a:defRPr sz="1600" kern="1200">
+                <a:solidFill>
+                  <a:schemeClr val="tx2"/>
+                </a:solidFill>
+                <a:latin typeface="+mn-lt"/>
+                <a:ea typeface="+mn-ea"/>
+                <a:cs typeface="+mn-cs"/>
+              </a:defRPr>
+            </a:lvl9pPr>
+          </a:lstStyle>
+          <a:p>
+            <a:pPr marL="0" indent="0">
+              <a:buFont typeface="Arial" pitchFamily="34" charset="0"/>
+              <a:buNone/>
+            </a:pPr>
+            <a:r>
+              <a:rPr lang="en-US" sz="2000" b="1" u="sng" dirty="0" smtClean="0"/>
+              <a:t>Dataset</a:t>
+            </a:r>
+            <a:r>
+              <a:rPr lang="en-US" sz="2000" dirty="0" smtClean="0"/>
+              <a:t> -  Formally</a:t>
+            </a:r>
+            <a:r>
+              <a:rPr lang="en-US" sz="2000" dirty="0"/>
+              <a:t>, given a training sample of tweets and labels, where label ‘1’ denotes the tweet is racist/sexist and label ‘0’ denotes the tweet is not racist/sexist, your objective is to predict the labels on the given test dataset.</a:t>
+            </a:r>
+            <a:endParaRPr lang="en-US" sz="2000" dirty="0"/>
+          </a:p>
+        </p:txBody>
+      </p:sp>
+      <p:sp>
+        <p:nvSpPr>
+          <p:cNvPr id="6" name="Rectangle 5"/>
+          <p:cNvSpPr/>
+          <p:nvPr/>
+        </p:nvSpPr>
+        <p:spPr>
+          <a:xfrm>
+            <a:off x="1413097" y="3604938"/>
+            <a:ext cx="3720121" cy="369332"/>
+          </a:xfrm>
+          <a:prstGeom prst="rect">
+            <a:avLst/>
+          </a:prstGeom>
+        </p:spPr>
+        <p:txBody>
+          <a:bodyPr wrap="none">
+            <a:spAutoFit/>
+          </a:bodyPr>
+          <a:lstStyle/>
+          <a:p>
+            <a:r>
+              <a:rPr lang="en-US" b="1" dirty="0"/>
+              <a:t> Tweets Preprocessing and Cleaning</a:t>
+            </a:r>
+          </a:p>
+        </p:txBody>
+      </p:sp>
+      <p:sp>
+        <p:nvSpPr>
+          <p:cNvPr id="7" name="Rectangle 6"/>
+          <p:cNvSpPr/>
+          <p:nvPr/>
+        </p:nvSpPr>
+        <p:spPr>
+          <a:xfrm>
+            <a:off x="2100105" y="3974270"/>
+            <a:ext cx="3788794" cy="369332"/>
+          </a:xfrm>
+          <a:prstGeom prst="rect">
+            <a:avLst/>
+          </a:prstGeom>
+        </p:spPr>
+        <p:txBody>
+          <a:bodyPr wrap="none">
+            <a:spAutoFit/>
+          </a:bodyPr>
+          <a:lstStyle/>
+          <a:p>
+            <a:r>
+              <a:rPr lang="en-US" dirty="0"/>
+              <a:t>A) Removing Twitter Handles (@user)</a:t>
+            </a:r>
+          </a:p>
+        </p:txBody>
+      </p:sp>
+      <p:sp>
+        <p:nvSpPr>
+          <p:cNvPr id="8" name="Rectangle 7"/>
+          <p:cNvSpPr/>
+          <p:nvPr/>
+        </p:nvSpPr>
+        <p:spPr>
+          <a:xfrm>
+            <a:off x="2100105" y="4347550"/>
+            <a:ext cx="5878532" cy="369332"/>
+          </a:xfrm>
+          <a:prstGeom prst="rect">
+            <a:avLst/>
+          </a:prstGeom>
+        </p:spPr>
+        <p:txBody>
+          <a:bodyPr wrap="none">
+            <a:spAutoFit/>
+          </a:bodyPr>
+          <a:lstStyle/>
+          <a:p>
+            <a:r>
+              <a:rPr lang="en-US" dirty="0" smtClean="0"/>
+              <a:t>B) Removing Punctuations, Numbers, and Special Characters</a:t>
+            </a:r>
+            <a:endParaRPr lang="en-US" dirty="0"/>
+          </a:p>
+        </p:txBody>
+      </p:sp>
+      <p:sp>
+        <p:nvSpPr>
+          <p:cNvPr id="9" name="Rectangle 8"/>
+          <p:cNvSpPr/>
+          <p:nvPr/>
+        </p:nvSpPr>
+        <p:spPr>
+          <a:xfrm>
+            <a:off x="2098097" y="4734319"/>
+            <a:ext cx="6096000" cy="923330"/>
+          </a:xfrm>
+          <a:prstGeom prst="rect">
+            <a:avLst/>
+          </a:prstGeom>
+        </p:spPr>
+        <p:txBody>
+          <a:bodyPr>
+            <a:spAutoFit/>
+          </a:bodyPr>
+          <a:lstStyle/>
+          <a:p>
+            <a:r>
+              <a:rPr lang="en-US" dirty="0"/>
+              <a:t>C) Removing </a:t>
+            </a:r>
+            <a:r>
+              <a:rPr lang="en-US" dirty="0"/>
+              <a:t>S</a:t>
+            </a:r>
+            <a:r>
+              <a:rPr lang="en-US" dirty="0" smtClean="0"/>
+              <a:t>top Words</a:t>
+            </a:r>
+            <a:endParaRPr lang="en-US" dirty="0"/>
+          </a:p>
+          <a:p>
+            <a:r>
+              <a:rPr lang="en-US" dirty="0" smtClean="0"/>
+              <a:t/>
+            </a:r>
+            <a:br>
+              <a:rPr lang="en-US" dirty="0" smtClean="0"/>
+            </a:br>
+            <a:endParaRPr lang="en-US" dirty="0"/>
+          </a:p>
+        </p:txBody>
+      </p:sp>
+      <p:sp>
+        <p:nvSpPr>
+          <p:cNvPr id="10" name="Rectangle 9"/>
+          <p:cNvSpPr/>
+          <p:nvPr/>
+        </p:nvSpPr>
+        <p:spPr>
+          <a:xfrm>
+            <a:off x="2100105" y="5086122"/>
+            <a:ext cx="1684051" cy="369332"/>
+          </a:xfrm>
+          <a:prstGeom prst="rect">
+            <a:avLst/>
+          </a:prstGeom>
+        </p:spPr>
+        <p:txBody>
+          <a:bodyPr wrap="none">
+            <a:spAutoFit/>
+          </a:bodyPr>
+          <a:lstStyle/>
+          <a:p>
+            <a:r>
+              <a:rPr lang="en-US" dirty="0"/>
+              <a:t>D) Tokenization</a:t>
+            </a:r>
+          </a:p>
+        </p:txBody>
+      </p:sp>
+      <p:sp>
+        <p:nvSpPr>
+          <p:cNvPr id="11" name="Rectangle 10"/>
+          <p:cNvSpPr/>
+          <p:nvPr/>
+        </p:nvSpPr>
+        <p:spPr>
+          <a:xfrm>
+            <a:off x="2098097" y="5492949"/>
+            <a:ext cx="1409360" cy="369332"/>
+          </a:xfrm>
+          <a:prstGeom prst="rect">
+            <a:avLst/>
+          </a:prstGeom>
+        </p:spPr>
+        <p:txBody>
+          <a:bodyPr wrap="none">
+            <a:spAutoFit/>
+          </a:bodyPr>
+          <a:lstStyle/>
+          <a:p>
+            <a:r>
+              <a:rPr lang="en-US" dirty="0"/>
+              <a:t>E) Stemming</a:t>
+            </a:r>
+          </a:p>
+        </p:txBody>
+      </p:sp>
+    </p:spTree>
+  </p:cSld>
+  <p:clrMapOvr>
+    <a:masterClrMapping/>
+  </p:clrMapOvr>
+  <p:timing>
+    <p:tnLst>
+      <p:par>
+        <p:cTn id="1" dur="indefinite" restart="never" nodeType="tmRoot"/>
+      </p:par>
+    </p:tnLst>
+  </p:timing>
+</p:sld>
+</file>
+
+<file path=ppt/slides/slide12.xml><?xml version="1.0" encoding="utf-8"?>
+<p:sld xmlns:a="http://schemas.openxmlformats.org/drawingml/2006/main" xmlns:r="http://schemas.openxmlformats.org/officeDocument/2006/relationships" xmlns:p="http://schemas.openxmlformats.org/presentationml/2006/main">
+  <p:cSld>
+    <p:spTree>
+      <p:nvGrpSpPr>
+        <p:cNvPr id="1" name=""/>
+        <p:cNvGrpSpPr/>
+        <p:nvPr/>
+      </p:nvGrpSpPr>
+      <p:grpSpPr>
+        <a:xfrm>
+          <a:off x="0" y="0"/>
+          <a:ext cx="0" cy="0"/>
+          <a:chOff x="0" y="0"/>
+          <a:chExt cx="0" cy="0"/>
+        </a:xfrm>
+      </p:grpSpPr>
+      <p:sp>
+        <p:nvSpPr>
+          <p:cNvPr id="4" name="Rectangle 3"/>
+          <p:cNvSpPr/>
+          <p:nvPr/>
+        </p:nvSpPr>
+        <p:spPr>
+          <a:xfrm>
+            <a:off x="1220394" y="617043"/>
+            <a:ext cx="6648358" cy="523220"/>
+          </a:xfrm>
+          <a:prstGeom prst="rect">
+            <a:avLst/>
+          </a:prstGeom>
+        </p:spPr>
+        <p:txBody>
+          <a:bodyPr wrap="none">
+            <a:spAutoFit/>
+          </a:bodyPr>
+          <a:lstStyle/>
+          <a:p>
+            <a:r>
+              <a:rPr lang="en-US" sz="2800" b="1" dirty="0"/>
+              <a:t> Extracting Features from Cleaned Tweets</a:t>
+            </a:r>
+          </a:p>
+        </p:txBody>
+      </p:sp>
+      <p:sp>
+        <p:nvSpPr>
+          <p:cNvPr id="5" name="Rectangle 4"/>
+          <p:cNvSpPr/>
+          <p:nvPr/>
+        </p:nvSpPr>
+        <p:spPr>
+          <a:xfrm>
+            <a:off x="1598460" y="1132196"/>
+            <a:ext cx="1797287" cy="369332"/>
+          </a:xfrm>
+          <a:prstGeom prst="rect">
+            <a:avLst/>
+          </a:prstGeom>
+        </p:spPr>
+        <p:txBody>
+          <a:bodyPr wrap="none">
+            <a:spAutoFit/>
+          </a:bodyPr>
+          <a:lstStyle/>
+          <a:p>
+            <a:r>
+              <a:rPr lang="en-US" dirty="0" smtClean="0"/>
+              <a:t>Two Approaches</a:t>
+            </a:r>
+            <a:endParaRPr lang="en-US" dirty="0"/>
+          </a:p>
+        </p:txBody>
+      </p:sp>
+      <p:sp>
+        <p:nvSpPr>
+          <p:cNvPr id="6" name="Rectangle 5"/>
+          <p:cNvSpPr/>
+          <p:nvPr/>
+        </p:nvSpPr>
+        <p:spPr>
+          <a:xfrm>
+            <a:off x="1704222" y="1531444"/>
+            <a:ext cx="2732543" cy="369332"/>
+          </a:xfrm>
+          <a:prstGeom prst="rect">
+            <a:avLst/>
+          </a:prstGeom>
+        </p:spPr>
+        <p:txBody>
+          <a:bodyPr wrap="none">
+            <a:spAutoFit/>
+          </a:bodyPr>
+          <a:lstStyle/>
+          <a:p>
+            <a:r>
+              <a:rPr lang="en-US" b="1" dirty="0" smtClean="0"/>
+              <a:t>1) Bag-of-Words </a:t>
+            </a:r>
+            <a:r>
+              <a:rPr lang="en-US" b="1" dirty="0"/>
+              <a:t>Features</a:t>
+            </a:r>
+          </a:p>
+        </p:txBody>
+      </p:sp>
+      <p:sp>
+        <p:nvSpPr>
+          <p:cNvPr id="7" name="Rectangle 6"/>
+          <p:cNvSpPr/>
+          <p:nvPr/>
+        </p:nvSpPr>
+        <p:spPr>
+          <a:xfrm>
+            <a:off x="1598460" y="3897666"/>
+            <a:ext cx="1033296" cy="369332"/>
+          </a:xfrm>
+          <a:prstGeom prst="rect">
+            <a:avLst/>
+          </a:prstGeom>
+        </p:spPr>
+        <p:txBody>
+          <a:bodyPr wrap="none">
+            <a:spAutoFit/>
+          </a:bodyPr>
+          <a:lstStyle/>
+          <a:p>
+            <a:r>
+              <a:rPr lang="en-US" b="1" dirty="0"/>
+              <a:t>2</a:t>
+            </a:r>
+            <a:r>
+              <a:rPr lang="en-US" b="1" dirty="0" smtClean="0"/>
+              <a:t>) </a:t>
+            </a:r>
+            <a:r>
+              <a:rPr lang="en-US" b="1" dirty="0" err="1" smtClean="0"/>
+              <a:t>Tf-Idf</a:t>
+            </a:r>
+            <a:endParaRPr lang="en-US" b="1" dirty="0"/>
+          </a:p>
+        </p:txBody>
+      </p:sp>
+      <p:pic>
+        <p:nvPicPr>
+          <p:cNvPr id="2050" name="Picture 2" descr="Image result for bag of words and tf idf"/>
+          <p:cNvPicPr>
+            <a:picLocks noChangeAspect="1" noChangeArrowheads="1"/>
+          </p:cNvPicPr>
+          <p:nvPr/>
+        </p:nvPicPr>
+        <p:blipFill>
+          <a:blip r:embed="rId2">
+            <a:extLst>
+              <a:ext uri="{28A0092B-C50C-407E-A947-70E740481C1C}">
+                <a14:useLocalDpi xmlns:a14="http://schemas.microsoft.com/office/drawing/2010/main" val="0"/>
+              </a:ext>
+            </a:extLst>
+          </a:blip>
+          <a:srcRect/>
+          <a:stretch>
+            <a:fillRect/>
+          </a:stretch>
+        </p:blipFill>
+        <p:spPr bwMode="auto">
+          <a:xfrm>
+            <a:off x="2497103" y="4370030"/>
+            <a:ext cx="6788565" cy="1603798"/>
+          </a:xfrm>
+          <a:prstGeom prst="rect">
+            <a:avLst/>
+          </a:prstGeom>
+          <a:noFill/>
+          <a:extLst>
+            <a:ext uri="{909E8E84-426E-40DD-AFC4-6F175D3DCCD1}">
+              <a14:hiddenFill xmlns:a14="http://schemas.microsoft.com/office/drawing/2010/main">
+                <a:solidFill>
+                  <a:srgbClr val="FFFFFF"/>
+                </a:solidFill>
+              </a14:hiddenFill>
+            </a:ext>
+          </a:extLst>
+        </p:spPr>
+      </p:pic>
+      <p:pic>
+        <p:nvPicPr>
+          <p:cNvPr id="2052" name="Picture 4" descr="Image result for bag of words and tf idf"/>
+          <p:cNvPicPr>
+            <a:picLocks noChangeAspect="1" noChangeArrowheads="1"/>
+          </p:cNvPicPr>
+          <p:nvPr/>
+        </p:nvPicPr>
+        <p:blipFill>
+          <a:blip r:embed="rId3">
+            <a:extLst>
+              <a:ext uri="{28A0092B-C50C-407E-A947-70E740481C1C}">
+                <a14:useLocalDpi xmlns:a14="http://schemas.microsoft.com/office/drawing/2010/main" val="0"/>
+              </a:ext>
+            </a:extLst>
+          </a:blip>
+          <a:srcRect/>
+          <a:stretch>
+            <a:fillRect/>
+          </a:stretch>
+        </p:blipFill>
+        <p:spPr bwMode="auto">
+          <a:xfrm>
+            <a:off x="2497103" y="1978050"/>
+            <a:ext cx="6788565" cy="1722599"/>
+          </a:xfrm>
+          <a:prstGeom prst="rect">
+            <a:avLst/>
+          </a:prstGeom>
+          <a:noFill/>
+          <a:extLst>
+            <a:ext uri="{909E8E84-426E-40DD-AFC4-6F175D3DCCD1}">
+              <a14:hiddenFill xmlns:a14="http://schemas.microsoft.com/office/drawing/2010/main">
+                <a:solidFill>
+                  <a:srgbClr val="FFFFFF"/>
+                </a:solidFill>
+              </a14:hiddenFill>
+            </a:ext>
+          </a:extLst>
+        </p:spPr>
+      </p:pic>
+    </p:spTree>
+    <p:extLst>
+      <p:ext uri="{BB962C8B-B14F-4D97-AF65-F5344CB8AC3E}">
+        <p14:creationId xmlns:p14="http://schemas.microsoft.com/office/powerpoint/2010/main" val="959569841"/>
+      </p:ext>
+    </p:extLst>
+  </p:cSld>
+  <p:clrMapOvr>
+    <a:masterClrMapping/>
+  </p:clrMapOvr>
+  <p:timing>
+    <p:tnLst>
+      <p:par>
+        <p:cTn id="1" dur="indefinite" restart="never" nodeType="tmRoot"/>
+      </p:par>
+    </p:tnLst>
+  </p:timing>
+</p:sld>
+</file>
+
+<file path=ppt/slides/slide13.xml><?xml version="1.0" encoding="utf-8"?>
+<p:sld xmlns:a="http://schemas.openxmlformats.org/drawingml/2006/main" xmlns:r="http://schemas.openxmlformats.org/officeDocument/2006/relationships" xmlns:p="http://schemas.openxmlformats.org/presentationml/2006/main">
+  <p:cSld>
+    <p:spTree>
+      <p:nvGrpSpPr>
+        <p:cNvPr id="1" name=""/>
+        <p:cNvGrpSpPr/>
+        <p:nvPr/>
+      </p:nvGrpSpPr>
+      <p:grpSpPr>
+        <a:xfrm>
+          <a:off x="0" y="0"/>
+          <a:ext cx="0" cy="0"/>
+          <a:chOff x="0" y="0"/>
+          <a:chExt cx="0" cy="0"/>
+        </a:xfrm>
+      </p:grpSpPr>
+      <p:pic>
+        <p:nvPicPr>
+          <p:cNvPr id="3074" name="Picture 2"/>
+          <p:cNvPicPr>
+            <a:picLocks noChangeAspect="1" noChangeArrowheads="1"/>
+          </p:cNvPicPr>
+          <p:nvPr/>
+        </p:nvPicPr>
+        <p:blipFill>
+          <a:blip r:embed="rId2">
+            <a:extLst>
+              <a:ext uri="{28A0092B-C50C-407E-A947-70E740481C1C}">
+                <a14:useLocalDpi xmlns:a14="http://schemas.microsoft.com/office/drawing/2010/main" val="0"/>
+              </a:ext>
+            </a:extLst>
+          </a:blip>
+          <a:srcRect/>
+          <a:stretch>
+            <a:fillRect/>
+          </a:stretch>
+        </p:blipFill>
+        <p:spPr bwMode="auto">
+          <a:xfrm>
+            <a:off x="3925574" y="564125"/>
+            <a:ext cx="7199843" cy="2732868"/>
+          </a:xfrm>
+          <a:prstGeom prst="rect">
+            <a:avLst/>
+          </a:prstGeom>
+          <a:noFill/>
+          <a:ln>
+            <a:noFill/>
+          </a:ln>
+          <a:effectLst/>
+          <a:extLst>
+            <a:ext uri="{909E8E84-426E-40DD-AFC4-6F175D3DCCD1}">
+              <a14:hiddenFill xmlns:a14="http://schemas.microsoft.com/office/drawing/2010/main">
+                <a:solidFill>
+                  <a:schemeClr val="accent1"/>
+                </a:solidFill>
+              </a14:hiddenFill>
+            </a:ext>
+            <a:ext uri="{91240B29-F687-4F45-9708-019B960494DF}">
+              <a14:hiddenLine xmlns:a14="http://schemas.microsoft.com/office/drawing/2010/main" w="9525">
+                <a:solidFill>
+                  <a:schemeClr val="tx1"/>
+                </a:solidFill>
+                <a:miter lim="800000"/>
+                <a:headEnd/>
+                <a:tailEnd/>
+              </a14:hiddenLine>
+            </a:ext>
+            <a:ext uri="{AF507438-7753-43E0-B8FC-AC1667EBCBE1}">
+              <a14:hiddenEffects xmlns:a14="http://schemas.microsoft.com/office/drawing/2010/main">
+                <a:effectLst>
+                  <a:outerShdw dist="35921" dir="2700000" algn="ctr" rotWithShape="0">
+                    <a:schemeClr val="bg2"/>
+                  </a:outerShdw>
+                </a:effectLst>
+              </a14:hiddenEffects>
+            </a:ext>
+          </a:extLst>
+        </p:spPr>
+      </p:pic>
+      <p:pic>
+        <p:nvPicPr>
+          <p:cNvPr id="3075" name="Picture 3"/>
+          <p:cNvPicPr>
+            <a:picLocks noChangeAspect="1" noChangeArrowheads="1"/>
+          </p:cNvPicPr>
+          <p:nvPr/>
+        </p:nvPicPr>
+        <p:blipFill>
+          <a:blip r:embed="rId3">
+            <a:extLst>
+              <a:ext uri="{28A0092B-C50C-407E-A947-70E740481C1C}">
+                <a14:useLocalDpi xmlns:a14="http://schemas.microsoft.com/office/drawing/2010/main" val="0"/>
+              </a:ext>
+            </a:extLst>
+          </a:blip>
+          <a:srcRect/>
+          <a:stretch>
+            <a:fillRect/>
+          </a:stretch>
+        </p:blipFill>
+        <p:spPr bwMode="auto">
+          <a:xfrm>
+            <a:off x="1233891" y="3399619"/>
+            <a:ext cx="7240406" cy="2686050"/>
+          </a:xfrm>
+          <a:prstGeom prst="rect">
+            <a:avLst/>
+          </a:prstGeom>
+          <a:noFill/>
+          <a:ln>
+            <a:noFill/>
+          </a:ln>
+          <a:effectLst/>
+          <a:extLst>
+            <a:ext uri="{909E8E84-426E-40DD-AFC4-6F175D3DCCD1}">
+              <a14:hiddenFill xmlns:a14="http://schemas.microsoft.com/office/drawing/2010/main">
+                <a:solidFill>
+                  <a:schemeClr val="accent1"/>
+                </a:solidFill>
+              </a14:hiddenFill>
+            </a:ext>
+            <a:ext uri="{91240B29-F687-4F45-9708-019B960494DF}">
+              <a14:hiddenLine xmlns:a14="http://schemas.microsoft.com/office/drawing/2010/main" w="9525">
+                <a:solidFill>
+                  <a:schemeClr val="tx1"/>
+                </a:solidFill>
+                <a:miter lim="800000"/>
+                <a:headEnd/>
+                <a:tailEnd/>
+              </a14:hiddenLine>
+            </a:ext>
+            <a:ext uri="{AF507438-7753-43E0-B8FC-AC1667EBCBE1}">
+              <a14:hiddenEffects xmlns:a14="http://schemas.microsoft.com/office/drawing/2010/main">
+                <a:effectLst>
+                  <a:outerShdw dist="35921" dir="2700000" algn="ctr" rotWithShape="0">
+                    <a:schemeClr val="bg2"/>
+                  </a:outerShdw>
+                </a:effectLst>
+              </a14:hiddenEffects>
+            </a:ext>
+          </a:extLst>
+        </p:spPr>
+      </p:pic>
+      <p:sp>
+        <p:nvSpPr>
+          <p:cNvPr id="4" name="Rectangle 3"/>
+          <p:cNvSpPr/>
+          <p:nvPr/>
+        </p:nvSpPr>
+        <p:spPr>
+          <a:xfrm>
+            <a:off x="1057425" y="1538353"/>
+            <a:ext cx="2651239" cy="369332"/>
+          </a:xfrm>
+          <a:prstGeom prst="rect">
+            <a:avLst/>
+          </a:prstGeom>
+        </p:spPr>
+        <p:txBody>
+          <a:bodyPr wrap="none">
+            <a:spAutoFit/>
+          </a:bodyPr>
+          <a:lstStyle/>
+          <a:p>
+            <a:r>
+              <a:rPr lang="en-US" b="1" dirty="0" smtClean="0"/>
+              <a:t>Positive Tweets </a:t>
+            </a:r>
+            <a:r>
+              <a:rPr lang="en-US" b="1" dirty="0" err="1" smtClean="0"/>
+              <a:t>Hashtags</a:t>
+            </a:r>
+            <a:endParaRPr lang="en-US" dirty="0"/>
+          </a:p>
+        </p:txBody>
+      </p:sp>
+      <p:sp>
+        <p:nvSpPr>
+          <p:cNvPr id="7" name="Rectangle 6"/>
+          <p:cNvSpPr/>
+          <p:nvPr/>
+        </p:nvSpPr>
+        <p:spPr>
+          <a:xfrm>
+            <a:off x="8629792" y="4557978"/>
+            <a:ext cx="3138551" cy="369332"/>
+          </a:xfrm>
+          <a:prstGeom prst="rect">
+            <a:avLst/>
+          </a:prstGeom>
+        </p:spPr>
+        <p:txBody>
+          <a:bodyPr wrap="none">
+            <a:spAutoFit/>
+          </a:bodyPr>
+          <a:lstStyle/>
+          <a:p>
+            <a:r>
+              <a:rPr lang="en-US" b="1" dirty="0"/>
+              <a:t>Racist/Sexist </a:t>
+            </a:r>
+            <a:r>
+              <a:rPr lang="en-US" b="1" dirty="0" smtClean="0"/>
+              <a:t>Tweets </a:t>
+            </a:r>
+            <a:r>
+              <a:rPr lang="en-US" b="1" dirty="0" err="1" smtClean="0"/>
+              <a:t>Hashtags</a:t>
+            </a:r>
+            <a:endParaRPr lang="en-US" dirty="0"/>
+          </a:p>
+        </p:txBody>
+      </p:sp>
+    </p:spTree>
+    <p:extLst>
+      <p:ext uri="{BB962C8B-B14F-4D97-AF65-F5344CB8AC3E}">
+        <p14:creationId xmlns:p14="http://schemas.microsoft.com/office/powerpoint/2010/main" val="3566624229"/>
+      </p:ext>
+    </p:extLst>
+  </p:cSld>
+  <p:clrMapOvr>
+    <a:masterClrMapping/>
+  </p:clrMapOvr>
+  <p:timing>
+    <p:tnLst>
+      <p:par>
+        <p:cTn id="1" dur="indefinite" restart="never" nodeType="tmRoot"/>
+      </p:par>
+    </p:tnLst>
+  </p:timing>
+</p:sld>
+</file>
+
+<file path=ppt/slides/slide14.xml><?xml version="1.0" encoding="utf-8"?>
+<p:sld xmlns:a="http://schemas.openxmlformats.org/drawingml/2006/main" xmlns:r="http://schemas.openxmlformats.org/officeDocument/2006/relationships" xmlns:p="http://schemas.openxmlformats.org/presentationml/2006/main">
+  <p:cSld>
+    <p:spTree>
+      <p:nvGrpSpPr>
+        <p:cNvPr id="1" name=""/>
+        <p:cNvGrpSpPr/>
+        <p:nvPr/>
+      </p:nvGrpSpPr>
+      <p:grpSpPr>
+        <a:xfrm>
+          <a:off x="0" y="0"/>
+          <a:ext cx="0" cy="0"/>
+          <a:chOff x="0" y="0"/>
+          <a:chExt cx="0" cy="0"/>
+        </a:xfrm>
+      </p:grpSpPr>
+      <p:sp>
+        <p:nvSpPr>
+          <p:cNvPr id="2" name="Title 1"/>
+          <p:cNvSpPr>
+            <a:spLocks noGrp="1"/>
+          </p:cNvSpPr>
+          <p:nvPr>
+            <p:ph type="title"/>
+          </p:nvPr>
+        </p:nvSpPr>
+        <p:spPr>
+          <a:xfrm>
+            <a:off x="1247822" y="736902"/>
+            <a:ext cx="7162085" cy="586815"/>
+          </a:xfrm>
+        </p:spPr>
+        <p:txBody>
+          <a:bodyPr>
+            <a:normAutofit fontScale="90000"/>
+          </a:bodyPr>
+          <a:lstStyle/>
+          <a:p>
+            <a:r>
+              <a:rPr lang="en-US" sz="3600" b="1" dirty="0"/>
+              <a:t>Model Building: Sentiment </a:t>
+            </a:r>
+            <a:r>
+              <a:rPr lang="en-US" sz="3600" b="1" dirty="0" smtClean="0"/>
+              <a:t>Analysis</a:t>
+            </a:r>
+            <a:endParaRPr lang="en-US" dirty="0"/>
+          </a:p>
+        </p:txBody>
+      </p:sp>
+      <p:sp>
+        <p:nvSpPr>
+          <p:cNvPr id="3" name="Content Placeholder 2"/>
+          <p:cNvSpPr>
+            <a:spLocks noGrp="1"/>
+          </p:cNvSpPr>
+          <p:nvPr>
+            <p:ph idx="1"/>
+          </p:nvPr>
+        </p:nvSpPr>
+        <p:spPr>
+          <a:xfrm>
+            <a:off x="1234941" y="1648495"/>
+            <a:ext cx="10058400" cy="4185634"/>
+          </a:xfrm>
+        </p:spPr>
+        <p:txBody>
+          <a:bodyPr>
+            <a:normAutofit fontScale="85000" lnSpcReduction="20000"/>
+          </a:bodyPr>
+          <a:lstStyle/>
+          <a:p>
+            <a:pPr marL="0" indent="0">
+              <a:buNone/>
+            </a:pPr>
+            <a:r>
+              <a:rPr lang="en-US" b="1" dirty="0" smtClean="0"/>
+              <a:t>Classification </a:t>
+            </a:r>
+            <a:r>
+              <a:rPr lang="en-US" b="1" dirty="0"/>
+              <a:t>Algorithms</a:t>
+            </a:r>
+          </a:p>
+          <a:p>
+            <a:pPr marL="0" indent="0">
+              <a:buNone/>
+            </a:pPr>
+            <a:r>
+              <a:rPr lang="en-US" dirty="0" smtClean="0"/>
+              <a:t>	The </a:t>
+            </a:r>
+            <a:r>
+              <a:rPr lang="en-US" dirty="0"/>
+              <a:t>classification step usually involves a statistical model like Naïve Bayes, Logistic </a:t>
+            </a:r>
+            <a:r>
+              <a:rPr lang="en-US" dirty="0"/>
+              <a:t> </a:t>
+            </a:r>
+            <a:r>
+              <a:rPr lang="en-US" dirty="0" smtClean="0"/>
+              <a:t>Regression</a:t>
+            </a:r>
+            <a:r>
+              <a:rPr lang="en-US" dirty="0"/>
+              <a:t>, Support Vector Machines, or Neural Networks:</a:t>
+            </a:r>
+          </a:p>
+          <a:p>
+            <a:r>
+              <a:rPr lang="en-US" dirty="0">
+                <a:hlinkClick r:id="rId2"/>
+              </a:rPr>
+              <a:t>Naïve Bayes</a:t>
+            </a:r>
+            <a:r>
+              <a:rPr lang="en-US" dirty="0"/>
+              <a:t>: a family of probabilistic algorithms that uses </a:t>
+            </a:r>
+            <a:r>
+              <a:rPr lang="en-US" dirty="0" err="1"/>
+              <a:t>Bayes’s</a:t>
+            </a:r>
+            <a:r>
+              <a:rPr lang="en-US" dirty="0"/>
+              <a:t> Theorem to predict the category of a text.</a:t>
+            </a:r>
+          </a:p>
+          <a:p>
+            <a:r>
+              <a:rPr lang="en-US" dirty="0">
+                <a:hlinkClick r:id="rId3"/>
+              </a:rPr>
+              <a:t>Linear Regression</a:t>
+            </a:r>
+            <a:r>
+              <a:rPr lang="en-US" dirty="0"/>
+              <a:t>: a very well-known algorithm in statistics used to predict some value (Y) given a set of features (X).</a:t>
+            </a:r>
+          </a:p>
+          <a:p>
+            <a:r>
+              <a:rPr lang="en-US" dirty="0">
+                <a:hlinkClick r:id="rId4"/>
+              </a:rPr>
+              <a:t>Support Vector Machines</a:t>
+            </a:r>
+            <a:r>
+              <a:rPr lang="en-US" dirty="0"/>
+              <a:t>: a non-probabilistic model which uses a representation of text examples as points in a multidimensional space. These examples are mapped so that the examples of the different categories (sentiments) belong to distinct regions of that space.. Then, new texts are mapped onto that same space and predicted to belong to a category based on which region they fall into.</a:t>
+            </a:r>
+          </a:p>
+          <a:p>
+            <a:r>
+              <a:rPr lang="en-US" dirty="0">
+                <a:hlinkClick r:id="rId5"/>
+              </a:rPr>
+              <a:t>Deep Learning</a:t>
+            </a:r>
+            <a:r>
+              <a:rPr lang="en-US" dirty="0"/>
+              <a:t>: a diverse set of algorithms that attempts to imitate how the human brain works by employing artificial neural networks to process data.</a:t>
+            </a:r>
+          </a:p>
+          <a:p>
+            <a:endParaRPr lang="en-US" dirty="0"/>
+          </a:p>
+        </p:txBody>
+      </p:sp>
+    </p:spTree>
+    <p:extLst>
+      <p:ext uri="{BB962C8B-B14F-4D97-AF65-F5344CB8AC3E}">
+        <p14:creationId xmlns:p14="http://schemas.microsoft.com/office/powerpoint/2010/main" val="3188458414"/>
+      </p:ext>
+    </p:extLst>
+  </p:cSld>
+  <p:clrMapOvr>
+    <a:masterClrMapping/>
+  </p:clrMapOvr>
+  <p:timing>
+    <p:tnLst>
+      <p:par>
+        <p:cTn id="1" dur="indefinite" restart="never" nodeType="tmRoot"/>
+      </p:par>
+    </p:tnLst>
+  </p:timing>
+</p:sld>
+</file>
+
+<file path=ppt/slides/slide15.xml><?xml version="1.0" encoding="utf-8"?>
+<p:sld xmlns:a="http://schemas.openxmlformats.org/drawingml/2006/main" xmlns:r="http://schemas.openxmlformats.org/officeDocument/2006/relationships" xmlns:p="http://schemas.openxmlformats.org/presentationml/2006/main">
+  <p:cSld>
+    <p:spTree>
+      <p:nvGrpSpPr>
+        <p:cNvPr id="1" name=""/>
+        <p:cNvGrpSpPr/>
+        <p:nvPr/>
+      </p:nvGrpSpPr>
+      <p:grpSpPr>
+        <a:xfrm>
+          <a:off x="0" y="0"/>
+          <a:ext cx="0" cy="0"/>
+          <a:chOff x="0" y="0"/>
+          <a:chExt cx="0" cy="0"/>
+        </a:xfrm>
+      </p:grpSpPr>
+      <p:pic>
+        <p:nvPicPr>
+          <p:cNvPr id="4098" name="Picture 2"/>
+          <p:cNvPicPr>
+            <a:picLocks noChangeAspect="1" noChangeArrowheads="1"/>
+          </p:cNvPicPr>
+          <p:nvPr/>
+        </p:nvPicPr>
+        <p:blipFill>
+          <a:blip r:embed="rId2">
+            <a:extLst>
+              <a:ext uri="{28A0092B-C50C-407E-A947-70E740481C1C}">
+                <a14:useLocalDpi xmlns:a14="http://schemas.microsoft.com/office/drawing/2010/main" val="0"/>
+              </a:ext>
+            </a:extLst>
+          </a:blip>
+          <a:srcRect/>
+          <a:stretch>
+            <a:fillRect/>
+          </a:stretch>
+        </p:blipFill>
+        <p:spPr bwMode="auto">
+          <a:xfrm>
+            <a:off x="1324249" y="824247"/>
+            <a:ext cx="9065098" cy="4778062"/>
+          </a:xfrm>
+          <a:prstGeom prst="rect">
+            <a:avLst/>
+          </a:prstGeom>
+          <a:noFill/>
+          <a:ln>
+            <a:noFill/>
+          </a:ln>
+          <a:effectLst/>
+          <a:extLst>
+            <a:ext uri="{909E8E84-426E-40DD-AFC4-6F175D3DCCD1}">
+              <a14:hiddenFill xmlns:a14="http://schemas.microsoft.com/office/drawing/2010/main">
+                <a:solidFill>
+                  <a:schemeClr val="accent1"/>
+                </a:solidFill>
+              </a14:hiddenFill>
+            </a:ext>
+            <a:ext uri="{91240B29-F687-4F45-9708-019B960494DF}">
+              <a14:hiddenLine xmlns:a14="http://schemas.microsoft.com/office/drawing/2010/main" w="9525">
+                <a:solidFill>
+                  <a:schemeClr val="tx1"/>
+                </a:solidFill>
+                <a:miter lim="800000"/>
+                <a:headEnd/>
+                <a:tailEnd/>
+              </a14:hiddenLine>
+            </a:ext>
+            <a:ext uri="{AF507438-7753-43E0-B8FC-AC1667EBCBE1}">
+              <a14:hiddenEffects xmlns:a14="http://schemas.microsoft.com/office/drawing/2010/main">
+                <a:effectLst>
+                  <a:outerShdw dist="35921" dir="2700000" algn="ctr" rotWithShape="0">
+                    <a:schemeClr val="bg2"/>
+                  </a:outerShdw>
+                </a:effectLst>
+              </a14:hiddenEffects>
+            </a:ext>
+          </a:extLst>
+        </p:spPr>
+      </p:pic>
+    </p:spTree>
+    <p:extLst>
+      <p:ext uri="{BB962C8B-B14F-4D97-AF65-F5344CB8AC3E}">
+        <p14:creationId xmlns:p14="http://schemas.microsoft.com/office/powerpoint/2010/main" val="175422802"/>
+      </p:ext>
+    </p:extLst>
+  </p:cSld>
+  <p:clrMapOvr>
+    <a:masterClrMapping/>
+  </p:clrMapOvr>
+  <p:timing>
+    <p:tnLst>
+      <p:par>
+        <p:cTn id="1" dur="indefinite" restart="never" nodeType="tmRoot"/>
+      </p:par>
+    </p:tnLst>
+  </p:timing>
+</p:sld>
+</file>
+
+<file path=ppt/slides/slide16.xml><?xml version="1.0" encoding="utf-8"?>
+<p:sld xmlns:a="http://schemas.openxmlformats.org/drawingml/2006/main" xmlns:r="http://schemas.openxmlformats.org/officeDocument/2006/relationships" xmlns:p="http://schemas.openxmlformats.org/presentationml/2006/main">
+  <p:cSld>
+    <p:spTree>
+      <p:nvGrpSpPr>
+        <p:cNvPr id="1" name=""/>
+        <p:cNvGrpSpPr/>
+        <p:nvPr/>
+      </p:nvGrpSpPr>
+      <p:grpSpPr>
+        <a:xfrm>
+          <a:off x="0" y="0"/>
+          <a:ext cx="0" cy="0"/>
+          <a:chOff x="0" y="0"/>
+          <a:chExt cx="0" cy="0"/>
+        </a:xfrm>
+      </p:grpSpPr>
+      <p:sp>
+        <p:nvSpPr>
+          <p:cNvPr id="2" name="Title 1"/>
+          <p:cNvSpPr>
+            <a:spLocks noGrp="1"/>
+          </p:cNvSpPr>
+          <p:nvPr>
+            <p:ph type="title"/>
+          </p:nvPr>
+        </p:nvSpPr>
+        <p:spPr>
+          <a:xfrm>
+            <a:off x="1157665" y="605304"/>
+            <a:ext cx="9042400" cy="708338"/>
+          </a:xfrm>
+        </p:spPr>
+        <p:txBody>
+          <a:bodyPr>
+            <a:normAutofit/>
+          </a:bodyPr>
+          <a:lstStyle/>
+          <a:p>
+            <a:r>
+              <a:rPr lang="en-US" sz="4000" dirty="0"/>
+              <a:t>Experiment </a:t>
+            </a:r>
+            <a:r>
+              <a:rPr lang="en-US" sz="4000" dirty="0" smtClean="0"/>
+              <a:t>2 – </a:t>
+            </a:r>
+            <a:r>
+              <a:rPr lang="en-US" sz="4000" dirty="0"/>
+              <a:t>Classifying </a:t>
+            </a:r>
+            <a:r>
+              <a:rPr lang="en-US" sz="4000" dirty="0" smtClean="0"/>
+              <a:t>IMDB Review</a:t>
+            </a:r>
+            <a:endParaRPr lang="en-US" sz="4000" dirty="0"/>
+          </a:p>
+        </p:txBody>
+      </p:sp>
+      <p:sp>
+        <p:nvSpPr>
+          <p:cNvPr id="4" name="Rectangle 3"/>
+          <p:cNvSpPr/>
+          <p:nvPr/>
+        </p:nvSpPr>
+        <p:spPr>
+          <a:xfrm>
+            <a:off x="1579807" y="1433402"/>
+            <a:ext cx="8530108" cy="923330"/>
+          </a:xfrm>
+          <a:prstGeom prst="rect">
+            <a:avLst/>
+          </a:prstGeom>
+        </p:spPr>
+        <p:txBody>
+          <a:bodyPr wrap="square">
+            <a:spAutoFit/>
+          </a:bodyPr>
+          <a:lstStyle/>
+          <a:p>
+            <a:r>
+              <a:rPr lang="en-US" b="1" i="1" dirty="0"/>
+              <a:t>The objective of this task is to </a:t>
+            </a:r>
+            <a:r>
+              <a:rPr lang="en-US" b="1" i="1" dirty="0" smtClean="0"/>
+              <a:t>detect sentiment in reviews given by the viewers and critics to the movies or TV shows. So basically to classify the review based on sentiment could be positive or negative.</a:t>
+            </a:r>
+            <a:endParaRPr lang="en-US" dirty="0"/>
+          </a:p>
+        </p:txBody>
+      </p:sp>
+      <p:sp>
+        <p:nvSpPr>
+          <p:cNvPr id="5" name="Rectangle 4"/>
+          <p:cNvSpPr/>
+          <p:nvPr/>
+        </p:nvSpPr>
+        <p:spPr>
+          <a:xfrm>
+            <a:off x="1669961" y="2698074"/>
+            <a:ext cx="8439954" cy="923330"/>
+          </a:xfrm>
+          <a:prstGeom prst="rect">
+            <a:avLst/>
+          </a:prstGeom>
+        </p:spPr>
+        <p:txBody>
+          <a:bodyPr wrap="square">
+            <a:spAutoFit/>
+          </a:bodyPr>
+          <a:lstStyle/>
+          <a:p>
+            <a:r>
+              <a:rPr lang="en-US" b="1" u="sng" dirty="0" smtClean="0"/>
+              <a:t>Dataset</a:t>
+            </a:r>
+            <a:r>
+              <a:rPr lang="en-US" dirty="0" smtClean="0"/>
+              <a:t> – Given a labeled and unlabeled data of reviews. Count of labeled review is 25k and that od unlabeled ones is 50k. In the Labeled Dataset, 1 corresponds to a positive review and 0 to negative one.  </a:t>
+            </a:r>
+            <a:endParaRPr lang="en-US" dirty="0"/>
+          </a:p>
+        </p:txBody>
+      </p:sp>
+      <p:sp>
+        <p:nvSpPr>
+          <p:cNvPr id="6" name="Rectangle 5"/>
+          <p:cNvSpPr/>
+          <p:nvPr/>
+        </p:nvSpPr>
+        <p:spPr>
+          <a:xfrm>
+            <a:off x="1654934" y="4099737"/>
+            <a:ext cx="8439954" cy="1477328"/>
+          </a:xfrm>
+          <a:prstGeom prst="rect">
+            <a:avLst/>
+          </a:prstGeom>
+        </p:spPr>
+        <p:txBody>
+          <a:bodyPr wrap="square">
+            <a:spAutoFit/>
+          </a:bodyPr>
+          <a:lstStyle/>
+          <a:p>
+            <a:r>
+              <a:rPr lang="en-US" dirty="0" smtClean="0"/>
+              <a:t>The reviews were classified based on both the approaches</a:t>
+            </a:r>
+          </a:p>
+          <a:p>
+            <a:endParaRPr lang="en-US" dirty="0" smtClean="0"/>
+          </a:p>
+          <a:p>
+            <a:pPr marL="342900" indent="-342900">
+              <a:buAutoNum type="arabicParenR"/>
+            </a:pPr>
+            <a:r>
+              <a:rPr lang="en-US" dirty="0" smtClean="0"/>
+              <a:t>Machine Learning for Labeled data</a:t>
+            </a:r>
+          </a:p>
+          <a:p>
+            <a:pPr marL="342900" indent="-342900">
+              <a:buAutoNum type="arabicParenR"/>
+            </a:pPr>
+            <a:r>
+              <a:rPr lang="en-US" dirty="0" smtClean="0"/>
+              <a:t>Lexicon Based for unlabeled data</a:t>
+            </a:r>
+          </a:p>
+          <a:p>
+            <a:r>
+              <a:rPr lang="en-US" b="1" u="sng" dirty="0" smtClean="0"/>
+              <a:t>  </a:t>
+            </a:r>
+            <a:endParaRPr lang="en-US" dirty="0"/>
+          </a:p>
+        </p:txBody>
+      </p:sp>
+    </p:spTree>
+    <p:extLst>
+      <p:ext uri="{BB962C8B-B14F-4D97-AF65-F5344CB8AC3E}">
+        <p14:creationId xmlns:p14="http://schemas.microsoft.com/office/powerpoint/2010/main" val="1254617369"/>
+      </p:ext>
+    </p:extLst>
+  </p:cSld>
+  <p:clrMapOvr>
+    <a:masterClrMapping/>
+  </p:clrMapOvr>
+  <p:timing>
+    <p:tnLst>
+      <p:par>
+        <p:cTn id="1" dur="indefinite" restart="never" nodeType="tmRoot"/>
+      </p:par>
+    </p:tnLst>
+  </p:timing>
+</p:sld>
+</file>
+
+<file path=ppt/slides/slide17.xml><?xml version="1.0" encoding="utf-8"?>
+<p:sld xmlns:a="http://schemas.openxmlformats.org/drawingml/2006/main" xmlns:r="http://schemas.openxmlformats.org/officeDocument/2006/relationships" xmlns:p="http://schemas.openxmlformats.org/presentationml/2006/main">
+  <p:cSld>
+    <p:spTree>
+      <p:nvGrpSpPr>
+        <p:cNvPr id="1" name=""/>
+        <p:cNvGrpSpPr/>
+        <p:nvPr/>
+      </p:nvGrpSpPr>
+      <p:grpSpPr>
+        <a:xfrm>
+          <a:off x="0" y="0"/>
+          <a:ext cx="0" cy="0"/>
+          <a:chOff x="0" y="0"/>
+          <a:chExt cx="0" cy="0"/>
+        </a:xfrm>
+      </p:grpSpPr>
+      <p:sp>
+        <p:nvSpPr>
+          <p:cNvPr id="4" name="Title 1"/>
+          <p:cNvSpPr>
+            <a:spLocks noGrp="1"/>
+          </p:cNvSpPr>
+          <p:nvPr>
+            <p:ph type="title"/>
+          </p:nvPr>
+        </p:nvSpPr>
+        <p:spPr>
+          <a:xfrm>
+            <a:off x="1209186" y="646749"/>
+            <a:ext cx="8218149" cy="586815"/>
+          </a:xfrm>
+        </p:spPr>
+        <p:txBody>
+          <a:bodyPr>
+            <a:normAutofit fontScale="90000"/>
+          </a:bodyPr>
+          <a:lstStyle/>
+          <a:p>
+            <a:pPr marL="0" indent="0"/>
+            <a:r>
+              <a:rPr lang="en-US" sz="3600" b="1" dirty="0"/>
+              <a:t>Machine </a:t>
+            </a:r>
+            <a:r>
+              <a:rPr lang="en-US" sz="3600" b="1" dirty="0" smtClean="0"/>
+              <a:t> Learning  Approach  for  </a:t>
+            </a:r>
+            <a:r>
+              <a:rPr lang="en-US" sz="3600" b="1" dirty="0"/>
+              <a:t>Labeled data</a:t>
+            </a:r>
+            <a:endParaRPr lang="en-US" sz="3600" b="1" dirty="0"/>
+          </a:p>
+        </p:txBody>
+      </p:sp>
+      <p:sp>
+        <p:nvSpPr>
+          <p:cNvPr id="5" name="Rectangle 4"/>
+          <p:cNvSpPr/>
+          <p:nvPr/>
+        </p:nvSpPr>
+        <p:spPr>
+          <a:xfrm>
+            <a:off x="4111403" y="5671065"/>
+            <a:ext cx="6814686" cy="369332"/>
+          </a:xfrm>
+          <a:prstGeom prst="rect">
+            <a:avLst/>
+          </a:prstGeom>
+        </p:spPr>
+        <p:txBody>
+          <a:bodyPr wrap="none">
+            <a:spAutoFit/>
+          </a:bodyPr>
+          <a:lstStyle/>
+          <a:p>
+            <a:r>
+              <a:rPr lang="en-US" dirty="0" smtClean="0"/>
+              <a:t> -  </a:t>
+            </a:r>
+            <a:r>
+              <a:rPr lang="en-US" dirty="0"/>
+              <a:t>results are obtained following the same approach as in Experiment </a:t>
+            </a:r>
+            <a:r>
+              <a:rPr lang="en-US" dirty="0" smtClean="0"/>
+              <a:t>1</a:t>
+            </a:r>
+            <a:endParaRPr lang="en-US" dirty="0"/>
+          </a:p>
+        </p:txBody>
+      </p:sp>
+      <p:pic>
+        <p:nvPicPr>
+          <p:cNvPr id="5123" name="Picture 3"/>
+          <p:cNvPicPr>
+            <a:picLocks noChangeAspect="1" noChangeArrowheads="1"/>
+          </p:cNvPicPr>
+          <p:nvPr/>
+        </p:nvPicPr>
+        <p:blipFill>
+          <a:blip r:embed="rId2">
+            <a:extLst>
+              <a:ext uri="{28A0092B-C50C-407E-A947-70E740481C1C}">
+                <a14:useLocalDpi xmlns:a14="http://schemas.microsoft.com/office/drawing/2010/main" val="0"/>
+              </a:ext>
+            </a:extLst>
+          </a:blip>
+          <a:srcRect/>
+          <a:stretch>
+            <a:fillRect/>
+          </a:stretch>
+        </p:blipFill>
+        <p:spPr bwMode="auto">
+          <a:xfrm>
+            <a:off x="1583105" y="1390918"/>
+            <a:ext cx="9040049" cy="4082603"/>
+          </a:xfrm>
+          <a:prstGeom prst="rect">
+            <a:avLst/>
+          </a:prstGeom>
+          <a:noFill/>
+          <a:ln>
+            <a:noFill/>
+          </a:ln>
+          <a:effectLst/>
+          <a:extLst>
+            <a:ext uri="{909E8E84-426E-40DD-AFC4-6F175D3DCCD1}">
+              <a14:hiddenFill xmlns:a14="http://schemas.microsoft.com/office/drawing/2010/main">
+                <a:solidFill>
+                  <a:schemeClr val="accent1"/>
+                </a:solidFill>
+              </a14:hiddenFill>
+            </a:ext>
+            <a:ext uri="{91240B29-F687-4F45-9708-019B960494DF}">
+              <a14:hiddenLine xmlns:a14="http://schemas.microsoft.com/office/drawing/2010/main" w="9525">
+                <a:solidFill>
+                  <a:schemeClr val="tx1"/>
+                </a:solidFill>
+                <a:miter lim="800000"/>
+                <a:headEnd/>
+                <a:tailEnd/>
+              </a14:hiddenLine>
+            </a:ext>
+            <a:ext uri="{AF507438-7753-43E0-B8FC-AC1667EBCBE1}">
+              <a14:hiddenEffects xmlns:a14="http://schemas.microsoft.com/office/drawing/2010/main">
+                <a:effectLst>
+                  <a:outerShdw dist="35921" dir="2700000" algn="ctr" rotWithShape="0">
+                    <a:schemeClr val="bg2"/>
+                  </a:outerShdw>
+                </a:effectLst>
+              </a14:hiddenEffects>
+            </a:ext>
+          </a:extLst>
+        </p:spPr>
+      </p:pic>
+    </p:spTree>
+    <p:extLst>
+      <p:ext uri="{BB962C8B-B14F-4D97-AF65-F5344CB8AC3E}">
+        <p14:creationId xmlns:p14="http://schemas.microsoft.com/office/powerpoint/2010/main" val="2584729968"/>
+      </p:ext>
+    </p:extLst>
+  </p:cSld>
+  <p:clrMapOvr>
+    <a:masterClrMapping/>
+  </p:clrMapOvr>
+  <p:timing>
+    <p:tnLst>
+      <p:par>
+        <p:cTn id="1" dur="indefinite" restart="never" nodeType="tmRoot"/>
+      </p:par>
+    </p:tnLst>
+  </p:timing>
+</p:sld>
+</file>
+
+<file path=ppt/slides/slide18.xml><?xml version="1.0" encoding="utf-8"?>
+<p:sld xmlns:a="http://schemas.openxmlformats.org/drawingml/2006/main" xmlns:r="http://schemas.openxmlformats.org/officeDocument/2006/relationships" xmlns:p="http://schemas.openxmlformats.org/presentationml/2006/main">
+  <p:cSld>
+    <p:spTree>
+      <p:nvGrpSpPr>
+        <p:cNvPr id="1" name=""/>
+        <p:cNvGrpSpPr/>
+        <p:nvPr/>
+      </p:nvGrpSpPr>
+      <p:grpSpPr>
+        <a:xfrm>
+          <a:off x="0" y="0"/>
+          <a:ext cx="0" cy="0"/>
+          <a:chOff x="0" y="0"/>
+          <a:chExt cx="0" cy="0"/>
+        </a:xfrm>
+      </p:grpSpPr>
+      <p:sp>
+        <p:nvSpPr>
+          <p:cNvPr id="4" name="Title 1"/>
+          <p:cNvSpPr>
+            <a:spLocks noGrp="1"/>
+          </p:cNvSpPr>
+          <p:nvPr>
+            <p:ph type="title"/>
+          </p:nvPr>
+        </p:nvSpPr>
+        <p:spPr>
+          <a:xfrm>
+            <a:off x="1209186" y="749781"/>
+            <a:ext cx="8218149" cy="586815"/>
+          </a:xfrm>
+        </p:spPr>
+        <p:txBody>
+          <a:bodyPr>
+            <a:normAutofit fontScale="90000"/>
+          </a:bodyPr>
+          <a:lstStyle/>
+          <a:p>
+            <a:pPr marL="342900" indent="-342900"/>
+            <a:r>
+              <a:rPr lang="en-US" sz="3600" dirty="0"/>
+              <a:t>Lexicon </a:t>
+            </a:r>
+            <a:r>
+              <a:rPr lang="en-US" sz="3600" dirty="0" smtClean="0"/>
+              <a:t>Based Approach  for </a:t>
+            </a:r>
+            <a:r>
+              <a:rPr lang="en-US" sz="3600" dirty="0"/>
+              <a:t>unlabeled data</a:t>
+            </a:r>
+          </a:p>
+        </p:txBody>
+      </p:sp>
+      <p:sp>
+        <p:nvSpPr>
+          <p:cNvPr id="5" name="Rectangle 4"/>
+          <p:cNvSpPr/>
+          <p:nvPr/>
+        </p:nvSpPr>
+        <p:spPr>
+          <a:xfrm>
+            <a:off x="1368211" y="1620452"/>
+            <a:ext cx="5045468" cy="369332"/>
+          </a:xfrm>
+          <a:prstGeom prst="rect">
+            <a:avLst/>
+          </a:prstGeom>
+        </p:spPr>
+        <p:txBody>
+          <a:bodyPr wrap="square">
+            <a:spAutoFit/>
+          </a:bodyPr>
+          <a:lstStyle/>
+          <a:p>
+            <a:r>
+              <a:rPr lang="en-US" dirty="0" smtClean="0"/>
+              <a:t>This basically </a:t>
+            </a:r>
+            <a:r>
+              <a:rPr lang="en-US" dirty="0"/>
+              <a:t>includes </a:t>
+            </a:r>
+            <a:r>
+              <a:rPr lang="en-US" dirty="0" smtClean="0"/>
+              <a:t>3 steps </a:t>
+            </a:r>
+          </a:p>
+        </p:txBody>
+      </p:sp>
+      <p:sp>
+        <p:nvSpPr>
+          <p:cNvPr id="6" name="Rectangle 5"/>
+          <p:cNvSpPr/>
+          <p:nvPr/>
+        </p:nvSpPr>
+        <p:spPr>
+          <a:xfrm>
+            <a:off x="1368211" y="2162509"/>
+            <a:ext cx="8007609" cy="3139321"/>
+          </a:xfrm>
+          <a:prstGeom prst="rect">
+            <a:avLst/>
+          </a:prstGeom>
+        </p:spPr>
+        <p:txBody>
+          <a:bodyPr wrap="square">
+            <a:spAutoFit/>
+          </a:bodyPr>
+          <a:lstStyle/>
+          <a:p>
+            <a:pPr marL="342900" indent="-342900">
+              <a:buAutoNum type="arabicParenR"/>
+            </a:pPr>
+            <a:r>
+              <a:rPr lang="en-US" sz="2200" b="1" dirty="0"/>
+              <a:t> </a:t>
+            </a:r>
+            <a:r>
+              <a:rPr lang="en-US" sz="2200" b="1" dirty="0" smtClean="0"/>
+              <a:t>Text Preprocessing </a:t>
+            </a:r>
+            <a:r>
+              <a:rPr lang="en-US" sz="2200" b="1" dirty="0"/>
+              <a:t>and </a:t>
+            </a:r>
+            <a:r>
+              <a:rPr lang="en-US" sz="2200" b="1" dirty="0" smtClean="0"/>
+              <a:t>Cleaning. </a:t>
+            </a:r>
+            <a:r>
+              <a:rPr lang="en-US" sz="2200" dirty="0" smtClean="0"/>
+              <a:t>This step includes removing punctuation marks, removing </a:t>
+            </a:r>
+            <a:r>
+              <a:rPr lang="en-US" sz="2200" dirty="0" err="1" smtClean="0"/>
+              <a:t>stopwords</a:t>
+            </a:r>
+            <a:r>
+              <a:rPr lang="en-US" sz="2200" dirty="0" smtClean="0"/>
+              <a:t>, </a:t>
+            </a:r>
+            <a:r>
+              <a:rPr lang="en-US" sz="2200" dirty="0" err="1" smtClean="0"/>
+              <a:t>tokenisation</a:t>
+            </a:r>
+            <a:r>
+              <a:rPr lang="en-US" sz="2200" dirty="0"/>
+              <a:t> </a:t>
+            </a:r>
+            <a:r>
+              <a:rPr lang="en-US" sz="2200" dirty="0" smtClean="0"/>
+              <a:t>and stemming.</a:t>
+            </a:r>
+          </a:p>
+          <a:p>
+            <a:pPr marL="342900" indent="-342900">
+              <a:buAutoNum type="arabicParenR"/>
+            </a:pPr>
+            <a:endParaRPr lang="en-US" sz="2200" dirty="0" smtClean="0"/>
+          </a:p>
+          <a:p>
+            <a:pPr marL="342900" indent="-342900">
+              <a:buAutoNum type="arabicParenR"/>
+            </a:pPr>
+            <a:r>
+              <a:rPr lang="en-US" sz="2200" b="1" dirty="0" smtClean="0"/>
+              <a:t>Calculating polarity </a:t>
+            </a:r>
+            <a:r>
+              <a:rPr lang="en-US" sz="2200" dirty="0" smtClean="0"/>
+              <a:t>of each word in the review followed by the total polarity of the review. This is done for all the reviews in the dataset.</a:t>
+            </a:r>
+          </a:p>
+          <a:p>
+            <a:pPr marL="342900" indent="-342900">
+              <a:buAutoNum type="arabicParenR"/>
+            </a:pPr>
+            <a:endParaRPr lang="en-US" sz="2200" dirty="0" smtClean="0"/>
+          </a:p>
+          <a:p>
+            <a:pPr marL="342900" indent="-342900">
+              <a:buAutoNum type="arabicParenR"/>
+            </a:pPr>
+            <a:r>
+              <a:rPr lang="en-US" sz="2200" b="1" dirty="0" smtClean="0"/>
+              <a:t>Classifying</a:t>
+            </a:r>
+            <a:r>
+              <a:rPr lang="en-US" sz="2200" dirty="0" smtClean="0"/>
+              <a:t> the review based on the total polarity score</a:t>
+            </a:r>
+            <a:endParaRPr lang="en-US" sz="2200" dirty="0"/>
+          </a:p>
+        </p:txBody>
+      </p:sp>
+    </p:spTree>
+    <p:extLst>
+      <p:ext uri="{BB962C8B-B14F-4D97-AF65-F5344CB8AC3E}">
+        <p14:creationId xmlns:p14="http://schemas.microsoft.com/office/powerpoint/2010/main" val="1472889640"/>
+      </p:ext>
+    </p:extLst>
+  </p:cSld>
+  <p:clrMapOvr>
+    <a:masterClrMapping/>
+  </p:clrMapOvr>
+  <p:timing>
+    <p:tnLst>
+      <p:par>
+        <p:cTn id="1" dur="indefinite" restart="never" nodeType="tmRoot"/>
+      </p:par>
+    </p:tnLst>
+  </p:timing>
+</p:sld>
+</file>
+
+<file path=ppt/slides/slide19.xml><?xml version="1.0" encoding="utf-8"?>
+<p:sld xmlns:a="http://schemas.openxmlformats.org/drawingml/2006/main" xmlns:r="http://schemas.openxmlformats.org/officeDocument/2006/relationships" xmlns:p="http://schemas.openxmlformats.org/presentationml/2006/main">
+  <p:cSld>
+    <p:spTree>
+      <p:nvGrpSpPr>
+        <p:cNvPr id="1" name=""/>
+        <p:cNvGrpSpPr/>
+        <p:nvPr/>
+      </p:nvGrpSpPr>
+      <p:grpSpPr>
+        <a:xfrm>
+          <a:off x="0" y="0"/>
+          <a:ext cx="0" cy="0"/>
+          <a:chOff x="0" y="0"/>
+          <a:chExt cx="0" cy="0"/>
+        </a:xfrm>
+      </p:grpSpPr>
+      <p:sp>
+        <p:nvSpPr>
+          <p:cNvPr id="4" name="Rectangle 3"/>
+          <p:cNvSpPr/>
+          <p:nvPr/>
+        </p:nvSpPr>
+        <p:spPr>
+          <a:xfrm>
+            <a:off x="1541172" y="1257613"/>
+            <a:ext cx="9109656" cy="1754326"/>
+          </a:xfrm>
+          <a:prstGeom prst="rect">
+            <a:avLst/>
+          </a:prstGeom>
+        </p:spPr>
+        <p:txBody>
+          <a:bodyPr wrap="square">
+            <a:spAutoFit/>
+          </a:bodyPr>
+          <a:lstStyle/>
+          <a:p>
+            <a:r>
+              <a:rPr lang="en-US" dirty="0">
+                <a:hlinkClick r:id="rId2"/>
+              </a:rPr>
+              <a:t>Nltk</a:t>
+            </a:r>
+            <a:r>
+              <a:rPr lang="en-US" dirty="0"/>
+              <a:t> – a </a:t>
+            </a:r>
+            <a:r>
+              <a:rPr lang="en-US" dirty="0" smtClean="0"/>
+              <a:t>module for </a:t>
+            </a:r>
+            <a:r>
+              <a:rPr lang="en-US" dirty="0"/>
+              <a:t>natural language </a:t>
+            </a:r>
+            <a:r>
+              <a:rPr lang="en-US" dirty="0" smtClean="0"/>
+              <a:t>processing.</a:t>
+            </a:r>
+            <a:endParaRPr lang="en-US" dirty="0"/>
+          </a:p>
+          <a:p>
+            <a:endParaRPr lang="en-US" dirty="0" smtClean="0"/>
+          </a:p>
+          <a:p>
+            <a:r>
+              <a:rPr lang="en-US" dirty="0" smtClean="0">
+                <a:hlinkClick r:id="rId2"/>
+              </a:rPr>
+              <a:t>WordNet</a:t>
+            </a:r>
+            <a:r>
+              <a:rPr lang="en-US" dirty="0"/>
+              <a:t> </a:t>
+            </a:r>
+            <a:r>
+              <a:rPr lang="en-US" dirty="0" smtClean="0"/>
+              <a:t>– a dictionary in </a:t>
+            </a:r>
+            <a:r>
+              <a:rPr lang="en-US" dirty="0" err="1" smtClean="0"/>
+              <a:t>nltk</a:t>
+            </a:r>
+            <a:endParaRPr lang="en-US" dirty="0" smtClean="0"/>
+          </a:p>
+          <a:p>
+            <a:endParaRPr lang="en-US" dirty="0"/>
+          </a:p>
+          <a:p>
+            <a:r>
+              <a:rPr lang="en-US" dirty="0">
+                <a:hlinkClick r:id="rId2"/>
+              </a:rPr>
+              <a:t>SentiWordNet</a:t>
+            </a:r>
+            <a:r>
+              <a:rPr lang="en-US" dirty="0"/>
+              <a:t> is a lexical resource for opinion mining that assigns to each synset of WordNet three sentiment scores: positivity, negativity, and </a:t>
+            </a:r>
+            <a:r>
+              <a:rPr lang="en-US" dirty="0" smtClean="0"/>
+              <a:t>objectivity.</a:t>
+            </a:r>
+          </a:p>
+        </p:txBody>
+      </p:sp>
+      <p:sp>
+        <p:nvSpPr>
+          <p:cNvPr id="6" name="Rectangle 5"/>
+          <p:cNvSpPr/>
+          <p:nvPr/>
+        </p:nvSpPr>
+        <p:spPr>
+          <a:xfrm>
+            <a:off x="1212162" y="707196"/>
+            <a:ext cx="3609001" cy="369332"/>
+          </a:xfrm>
+          <a:prstGeom prst="rect">
+            <a:avLst/>
+          </a:prstGeom>
+        </p:spPr>
+        <p:txBody>
+          <a:bodyPr wrap="none">
+            <a:spAutoFit/>
+          </a:bodyPr>
+          <a:lstStyle/>
+          <a:p>
+            <a:r>
+              <a:rPr lang="en-US" b="1" dirty="0" smtClean="0"/>
+              <a:t>Tools used for Calculating Polarity</a:t>
+            </a:r>
+            <a:endParaRPr lang="en-US" dirty="0"/>
+          </a:p>
+        </p:txBody>
+      </p:sp>
+      <p:sp>
+        <p:nvSpPr>
+          <p:cNvPr id="7" name="Rectangle 6"/>
+          <p:cNvSpPr/>
+          <p:nvPr/>
+        </p:nvSpPr>
+        <p:spPr>
+          <a:xfrm>
+            <a:off x="1212162" y="3238900"/>
+            <a:ext cx="9788543" cy="2031325"/>
+          </a:xfrm>
+          <a:prstGeom prst="rect">
+            <a:avLst/>
+          </a:prstGeom>
+        </p:spPr>
+        <p:txBody>
+          <a:bodyPr wrap="square">
+            <a:spAutoFit/>
+          </a:bodyPr>
+          <a:lstStyle/>
+          <a:p>
+            <a:r>
+              <a:rPr lang="en-US" b="1" dirty="0" err="1" smtClean="0"/>
+              <a:t>Wordnet</a:t>
+            </a:r>
+            <a:r>
+              <a:rPr lang="en-US" dirty="0" smtClean="0"/>
+              <a:t> was used to extract the most common meaning of a word and SentiWordNet would return the polarity of the word</a:t>
+            </a:r>
+          </a:p>
+          <a:p>
+            <a:endParaRPr lang="en-US" dirty="0" smtClean="0"/>
+          </a:p>
+          <a:p>
+            <a:r>
+              <a:rPr lang="en-US" dirty="0" smtClean="0"/>
+              <a:t>SentiWordNet returns</a:t>
+            </a:r>
+            <a:r>
+              <a:rPr lang="en-US" b="1" dirty="0" smtClean="0"/>
+              <a:t> </a:t>
+            </a:r>
+            <a:r>
+              <a:rPr lang="en-US" dirty="0" smtClean="0"/>
+              <a:t>+</a:t>
+            </a:r>
+            <a:r>
+              <a:rPr lang="en-US" dirty="0" err="1" smtClean="0"/>
+              <a:t>ve</a:t>
+            </a:r>
+            <a:r>
+              <a:rPr lang="en-US" dirty="0" smtClean="0"/>
+              <a:t> and –</a:t>
+            </a:r>
+            <a:r>
+              <a:rPr lang="en-US" dirty="0" err="1" smtClean="0"/>
+              <a:t>ve</a:t>
+            </a:r>
+            <a:r>
+              <a:rPr lang="en-US" dirty="0" smtClean="0"/>
+              <a:t> polarity score of a word depicting positivity and negativity in a word.</a:t>
+            </a:r>
+          </a:p>
+          <a:p>
+            <a:endParaRPr lang="en-US" dirty="0" smtClean="0"/>
+          </a:p>
+          <a:p>
+            <a:r>
+              <a:rPr lang="en-US" dirty="0" smtClean="0"/>
+              <a:t>A total polarity score is calculated by subtracting the summation of negative scores from the summation of positive scores, which would help us in classifying the whole review.</a:t>
+            </a:r>
+            <a:endParaRPr lang="en-US" dirty="0"/>
+          </a:p>
+        </p:txBody>
+      </p:sp>
+      <p:sp>
+        <p:nvSpPr>
+          <p:cNvPr id="8" name="Rectangle 7"/>
+          <p:cNvSpPr/>
+          <p:nvPr/>
+        </p:nvSpPr>
+        <p:spPr>
+          <a:xfrm>
+            <a:off x="1106985" y="5431596"/>
+            <a:ext cx="10220105" cy="646331"/>
+          </a:xfrm>
+          <a:prstGeom prst="rect">
+            <a:avLst/>
+          </a:prstGeom>
+        </p:spPr>
+        <p:txBody>
+          <a:bodyPr wrap="none">
+            <a:spAutoFit/>
+          </a:bodyPr>
+          <a:lstStyle/>
+          <a:p>
+            <a:r>
+              <a:rPr lang="en-US" b="1" dirty="0" smtClean="0"/>
+              <a:t>When the classified text(</a:t>
+            </a:r>
+            <a:r>
+              <a:rPr lang="en-US" b="1" dirty="0" err="1" smtClean="0"/>
+              <a:t>Imdb</a:t>
+            </a:r>
+            <a:r>
+              <a:rPr lang="en-US" b="1" dirty="0" smtClean="0"/>
+              <a:t> reviews) were checked and reviewed, 65% of the reviews were correctly </a:t>
+            </a:r>
+          </a:p>
+          <a:p>
+            <a:r>
+              <a:rPr lang="en-US" b="1" dirty="0"/>
+              <a:t>c</a:t>
+            </a:r>
+            <a:r>
+              <a:rPr lang="en-US" b="1" dirty="0" smtClean="0"/>
+              <a:t>lassified.</a:t>
+            </a:r>
+            <a:endParaRPr lang="en-US" b="1" dirty="0"/>
+          </a:p>
+        </p:txBody>
+      </p:sp>
+    </p:spTree>
+    <p:extLst>
+      <p:ext uri="{BB962C8B-B14F-4D97-AF65-F5344CB8AC3E}">
+        <p14:creationId xmlns:p14="http://schemas.microsoft.com/office/powerpoint/2010/main" val="2777817966"/>
+      </p:ext>
+    </p:extLst>
+  </p:cSld>
+  <p:clrMapOvr>
+    <a:masterClrMapping/>
+  </p:clrMapOvr>
+  <p:timing>
+    <p:tnLst>
+      <p:par>
+        <p:cTn id="1" dur="indefinite" restart="never" nodeType="tmRoot"/>
+      </p:par>
+    </p:tnLst>
+  </p:timing>
 </p:sld>
 </file>
 
@@ -3030,7 +5834,14 @@
         <p:cNvGrpSpPr/>
         <p:nvPr/>
       </p:nvGrpSpPr>
-      <p:grpSpPr/>
+      <p:grpSpPr>
+        <a:xfrm>
+          <a:off x="0" y="0"/>
+          <a:ext cx="0" cy="0"/>
+          <a:chOff x="0" y="0"/>
+          <a:chExt cx="0" cy="0"/>
+        </a:xfrm>
+      </p:grpSpPr>
       <p:sp>
         <p:nvSpPr>
           <p:cNvPr id="2" name="Title 1"/>
@@ -3048,13 +5859,15 @@
           </a:xfrm>
         </p:spPr>
         <p:txBody>
-          <a:bodyPr/>
-          <a:p>
-            <a:r>
-              <a:rPr lang="en-US" b="1"/>
+          <a:bodyPr>
+            <a:normAutofit/>
+          </a:bodyPr>
+          <a:lstStyle/>
+          <a:p>
+            <a:r>
+              <a:rPr lang="en-US" sz="4000" b="1" dirty="0"/>
               <a:t>What is Sentiment Analysis?</a:t>
             </a:r>
-            <a:endParaRPr lang="en-US" b="1"/>
           </a:p>
         </p:txBody>
       </p:sp>
@@ -3075,65 +5888,558 @@
           </a:xfrm>
         </p:spPr>
         <p:txBody>
-          <a:bodyPr/>
+          <a:bodyPr>
+            <a:normAutofit/>
+          </a:bodyPr>
+          <a:lstStyle/>
           <a:p>
             <a:pPr marL="0" indent="0">
               <a:buNone/>
             </a:pPr>
             <a:r>
-              <a:rPr lang="en-US"/>
-              <a:t>Sentiment Analysis also known as Opinion Mining is a field within Natural Language Processing (NLP) that builds systems that try to identify and extract opinions within text. Usually, besides identifying the opinion, these systems extract attributes of the expression e.g.:</a:t>
-            </a:r>
-            <a:endParaRPr lang="en-US"/>
-          </a:p>
-          <a:p>
-            <a:r>
-              <a:rPr lang="en-US"/>
-              <a:t>Polarity: if the speaker express a positive or negative opinion</a:t>
-            </a:r>
-            <a:endParaRPr lang="en-US"/>
-          </a:p>
-          <a:p>
-            <a:r>
-              <a:rPr lang="en-US">
+              <a:rPr lang="en-US" dirty="0"/>
+              <a:t>Sentiment Analysis also known as Opinion Mining is a field within Natural Language Processing (NLP) that builds systems that try to identify and extract opinions within text. Usually, besides identifying the opinion, these systems extract attributes of the expression e.g</a:t>
+            </a:r>
+            <a:r>
+              <a:rPr lang="en-US" dirty="0" smtClean="0"/>
+              <a:t>.:</a:t>
+            </a:r>
+          </a:p>
+          <a:p>
+            <a:endParaRPr lang="en-US" dirty="0"/>
+          </a:p>
+          <a:p>
+            <a:r>
+              <a:rPr lang="en-US" dirty="0" smtClean="0"/>
+              <a:t>Polarity</a:t>
+            </a:r>
+            <a:r>
+              <a:rPr lang="en-US" dirty="0"/>
+              <a:t>: if the speaker express a positive or negative opinion</a:t>
+            </a:r>
+          </a:p>
+          <a:p>
+            <a:r>
+              <a:rPr lang="en-US" dirty="0">
                 <a:sym typeface="+mn-ea"/>
               </a:rPr>
-              <a:t>Subject: the thing that is being talked abou</a:t>
-            </a:r>
-            <a:r>
-              <a:rPr lang="en-IN" altLang="en-US">
+              <a:t>Subject: the thing that is being talked </a:t>
+            </a:r>
+            <a:r>
+              <a:rPr lang="en-US" dirty="0" err="1">
+                <a:sym typeface="+mn-ea"/>
+              </a:rPr>
+              <a:t>abou</a:t>
+            </a:r>
+            <a:r>
+              <a:rPr lang="en-IN" altLang="en-US" dirty="0">
                 <a:sym typeface="+mn-ea"/>
               </a:rPr>
               <a:t>t</a:t>
             </a:r>
-            <a:endParaRPr lang="en-IN" altLang="en-US">
-              <a:sym typeface="+mn-ea"/>
-            </a:endParaRPr>
-          </a:p>
-          <a:p>
-            <a:r>
-              <a:rPr lang="en-US">
+          </a:p>
+          <a:p>
+            <a:r>
+              <a:rPr lang="en-US" dirty="0">
                 <a:sym typeface="+mn-ea"/>
               </a:rPr>
               <a:t>Opinion holder: the person, or entity that expresses the opinion.</a:t>
             </a:r>
-            <a:endParaRPr lang="en-US"/>
+            <a:endParaRPr lang="en-US" dirty="0"/>
           </a:p>
           <a:p>
             <a:pPr marL="0" indent="0">
               <a:buNone/>
             </a:pPr>
-            <a:endParaRPr lang="en-US"/>
+            <a:endParaRPr lang="en-US" dirty="0"/>
           </a:p>
           <a:p>
             <a:pPr marL="0" indent="0">
               <a:buNone/>
             </a:pPr>
-            <a:endParaRPr lang="en-US"/>
+            <a:endParaRPr lang="en-US" dirty="0"/>
           </a:p>
         </p:txBody>
       </p:sp>
     </p:spTree>
+  </p:cSld>
+  <p:clrMapOvr>
+    <a:masterClrMapping/>
+  </p:clrMapOvr>
+  <p:timing>
+    <p:tnLst>
+      <p:par>
+        <p:cTn id="1" dur="indefinite" restart="never" nodeType="tmRoot"/>
+      </p:par>
+    </p:tnLst>
+  </p:timing>
+</p:sld>
+</file>
+
+<file path=ppt/slides/slide20.xml><?xml version="1.0" encoding="utf-8"?>
+<p:sld xmlns:a="http://schemas.openxmlformats.org/drawingml/2006/main" xmlns:r="http://schemas.openxmlformats.org/officeDocument/2006/relationships" xmlns:p="http://schemas.openxmlformats.org/presentationml/2006/main">
+  <p:cSld>
+    <p:spTree>
+      <p:nvGrpSpPr>
+        <p:cNvPr id="1" name=""/>
+        <p:cNvGrpSpPr/>
+        <p:nvPr/>
+      </p:nvGrpSpPr>
+      <p:grpSpPr>
+        <a:xfrm>
+          <a:off x="0" y="0"/>
+          <a:ext cx="0" cy="0"/>
+          <a:chOff x="0" y="0"/>
+          <a:chExt cx="0" cy="0"/>
+        </a:xfrm>
+      </p:grpSpPr>
+      <p:sp>
+        <p:nvSpPr>
+          <p:cNvPr id="2" name="Title 1"/>
+          <p:cNvSpPr>
+            <a:spLocks noGrp="1"/>
+          </p:cNvSpPr>
+          <p:nvPr>
+            <p:ph type="title"/>
+          </p:nvPr>
+        </p:nvSpPr>
+        <p:spPr>
+          <a:xfrm>
+            <a:off x="1119031" y="798489"/>
+            <a:ext cx="9042400" cy="566671"/>
+          </a:xfrm>
+        </p:spPr>
+        <p:txBody>
+          <a:bodyPr>
+            <a:noAutofit/>
+          </a:bodyPr>
+          <a:lstStyle/>
+          <a:p>
+            <a:r>
+              <a:rPr lang="en-US" sz="3600" dirty="0" smtClean="0"/>
+              <a:t>References</a:t>
+            </a:r>
+            <a:endParaRPr lang="en-US" sz="3600" dirty="0"/>
+          </a:p>
+        </p:txBody>
+      </p:sp>
+      <p:sp>
+        <p:nvSpPr>
+          <p:cNvPr id="5" name="Rectangle 4"/>
+          <p:cNvSpPr/>
+          <p:nvPr/>
+        </p:nvSpPr>
+        <p:spPr>
+          <a:xfrm>
+            <a:off x="1368207" y="1582960"/>
+            <a:ext cx="9308379" cy="2031325"/>
+          </a:xfrm>
+          <a:prstGeom prst="rect">
+            <a:avLst/>
+          </a:prstGeom>
+        </p:spPr>
+        <p:txBody>
+          <a:bodyPr wrap="square">
+            <a:spAutoFit/>
+          </a:bodyPr>
+          <a:lstStyle/>
+          <a:p>
+            <a:pPr marL="342900" indent="-342900">
+              <a:buFontTx/>
+              <a:buAutoNum type="arabicParenR"/>
+            </a:pPr>
+            <a:r>
+              <a:rPr lang="en-US" dirty="0" smtClean="0"/>
+              <a:t>Getting </a:t>
+            </a:r>
+            <a:r>
+              <a:rPr lang="en-US" dirty="0"/>
+              <a:t>Started with Sentiment </a:t>
+            </a:r>
+            <a:r>
+              <a:rPr lang="en-US" dirty="0" smtClean="0"/>
+              <a:t>Analysis - </a:t>
+            </a:r>
+            <a:r>
+              <a:rPr lang="en-US" dirty="0">
+                <a:hlinkClick r:id="rId2"/>
+              </a:rPr>
+              <a:t>https://nlpforhackers.io/sentiment-analysis-intro/</a:t>
+            </a:r>
+            <a:endParaRPr lang="en-US" dirty="0" smtClean="0"/>
+          </a:p>
+          <a:p>
+            <a:pPr marL="342900" indent="-342900">
+              <a:buFontTx/>
+              <a:buAutoNum type="arabicParenR"/>
+            </a:pPr>
+            <a:r>
+              <a:rPr lang="en-US" dirty="0"/>
+              <a:t>The Basics of Sentiment </a:t>
+            </a:r>
+            <a:r>
+              <a:rPr lang="en-US" dirty="0" smtClean="0"/>
+              <a:t>Analysis - </a:t>
+            </a:r>
+            <a:r>
+              <a:rPr lang="en-US" dirty="0">
+                <a:hlinkClick r:id="rId3"/>
+              </a:rPr>
+              <a:t>https://</a:t>
+            </a:r>
+            <a:r>
+              <a:rPr lang="en-US" dirty="0" smtClean="0">
+                <a:hlinkClick r:id="rId3"/>
+              </a:rPr>
+              <a:t>monkeylearn.com/sentiment-analysis/</a:t>
+            </a:r>
+            <a:endParaRPr lang="en-US" dirty="0" smtClean="0"/>
+          </a:p>
+          <a:p>
+            <a:pPr marL="342900" indent="-342900">
+              <a:buFontTx/>
+              <a:buAutoNum type="arabicParenR"/>
+            </a:pPr>
+            <a:r>
+              <a:rPr lang="en-US" dirty="0" err="1" smtClean="0"/>
+              <a:t>Scikit</a:t>
+            </a:r>
+            <a:r>
+              <a:rPr lang="en-US" dirty="0" smtClean="0"/>
+              <a:t> Learn - </a:t>
+            </a:r>
+            <a:r>
+              <a:rPr lang="en-US" dirty="0">
+                <a:hlinkClick r:id="rId4"/>
+              </a:rPr>
+              <a:t>https://</a:t>
+            </a:r>
+            <a:r>
+              <a:rPr lang="en-US" dirty="0" smtClean="0">
+                <a:hlinkClick r:id="rId4"/>
+              </a:rPr>
+              <a:t>scikit-learn.org/stable/tutorial/index.html</a:t>
+            </a:r>
+            <a:endParaRPr lang="en-US" dirty="0" smtClean="0"/>
+          </a:p>
+          <a:p>
+            <a:pPr marL="342900" indent="-342900">
+              <a:buFontTx/>
+              <a:buAutoNum type="arabicParenR"/>
+            </a:pPr>
+            <a:r>
+              <a:rPr lang="en-US" dirty="0" err="1" smtClean="0"/>
+              <a:t>Kaggle</a:t>
+            </a:r>
+            <a:r>
+              <a:rPr lang="en-US" dirty="0" smtClean="0"/>
+              <a:t> (For the datasets) – </a:t>
+            </a:r>
+            <a:r>
+              <a:rPr lang="en-US" dirty="0" smtClean="0">
+                <a:hlinkClick r:id="rId5"/>
+              </a:rPr>
+              <a:t>https</a:t>
+            </a:r>
+            <a:r>
+              <a:rPr lang="en-US" dirty="0">
+                <a:hlinkClick r:id="rId5"/>
+              </a:rPr>
+              <a:t>://www.kaggle.com</a:t>
+            </a:r>
+            <a:r>
+              <a:rPr lang="en-US" dirty="0" smtClean="0">
+                <a:hlinkClick r:id="rId5"/>
+              </a:rPr>
+              <a:t>/</a:t>
+            </a:r>
+            <a:endParaRPr lang="en-US" dirty="0" smtClean="0"/>
+          </a:p>
+          <a:p>
+            <a:pPr marL="342900" indent="-342900">
+              <a:buFontTx/>
+              <a:buAutoNum type="arabicParenR"/>
+            </a:pPr>
+            <a:r>
+              <a:rPr lang="en-US" dirty="0" err="1"/>
+              <a:t>AdaBoost</a:t>
+            </a:r>
+            <a:r>
+              <a:rPr lang="en-US" dirty="0"/>
+              <a:t> Classifier in </a:t>
+            </a:r>
+            <a:r>
+              <a:rPr lang="en-US" dirty="0" smtClean="0"/>
+              <a:t>Python</a:t>
+            </a:r>
+            <a:r>
+              <a:rPr lang="en-US" dirty="0"/>
+              <a:t> </a:t>
+            </a:r>
+            <a:r>
+              <a:rPr lang="en-US" dirty="0" smtClean="0"/>
+              <a:t>- </a:t>
+            </a:r>
+            <a:r>
+              <a:rPr lang="en-US" dirty="0">
+                <a:hlinkClick r:id="rId6"/>
+              </a:rPr>
+              <a:t>https://</a:t>
+            </a:r>
+            <a:r>
+              <a:rPr lang="en-US" dirty="0" smtClean="0">
+                <a:hlinkClick r:id="rId6"/>
+              </a:rPr>
+              <a:t>www.datacamp.com/community/tutorials/adaboost-classifier-python</a:t>
+            </a:r>
+            <a:endParaRPr lang="en-US" dirty="0" smtClean="0"/>
+          </a:p>
+          <a:p>
+            <a:pPr marL="342900" indent="-342900">
+              <a:buFontTx/>
+              <a:buAutoNum type="arabicParenR"/>
+            </a:pPr>
+            <a:endParaRPr lang="en-US" b="1" dirty="0"/>
+          </a:p>
+        </p:txBody>
+      </p:sp>
+    </p:spTree>
+    <p:extLst>
+      <p:ext uri="{BB962C8B-B14F-4D97-AF65-F5344CB8AC3E}">
+        <p14:creationId xmlns:p14="http://schemas.microsoft.com/office/powerpoint/2010/main" val="2355513930"/>
+      </p:ext>
+    </p:extLst>
+  </p:cSld>
+  <p:clrMapOvr>
+    <a:masterClrMapping/>
+  </p:clrMapOvr>
+  <p:timing>
+    <p:tnLst>
+      <p:par>
+        <p:cTn id="1" dur="indefinite" restart="never" nodeType="tmRoot"/>
+      </p:par>
+    </p:tnLst>
+  </p:timing>
+</p:sld>
+</file>
+
+<file path=ppt/slides/slide21.xml><?xml version="1.0" encoding="utf-8"?>
+<p:sld xmlns:a="http://schemas.openxmlformats.org/drawingml/2006/main" xmlns:r="http://schemas.openxmlformats.org/officeDocument/2006/relationships" xmlns:p="http://schemas.openxmlformats.org/presentationml/2006/main">
+  <p:cSld>
+    <p:spTree>
+      <p:nvGrpSpPr>
+        <p:cNvPr id="1" name=""/>
+        <p:cNvGrpSpPr/>
+        <p:nvPr/>
+      </p:nvGrpSpPr>
+      <p:grpSpPr>
+        <a:xfrm>
+          <a:off x="0" y="0"/>
+          <a:ext cx="0" cy="0"/>
+          <a:chOff x="0" y="0"/>
+          <a:chExt cx="0" cy="0"/>
+        </a:xfrm>
+      </p:grpSpPr>
+      <p:sp>
+        <p:nvSpPr>
+          <p:cNvPr id="2" name="Title 1"/>
+          <p:cNvSpPr>
+            <a:spLocks noGrp="1"/>
+          </p:cNvSpPr>
+          <p:nvPr>
+            <p:ph type="title"/>
+          </p:nvPr>
+        </p:nvSpPr>
+        <p:spPr>
+          <a:xfrm>
+            <a:off x="1312214" y="540913"/>
+            <a:ext cx="9042400" cy="1004552"/>
+          </a:xfrm>
+        </p:spPr>
+        <p:txBody>
+          <a:bodyPr/>
+          <a:lstStyle/>
+          <a:p>
+            <a:r>
+              <a:rPr lang="en-US" dirty="0" smtClean="0"/>
+              <a:t>What Did I Learn?</a:t>
+            </a:r>
+            <a:endParaRPr lang="en-US" dirty="0"/>
+          </a:p>
+        </p:txBody>
+      </p:sp>
+      <p:sp>
+        <p:nvSpPr>
+          <p:cNvPr id="3" name="Content Placeholder 2"/>
+          <p:cNvSpPr>
+            <a:spLocks noGrp="1"/>
+          </p:cNvSpPr>
+          <p:nvPr>
+            <p:ph idx="1"/>
+          </p:nvPr>
+        </p:nvSpPr>
+        <p:spPr>
+          <a:xfrm>
+            <a:off x="1209184" y="1844898"/>
+            <a:ext cx="10058400" cy="3886200"/>
+          </a:xfrm>
+        </p:spPr>
+        <p:txBody>
+          <a:bodyPr>
+            <a:normAutofit fontScale="92500"/>
+          </a:bodyPr>
+          <a:lstStyle/>
+          <a:p>
+            <a:r>
+              <a:rPr lang="en-US" dirty="0" smtClean="0"/>
+              <a:t>Introduction to Machine Learning and its uses cases</a:t>
+            </a:r>
+          </a:p>
+          <a:p>
+            <a:r>
+              <a:rPr lang="en-US" dirty="0" smtClean="0"/>
+              <a:t>Supervised and Unsupervised Machine Learning</a:t>
+            </a:r>
+          </a:p>
+          <a:p>
+            <a:r>
+              <a:rPr lang="en-US" dirty="0" smtClean="0"/>
+              <a:t>Explored some modules such as </a:t>
+            </a:r>
+            <a:r>
+              <a:rPr lang="en-US" dirty="0" err="1" smtClean="0"/>
+              <a:t>numpy</a:t>
+            </a:r>
+            <a:r>
+              <a:rPr lang="en-US" dirty="0" smtClean="0"/>
+              <a:t>, pandas, </a:t>
+            </a:r>
+            <a:r>
+              <a:rPr lang="en-US" dirty="0" err="1" smtClean="0"/>
+              <a:t>seaborn</a:t>
+            </a:r>
+            <a:r>
+              <a:rPr lang="en-US" dirty="0" smtClean="0"/>
+              <a:t>, </a:t>
+            </a:r>
+            <a:r>
+              <a:rPr lang="en-US" dirty="0" err="1" smtClean="0"/>
+              <a:t>matplotlib</a:t>
+            </a:r>
+            <a:r>
+              <a:rPr lang="en-US" dirty="0" smtClean="0"/>
+              <a:t>, </a:t>
+            </a:r>
+            <a:r>
+              <a:rPr lang="en-US" dirty="0" err="1" smtClean="0"/>
+              <a:t>nltk</a:t>
+            </a:r>
+            <a:r>
+              <a:rPr lang="en-US" dirty="0" smtClean="0"/>
+              <a:t>, </a:t>
+            </a:r>
+            <a:r>
+              <a:rPr lang="en-US" dirty="0" err="1" smtClean="0"/>
+              <a:t>scikit</a:t>
+            </a:r>
+            <a:r>
+              <a:rPr lang="en-US" dirty="0" smtClean="0"/>
+              <a:t>-learn</a:t>
+            </a:r>
+          </a:p>
+          <a:p>
+            <a:r>
+              <a:rPr lang="en-US" dirty="0" smtClean="0"/>
+              <a:t>Learned and explored various Classification algorithms such as SVM, Logistic Regression, Random Forest</a:t>
+            </a:r>
+          </a:p>
+          <a:p>
+            <a:r>
+              <a:rPr lang="en-US" dirty="0" smtClean="0"/>
+              <a:t>Learned about boosting algorithms</a:t>
+            </a:r>
+          </a:p>
+          <a:p>
+            <a:r>
+              <a:rPr lang="en-US" dirty="0" smtClean="0"/>
+              <a:t>Understood the domain of sentiment Analysis. </a:t>
+            </a:r>
+            <a:endParaRPr lang="en-US" dirty="0"/>
+          </a:p>
+          <a:p>
+            <a:r>
+              <a:rPr lang="en-US" dirty="0" smtClean="0"/>
+              <a:t>Cleaning and preprocessing data</a:t>
+            </a:r>
+          </a:p>
+          <a:p>
+            <a:pPr marL="0" indent="0">
+              <a:buNone/>
+            </a:pPr>
+            <a:r>
+              <a:rPr lang="en-US" dirty="0"/>
+              <a:t>	</a:t>
+            </a:r>
+            <a:r>
+              <a:rPr lang="en-US" dirty="0" smtClean="0"/>
+              <a:t>					Thanking </a:t>
+            </a:r>
+            <a:r>
+              <a:rPr lang="en-US" dirty="0" err="1" smtClean="0"/>
+              <a:t>Avinash</a:t>
+            </a:r>
+            <a:r>
+              <a:rPr lang="en-US" dirty="0" smtClean="0"/>
+              <a:t> </a:t>
+            </a:r>
+            <a:r>
+              <a:rPr lang="en-US" dirty="0" err="1" smtClean="0"/>
+              <a:t>Navlani</a:t>
+            </a:r>
+            <a:r>
+              <a:rPr lang="en-US" dirty="0" smtClean="0"/>
+              <a:t> Sir</a:t>
+            </a:r>
+            <a:endParaRPr lang="en-US" dirty="0"/>
+          </a:p>
+        </p:txBody>
+      </p:sp>
+    </p:spTree>
+    <p:extLst>
+      <p:ext uri="{BB962C8B-B14F-4D97-AF65-F5344CB8AC3E}">
+        <p14:creationId xmlns:p14="http://schemas.microsoft.com/office/powerpoint/2010/main" val="2348735313"/>
+      </p:ext>
+    </p:extLst>
+  </p:cSld>
+  <p:clrMapOvr>
+    <a:masterClrMapping/>
+  </p:clrMapOvr>
+</p:sld>
+</file>
+
+<file path=ppt/slides/slide22.xml><?xml version="1.0" encoding="utf-8"?>
+<p:sld xmlns:a="http://schemas.openxmlformats.org/drawingml/2006/main" xmlns:r="http://schemas.openxmlformats.org/officeDocument/2006/relationships" xmlns:p="http://schemas.openxmlformats.org/presentationml/2006/main">
+  <p:cSld>
+    <p:spTree>
+      <p:nvGrpSpPr>
+        <p:cNvPr id="1" name=""/>
+        <p:cNvGrpSpPr/>
+        <p:nvPr/>
+      </p:nvGrpSpPr>
+      <p:grpSpPr>
+        <a:xfrm>
+          <a:off x="0" y="0"/>
+          <a:ext cx="0" cy="0"/>
+          <a:chOff x="0" y="0"/>
+          <a:chExt cx="0" cy="0"/>
+        </a:xfrm>
+      </p:grpSpPr>
+    </p:spTree>
+    <p:extLst>
+      <p:ext uri="{BB962C8B-B14F-4D97-AF65-F5344CB8AC3E}">
+        <p14:creationId xmlns:p14="http://schemas.microsoft.com/office/powerpoint/2010/main" val="2626972896"/>
+      </p:ext>
+    </p:extLst>
   </p:cSld>
   <p:clrMapOvr>
     <a:masterClrMapping/>
@@ -3150,7 +6456,14 @@
         <p:cNvGrpSpPr/>
         <p:nvPr/>
       </p:nvGrpSpPr>
-      <p:grpSpPr/>
+      <p:grpSpPr>
+        <a:xfrm>
+          <a:off x="0" y="0"/>
+          <a:ext cx="0" cy="0"/>
+          <a:chOff x="0" y="0"/>
+          <a:chExt cx="0" cy="0"/>
+        </a:xfrm>
+      </p:grpSpPr>
       <p:sp>
         <p:nvSpPr>
           <p:cNvPr id="2" name="Title 1"/>
@@ -3161,15 +6474,22 @@
             <p:ph type="title"/>
           </p:nvPr>
         </p:nvSpPr>
-        <p:spPr/>
-        <p:txBody>
-          <a:bodyPr/>
-          <a:p>
-            <a:r>
-              <a:rPr lang="en-US" b="1"/>
+        <p:spPr>
+          <a:xfrm>
+            <a:off x="1016000" y="5228823"/>
+            <a:ext cx="9042400" cy="943377"/>
+          </a:xfrm>
+        </p:spPr>
+        <p:txBody>
+          <a:bodyPr>
+            <a:normAutofit/>
+          </a:bodyPr>
+          <a:lstStyle/>
+          <a:p>
+            <a:r>
+              <a:rPr lang="en-US" sz="4000" b="1" dirty="0"/>
               <a:t>What Is an Opinion?</a:t>
             </a:r>
-            <a:endParaRPr lang="en-US" b="1"/>
           </a:p>
         </p:txBody>
       </p:sp>
@@ -3185,39 +6505,39 @@
         </p:nvSpPr>
         <p:spPr>
           <a:xfrm>
-            <a:off x="1104900" y="1691005"/>
-            <a:ext cx="9370060" cy="2040890"/>
+            <a:off x="1365162" y="671813"/>
+            <a:ext cx="8427217" cy="2040890"/>
           </a:xfrm>
         </p:spPr>
         <p:txBody>
           <a:bodyPr>
             <a:normAutofit/>
           </a:bodyPr>
+          <a:lstStyle/>
           <a:p>
             <a:pPr marL="0" indent="0">
               <a:buNone/>
             </a:pPr>
             <a:r>
-              <a:rPr lang="en-US" sz="2300"/>
+              <a:rPr lang="en-US" sz="2300" dirty="0"/>
               <a:t>Before going into further details, let's first give a definition of opinion. Text information can be broadly categorized into two main types: </a:t>
             </a:r>
             <a:r>
-              <a:rPr lang="en-US" sz="2300" b="1"/>
+              <a:rPr lang="en-US" sz="2300" b="1" dirty="0"/>
               <a:t>facts </a:t>
             </a:r>
             <a:r>
-              <a:rPr lang="en-US" sz="2300"/>
+              <a:rPr lang="en-US" sz="2300" dirty="0"/>
               <a:t>and </a:t>
             </a:r>
             <a:r>
-              <a:rPr lang="en-US" sz="2300" b="1"/>
+              <a:rPr lang="en-US" sz="2300" b="1" dirty="0"/>
               <a:t>opinions</a:t>
             </a:r>
             <a:r>
-              <a:rPr lang="en-US" sz="2300"/>
+              <a:rPr lang="en-US" sz="2300" dirty="0"/>
               <a:t>. Facts are objective expressions about something. Opinions are usually subjective expressions that describe people’s sentiments, appraisals, and feelings toward a subject or topic.</a:t>
             </a:r>
-            <a:endParaRPr lang="en-US" sz="2300"/>
           </a:p>
         </p:txBody>
       </p:sp>
@@ -3229,8 +6549,8 @@
         </p:nvSpPr>
         <p:spPr>
           <a:xfrm>
-            <a:off x="1104900" y="3536950"/>
-            <a:ext cx="9370060" cy="2568575"/>
+            <a:off x="1365162" y="2810994"/>
+            <a:ext cx="8422782" cy="2215991"/>
           </a:xfrm>
           <a:prstGeom prst="rect">
             <a:avLst/>
@@ -3241,37 +6561,37 @@
           <a:bodyPr wrap="square" rtlCol="0" anchor="t">
             <a:spAutoFit/>
           </a:bodyPr>
-          <a:p>
-            <a:r>
-              <a:rPr lang="en-US" sz="2300"/>
-              <a:t>Sentiment analysis, just as many other NLP problems, can be modeled as a classification problem where two sub-problems must be resolved:</a:t>
-            </a:r>
-            <a:endParaRPr lang="en-US" sz="2300"/>
-          </a:p>
-          <a:p>
-            <a:endParaRPr lang="en-US" sz="2300"/>
-          </a:p>
-          <a:p>
-            <a:r>
-              <a:rPr lang="en-US" sz="2300"/>
+          <a:lstStyle/>
+          <a:p>
+            <a:r>
+              <a:rPr lang="en-US" sz="2300" dirty="0"/>
+              <a:t>Sentiment analysis, just as many other NLP problems, can be modeled as a classification problem where two sub-problems must be resolved</a:t>
+            </a:r>
+            <a:r>
+              <a:rPr lang="en-US" sz="2300" dirty="0" smtClean="0"/>
+              <a:t>:</a:t>
+            </a:r>
+            <a:endParaRPr lang="en-US" sz="2300" dirty="0"/>
+          </a:p>
+          <a:p>
+            <a:r>
+              <a:rPr lang="en-US" sz="2300" dirty="0"/>
               <a:t>Classifying a sentence as subjective or objective, known as </a:t>
             </a:r>
             <a:r>
-              <a:rPr lang="en-US" sz="2300" b="1"/>
+              <a:rPr lang="en-US" sz="2300" b="1" dirty="0"/>
               <a:t>subjectivity classification.</a:t>
             </a:r>
-            <a:endParaRPr lang="en-US" sz="2300" b="1"/>
-          </a:p>
-          <a:p>
-            <a:r>
-              <a:rPr lang="en-US" sz="2300"/>
+          </a:p>
+          <a:p>
+            <a:r>
+              <a:rPr lang="en-US" sz="2300" dirty="0"/>
               <a:t>Classifying a sentence as expressing a positive, negative or neutral opinion, known as </a:t>
             </a:r>
             <a:r>
-              <a:rPr lang="en-US" sz="2300" b="1"/>
+              <a:rPr lang="en-US" sz="2300" b="1" dirty="0"/>
               <a:t>polarity classification.</a:t>
             </a:r>
-            <a:endParaRPr lang="en-US" sz="2300" b="1"/>
           </a:p>
         </p:txBody>
       </p:sp>
@@ -3280,6 +6600,13 @@
   <p:clrMapOvr>
     <a:masterClrMapping/>
   </p:clrMapOvr>
+  <p:timing>
+    <p:tnLst>
+      <p:par>
+        <p:cTn id="1" dur="indefinite" restart="never" nodeType="tmRoot"/>
+      </p:par>
+    </p:tnLst>
+  </p:timing>
 </p:sld>
 </file>
 
@@ -3292,7 +6619,14 @@
         <p:cNvGrpSpPr/>
         <p:nvPr/>
       </p:nvGrpSpPr>
-      <p:grpSpPr/>
+      <p:grpSpPr>
+        <a:xfrm>
+          <a:off x="0" y="0"/>
+          <a:ext cx="0" cy="0"/>
+          <a:chOff x="0" y="0"/>
+          <a:chExt cx="0" cy="0"/>
+        </a:xfrm>
+      </p:grpSpPr>
       <p:sp>
         <p:nvSpPr>
           <p:cNvPr id="4" name="Text Box 3"/>
@@ -3301,7 +6635,7 @@
         </p:nvSpPr>
         <p:spPr>
           <a:xfrm>
-            <a:off x="923290" y="555625"/>
+            <a:off x="1653540" y="555625"/>
             <a:ext cx="7469505" cy="460375"/>
           </a:xfrm>
           <a:prstGeom prst="rect">
@@ -3313,12 +6647,20 @@
           <a:bodyPr wrap="square" rtlCol="0" anchor="t">
             <a:spAutoFit/>
           </a:bodyPr>
-          <a:p>
-            <a:r>
-              <a:rPr lang="en-US" sz="2400"/>
-              <a:t>Direct vs Comparative Opinions</a:t>
-            </a:r>
-            <a:endParaRPr lang="en-US" sz="2400"/>
+          <a:lstStyle/>
+          <a:p>
+            <a:r>
+              <a:rPr lang="en-US" sz="2400" dirty="0"/>
+              <a:t>Direct </a:t>
+            </a:r>
+            <a:r>
+              <a:rPr lang="en-US" sz="2400" dirty="0" err="1"/>
+              <a:t>vs</a:t>
+            </a:r>
+            <a:r>
+              <a:rPr lang="en-US" sz="2400" dirty="0"/>
+              <a:t> Comparative Opinions</a:t>
+            </a:r>
           </a:p>
         </p:txBody>
       </p:sp>
@@ -3330,7 +6672,7 @@
         </p:nvSpPr>
         <p:spPr>
           <a:xfrm>
-            <a:off x="1446530" y="1179195"/>
+            <a:off x="2176780" y="1179195"/>
             <a:ext cx="6185535" cy="368300"/>
           </a:xfrm>
           <a:prstGeom prst="rect">
@@ -3342,12 +6684,25 @@
           <a:bodyPr wrap="square" rtlCol="0" anchor="t">
             <a:spAutoFit/>
           </a:bodyPr>
-          <a:p>
-            <a:r>
-              <a:rPr lang="en-US"/>
-              <a:t>"The picture quality of camera A is poor."</a:t>
-            </a:r>
-            <a:endParaRPr lang="en-US"/>
+          <a:lstStyle/>
+          <a:p>
+            <a:r>
+              <a:rPr lang="en-US" dirty="0" smtClean="0"/>
+              <a:t>“</a:t>
+            </a:r>
+            <a:r>
+              <a:rPr lang="en-US" dirty="0" smtClean="0"/>
+              <a:t>The </a:t>
+            </a:r>
+            <a:r>
+              <a:rPr lang="en-US" dirty="0"/>
+              <a:t>picture quality of camera A is poor</a:t>
+            </a:r>
+            <a:r>
+              <a:rPr lang="en-US" dirty="0" smtClean="0"/>
+              <a:t>.” – Direct Opinion  </a:t>
+            </a:r>
+            <a:endParaRPr lang="en-US" dirty="0"/>
           </a:p>
         </p:txBody>
       </p:sp>
@@ -3359,8 +6714,8 @@
         </p:nvSpPr>
         <p:spPr>
           <a:xfrm>
-            <a:off x="1446530" y="1633220"/>
-            <a:ext cx="7676515" cy="368300"/>
+            <a:off x="2176780" y="1633220"/>
+            <a:ext cx="8061924" cy="646331"/>
           </a:xfrm>
           <a:prstGeom prst="rect">
             <a:avLst/>
@@ -3371,12 +6726,27 @@
           <a:bodyPr wrap="square" rtlCol="0" anchor="t">
             <a:spAutoFit/>
           </a:bodyPr>
-          <a:p>
-            <a:r>
-              <a:rPr lang="en-US"/>
-              <a:t>“The picture quality of camera A is better than that of camera B.”</a:t>
-            </a:r>
-            <a:endParaRPr lang="en-US"/>
+          <a:lstStyle/>
+          <a:p>
+            <a:r>
+              <a:rPr lang="en-US" dirty="0"/>
+              <a:t>“The picture quality of camera A is better than that of camera B</a:t>
+            </a:r>
+            <a:r>
+              <a:rPr lang="en-US" dirty="0"/>
+              <a:t>.” – </a:t>
+            </a:r>
+            <a:r>
+              <a:rPr lang="en-US" dirty="0" smtClean="0"/>
+              <a:t>Indirect </a:t>
+            </a:r>
+            <a:r>
+              <a:rPr lang="en-US" dirty="0"/>
+              <a:t>Opinion  </a:t>
+            </a:r>
+          </a:p>
+          <a:p>
+            <a:endParaRPr lang="en-US" dirty="0"/>
           </a:p>
         </p:txBody>
       </p:sp>
@@ -3388,7 +6758,7 @@
         </p:nvSpPr>
         <p:spPr>
           <a:xfrm>
-            <a:off x="923290" y="2424430"/>
+            <a:off x="1653540" y="2424430"/>
             <a:ext cx="6432550" cy="460375"/>
           </a:xfrm>
           <a:prstGeom prst="rect">
@@ -3400,12 +6770,12 @@
           <a:bodyPr wrap="square" rtlCol="0" anchor="t">
             <a:spAutoFit/>
           </a:bodyPr>
+          <a:lstStyle/>
           <a:p>
             <a:r>
               <a:rPr lang="en-US" sz="2400"/>
               <a:t>Explicit vs Implicit Opinions</a:t>
             </a:r>
-            <a:endParaRPr lang="en-US" sz="2400"/>
           </a:p>
         </p:txBody>
       </p:sp>
@@ -3417,8 +6787,8 @@
         </p:nvSpPr>
         <p:spPr>
           <a:xfrm>
-            <a:off x="1446530" y="3106420"/>
-            <a:ext cx="6827520" cy="368300"/>
+            <a:off x="2176780" y="3106420"/>
+            <a:ext cx="6827520" cy="369332"/>
           </a:xfrm>
           <a:prstGeom prst="rect">
             <a:avLst/>
@@ -3429,12 +6799,21 @@
           <a:bodyPr wrap="square" rtlCol="0" anchor="t">
             <a:spAutoFit/>
           </a:bodyPr>
-          <a:p>
-            <a:r>
-              <a:rPr lang="en-US"/>
-              <a:t>“The voice quality of this phone is amazing.”</a:t>
-            </a:r>
-            <a:endParaRPr lang="en-US"/>
+          <a:lstStyle/>
+          <a:p>
+            <a:r>
+              <a:rPr lang="en-US" dirty="0"/>
+              <a:t>“The voice quality of this phone is amazing</a:t>
+            </a:r>
+            <a:r>
+              <a:rPr lang="en-US" dirty="0"/>
+              <a:t>.” – </a:t>
+            </a:r>
+            <a:r>
+              <a:rPr lang="en-US" dirty="0" smtClean="0"/>
+              <a:t>Explicit Opinion  </a:t>
+            </a:r>
+            <a:endParaRPr lang="en-US" dirty="0"/>
           </a:p>
         </p:txBody>
       </p:sp>
@@ -3446,8 +6825,8 @@
         </p:nvSpPr>
         <p:spPr>
           <a:xfrm>
-            <a:off x="1446530" y="3570605"/>
-            <a:ext cx="8477250" cy="645160"/>
+            <a:off x="2176780" y="3556949"/>
+            <a:ext cx="8477250" cy="369332"/>
           </a:xfrm>
           <a:prstGeom prst="rect">
             <a:avLst/>
@@ -3458,15 +6837,21 @@
           <a:bodyPr wrap="square" rtlCol="0" anchor="t">
             <a:spAutoFit/>
           </a:bodyPr>
-          <a:p>
-            <a:r>
-              <a:rPr lang="en-US"/>
-              <a:t>“The earphone broke in two days.”</a:t>
-            </a:r>
-            <a:endParaRPr lang="en-US"/>
-          </a:p>
-          <a:p>
-            <a:endParaRPr lang="en-US"/>
+          <a:lstStyle/>
+          <a:p>
+            <a:r>
+              <a:rPr lang="en-US" dirty="0"/>
+              <a:t>“The earphone broke in two days</a:t>
+            </a:r>
+            <a:r>
+              <a:rPr lang="en-US" dirty="0"/>
+              <a:t>.” – </a:t>
+            </a:r>
+            <a:r>
+              <a:rPr lang="en-US" dirty="0" smtClean="0"/>
+              <a:t>Implicit Opinion  </a:t>
+            </a:r>
+            <a:endParaRPr lang="en-US" dirty="0"/>
           </a:p>
         </p:txBody>
       </p:sp>
@@ -3478,7 +6863,7 @@
         </p:nvSpPr>
         <p:spPr>
           <a:xfrm>
-            <a:off x="923290" y="4311650"/>
+            <a:off x="1653540" y="4311650"/>
             <a:ext cx="6630035" cy="460375"/>
           </a:xfrm>
           <a:prstGeom prst="rect">
@@ -3490,12 +6875,12 @@
           <a:bodyPr wrap="square" rtlCol="0" anchor="t">
             <a:spAutoFit/>
           </a:bodyPr>
+          <a:lstStyle/>
           <a:p>
             <a:r>
               <a:rPr lang="en-US" sz="2400"/>
               <a:t>Sentiment Analysis Scope</a:t>
             </a:r>
-            <a:endParaRPr lang="en-US" sz="2400"/>
           </a:p>
         </p:txBody>
       </p:sp>
@@ -3507,7 +6892,7 @@
         </p:nvSpPr>
         <p:spPr>
           <a:xfrm>
-            <a:off x="1446530" y="4863465"/>
+            <a:off x="2176780" y="4863465"/>
             <a:ext cx="7093585" cy="1014730"/>
           </a:xfrm>
           <a:prstGeom prst="rect">
@@ -3519,6 +6904,7 @@
           <a:bodyPr wrap="square" rtlCol="0" anchor="t">
             <a:spAutoFit/>
           </a:bodyPr>
+          <a:lstStyle/>
           <a:p>
             <a:pPr marL="285750" indent="-285750">
               <a:buFont typeface="Arial" panose="020B0604020202020204" pitchFamily="34" charset="0"/>
@@ -3528,7 +6914,6 @@
               <a:rPr lang="en-US" sz="2000"/>
               <a:t>Document level</a:t>
             </a:r>
-            <a:endParaRPr lang="en-US" sz="2000"/>
           </a:p>
           <a:p>
             <a:pPr marL="285750" indent="-285750">
@@ -3541,9 +6926,6 @@
               </a:rPr>
               <a:t>Sentence level</a:t>
             </a:r>
-            <a:endParaRPr lang="en-US" sz="2000">
-              <a:sym typeface="+mn-ea"/>
-            </a:endParaRPr>
           </a:p>
           <a:p>
             <a:pPr marL="285750" indent="-285750">
@@ -3565,6 +6947,13 @@
   <p:clrMapOvr>
     <a:masterClrMapping/>
   </p:clrMapOvr>
+  <p:timing>
+    <p:tnLst>
+      <p:par>
+        <p:cTn id="1" dur="indefinite" restart="never" nodeType="tmRoot"/>
+      </p:par>
+    </p:tnLst>
+  </p:timing>
 </p:sld>
 </file>
 
@@ -3577,7 +6966,14 @@
         <p:cNvGrpSpPr/>
         <p:nvPr/>
       </p:nvGrpSpPr>
-      <p:grpSpPr/>
+      <p:grpSpPr>
+        <a:xfrm>
+          <a:off x="0" y="0"/>
+          <a:ext cx="0" cy="0"/>
+          <a:chOff x="0" y="0"/>
+          <a:chExt cx="0" cy="0"/>
+        </a:xfrm>
+      </p:grpSpPr>
       <p:sp>
         <p:nvSpPr>
           <p:cNvPr id="2" name="Title 1"/>
@@ -3590,20 +6986,20 @@
         </p:nvSpPr>
         <p:spPr>
           <a:xfrm>
-            <a:off x="403225" y="216535"/>
-            <a:ext cx="10515600" cy="694055"/>
+            <a:off x="1128261" y="345324"/>
+            <a:ext cx="8766889" cy="694055"/>
           </a:xfrm>
         </p:spPr>
         <p:txBody>
           <a:bodyPr>
             <a:normAutofit/>
           </a:bodyPr>
-          <a:p>
-            <a:r>
-              <a:rPr lang="en-US" sz="3200" b="1"/>
+          <a:lstStyle/>
+          <a:p>
+            <a:r>
+              <a:rPr lang="en-US" sz="3200" b="1" dirty="0"/>
               <a:t>Types of Sentiment Analysis</a:t>
             </a:r>
-            <a:endParaRPr lang="en-US" sz="3200" b="1"/>
           </a:p>
         </p:txBody>
       </p:sp>
@@ -3619,7 +7015,7 @@
         </p:nvSpPr>
         <p:spPr>
           <a:xfrm>
-            <a:off x="759460" y="929640"/>
+            <a:off x="1091386" y="1303127"/>
             <a:ext cx="10515600" cy="557530"/>
           </a:xfrm>
         </p:spPr>
@@ -3627,23 +7023,27 @@
           <a:bodyPr>
             <a:normAutofit/>
           </a:bodyPr>
+          <a:lstStyle/>
           <a:p>
             <a:pPr marL="0" indent="0">
               <a:buNone/>
             </a:pPr>
             <a:r>
-              <a:rPr lang="en-IN" altLang="en-US"/>
+              <a:rPr lang="en-IN" altLang="en-US" dirty="0"/>
               <a:t>1) </a:t>
             </a:r>
             <a:r>
-              <a:rPr lang="en-US"/>
-              <a:t>Fine-grained Sentiment Analysi</a:t>
-            </a:r>
-            <a:r>
-              <a:rPr lang="en-IN" altLang="en-US"/>
+              <a:rPr lang="en-US" dirty="0"/>
+              <a:t>Fine-grained Sentiment </a:t>
+            </a:r>
+            <a:r>
+              <a:rPr lang="en-US" dirty="0" err="1"/>
+              <a:t>Analysi</a:t>
+            </a:r>
+            <a:r>
+              <a:rPr lang="en-IN" altLang="en-US" dirty="0"/>
               <a:t>s</a:t>
             </a:r>
-            <a:endParaRPr lang="en-IN" altLang="en-US"/>
           </a:p>
         </p:txBody>
       </p:sp>
@@ -3655,7 +7055,7 @@
         </p:nvSpPr>
         <p:spPr>
           <a:xfrm>
-            <a:off x="1289050" y="1418590"/>
+            <a:off x="1875610" y="2011017"/>
             <a:ext cx="2096135" cy="1630045"/>
           </a:xfrm>
           <a:prstGeom prst="rect">
@@ -3667,16 +7067,16 @@
           <a:bodyPr wrap="square" rtlCol="0" anchor="t">
             <a:spAutoFit/>
           </a:bodyPr>
+          <a:lstStyle/>
           <a:p>
             <a:pPr marL="285750" indent="-285750">
               <a:buFont typeface="Arial" panose="020B0604020202020204" pitchFamily="34" charset="0"/>
               <a:buChar char="•"/>
             </a:pPr>
             <a:r>
-              <a:rPr lang="en-US" sz="2000"/>
+              <a:rPr lang="en-US" sz="2000" dirty="0"/>
               <a:t>Very positive</a:t>
             </a:r>
-            <a:endParaRPr lang="en-US" sz="2000"/>
           </a:p>
           <a:p>
             <a:pPr marL="285750" indent="-285750">
@@ -3684,10 +7084,9 @@
               <a:buChar char="•"/>
             </a:pPr>
             <a:r>
-              <a:rPr lang="en-US" sz="2000"/>
+              <a:rPr lang="en-US" sz="2000" dirty="0"/>
               <a:t>Positive</a:t>
             </a:r>
-            <a:endParaRPr lang="en-US" sz="2000"/>
           </a:p>
           <a:p>
             <a:pPr marL="285750" indent="-285750">
@@ -3695,10 +7094,9 @@
               <a:buChar char="•"/>
             </a:pPr>
             <a:r>
-              <a:rPr lang="en-US" sz="2000"/>
+              <a:rPr lang="en-US" sz="2000" dirty="0"/>
               <a:t>Neutral</a:t>
             </a:r>
-            <a:endParaRPr lang="en-US" sz="2000"/>
           </a:p>
           <a:p>
             <a:pPr marL="285750" indent="-285750">
@@ -3706,10 +7104,9 @@
               <a:buChar char="•"/>
             </a:pPr>
             <a:r>
-              <a:rPr lang="en-US" sz="2000"/>
+              <a:rPr lang="en-US" sz="2000" dirty="0"/>
               <a:t>Negative</a:t>
             </a:r>
-            <a:endParaRPr lang="en-US" sz="2000"/>
           </a:p>
           <a:p>
             <a:pPr marL="285750" indent="-285750">
@@ -3717,10 +7114,9 @@
               <a:buChar char="•"/>
             </a:pPr>
             <a:r>
-              <a:rPr lang="en-US" sz="2000"/>
+              <a:rPr lang="en-US" sz="2000" dirty="0"/>
               <a:t>Very negative</a:t>
             </a:r>
-            <a:endParaRPr lang="en-US" sz="2000"/>
           </a:p>
         </p:txBody>
       </p:sp>
@@ -3732,7 +7128,7 @@
         </p:nvSpPr>
         <p:spPr>
           <a:xfrm>
-            <a:off x="759460" y="3048635"/>
+            <a:off x="1091386" y="3911519"/>
             <a:ext cx="5760720" cy="521970"/>
           </a:xfrm>
           <a:prstGeom prst="rect">
@@ -3744,16 +7140,16 @@
           <a:bodyPr wrap="square" rtlCol="0" anchor="t">
             <a:spAutoFit/>
           </a:bodyPr>
-          <a:p>
-            <a:r>
-              <a:rPr lang="en-IN" altLang="en-US" sz="2800"/>
+          <a:lstStyle/>
+          <a:p>
+            <a:r>
+              <a:rPr lang="en-IN" altLang="en-US" sz="2800" dirty="0"/>
               <a:t>2) </a:t>
             </a:r>
             <a:r>
-              <a:rPr lang="en-US" sz="2800"/>
+              <a:rPr lang="en-US" sz="2800" dirty="0"/>
               <a:t>Emotion detection</a:t>
             </a:r>
-            <a:endParaRPr lang="en-US" sz="2800"/>
           </a:p>
         </p:txBody>
       </p:sp>
@@ -3765,7 +7161,7 @@
         </p:nvSpPr>
         <p:spPr>
           <a:xfrm>
-            <a:off x="1289050" y="3570605"/>
+            <a:off x="1875610" y="4700534"/>
             <a:ext cx="7253605" cy="706755"/>
           </a:xfrm>
           <a:prstGeom prst="rect">
@@ -3777,151 +7173,12 @@
           <a:bodyPr wrap="square" rtlCol="0" anchor="t">
             <a:spAutoFit/>
           </a:bodyPr>
-          <a:p>
-            <a:r>
-              <a:rPr lang="en-US" sz="2000"/>
+          <a:lstStyle/>
+          <a:p>
+            <a:r>
+              <a:rPr lang="en-US" sz="2000" dirty="0"/>
               <a:t>Emotion detection aims at detecting emotions like, happiness, frustration, anger, sadness, and the like.</a:t>
             </a:r>
-            <a:endParaRPr lang="en-US" sz="2000"/>
-          </a:p>
-        </p:txBody>
-      </p:sp>
-      <p:sp>
-        <p:nvSpPr>
-          <p:cNvPr id="7" name="Text Box 6"/>
-          <p:cNvSpPr txBox="1"/>
-          <p:nvPr/>
-        </p:nvSpPr>
-        <p:spPr>
-          <a:xfrm>
-            <a:off x="759460" y="4351655"/>
-            <a:ext cx="5602605" cy="521970"/>
-          </a:xfrm>
-          <a:prstGeom prst="rect">
-            <a:avLst/>
-          </a:prstGeom>
-          <a:noFill/>
-        </p:spPr>
-        <p:txBody>
-          <a:bodyPr wrap="square" rtlCol="0" anchor="t">
-            <a:spAutoFit/>
-          </a:bodyPr>
-          <a:p>
-            <a:r>
-              <a:rPr lang="en-IN" altLang="en-US" sz="2800"/>
-              <a:t>3) </a:t>
-            </a:r>
-            <a:r>
-              <a:rPr lang="en-US" sz="2800"/>
-              <a:t>Aspect-based Sentiment Analysis</a:t>
-            </a:r>
-            <a:endParaRPr lang="en-US" sz="2800"/>
-          </a:p>
-        </p:txBody>
-      </p:sp>
-      <p:sp>
-        <p:nvSpPr>
-          <p:cNvPr id="8" name="Text Box 7"/>
-          <p:cNvSpPr txBox="1"/>
-          <p:nvPr/>
-        </p:nvSpPr>
-        <p:spPr>
-          <a:xfrm>
-            <a:off x="1289050" y="4873625"/>
-            <a:ext cx="5010150" cy="398780"/>
-          </a:xfrm>
-          <a:prstGeom prst="rect">
-            <a:avLst/>
-          </a:prstGeom>
-          <a:noFill/>
-        </p:spPr>
-        <p:txBody>
-          <a:bodyPr wrap="square" rtlCol="0" anchor="t">
-            <a:spAutoFit/>
-          </a:bodyPr>
-          <a:p>
-            <a:r>
-              <a:rPr lang="en-IN" altLang="en-US" sz="2000"/>
-              <a:t>“T</a:t>
-            </a:r>
-            <a:r>
-              <a:rPr lang="en-US" sz="2000"/>
-              <a:t>he battery life of this camera is too short.</a:t>
-            </a:r>
-            <a:r>
-              <a:rPr lang="en-IN" altLang="en-US" sz="2000"/>
-              <a:t>”</a:t>
-            </a:r>
-            <a:endParaRPr lang="en-IN" altLang="en-US" sz="2000"/>
-          </a:p>
-        </p:txBody>
-      </p:sp>
-      <p:sp>
-        <p:nvSpPr>
-          <p:cNvPr id="9" name="Text Box 8"/>
-          <p:cNvSpPr txBox="1"/>
-          <p:nvPr/>
-        </p:nvSpPr>
-        <p:spPr>
-          <a:xfrm>
-            <a:off x="759460" y="5419725"/>
-            <a:ext cx="7706995" cy="521970"/>
-          </a:xfrm>
-          <a:prstGeom prst="rect">
-            <a:avLst/>
-          </a:prstGeom>
-          <a:noFill/>
-        </p:spPr>
-        <p:txBody>
-          <a:bodyPr wrap="square" rtlCol="0" anchor="t">
-            <a:spAutoFit/>
-          </a:bodyPr>
-          <a:p>
-            <a:r>
-              <a:rPr lang="en-IN" altLang="en-US" sz="2800"/>
-              <a:t>4) </a:t>
-            </a:r>
-            <a:r>
-              <a:rPr lang="en-US" sz="2800"/>
-              <a:t>Intent analysis</a:t>
-            </a:r>
-            <a:endParaRPr lang="en-US" sz="2800"/>
-          </a:p>
-        </p:txBody>
-      </p:sp>
-      <p:sp>
-        <p:nvSpPr>
-          <p:cNvPr id="10" name="Text Box 9"/>
-          <p:cNvSpPr txBox="1"/>
-          <p:nvPr/>
-        </p:nvSpPr>
-        <p:spPr>
-          <a:xfrm>
-            <a:off x="1289050" y="5941695"/>
-            <a:ext cx="7420610" cy="706755"/>
-          </a:xfrm>
-          <a:prstGeom prst="rect">
-            <a:avLst/>
-          </a:prstGeom>
-          <a:noFill/>
-        </p:spPr>
-        <p:txBody>
-          <a:bodyPr wrap="square" rtlCol="0" anchor="t">
-            <a:spAutoFit/>
-          </a:bodyPr>
-          <a:p>
-            <a:r>
-              <a:rPr lang="en-US" sz="2000"/>
-              <a:t>“Your customer support is a disaster. I’ve been on hold for 20 minutes”.</a:t>
-            </a:r>
-            <a:endParaRPr lang="en-US" sz="2000"/>
-          </a:p>
-          <a:p>
-            <a:r>
-              <a:rPr lang="en-US" sz="2000"/>
-              <a:t>“I would like to know how to replace the cartridge”.</a:t>
-            </a:r>
-            <a:endParaRPr lang="en-US" sz="2000"/>
           </a:p>
         </p:txBody>
       </p:sp>
@@ -3930,6 +7187,13 @@
   <p:clrMapOvr>
     <a:masterClrMapping/>
   </p:clrMapOvr>
+  <p:timing>
+    <p:tnLst>
+      <p:par>
+        <p:cTn id="1" dur="indefinite" restart="never" nodeType="tmRoot"/>
+      </p:par>
+    </p:tnLst>
+  </p:timing>
 </p:sld>
 </file>
 
@@ -3942,38 +7206,235 @@
         <p:cNvGrpSpPr/>
         <p:nvPr/>
       </p:nvGrpSpPr>
-      <p:grpSpPr/>
-      <p:pic>
-        <p:nvPicPr>
-          <p:cNvPr id="5" name="Content Placeholder 4"/>
-          <p:cNvPicPr>
-            <a:picLocks noChangeAspect="1"/>
-          </p:cNvPicPr>
-          <p:nvPr>
-            <p:ph idx="1"/>
-          </p:nvPr>
-        </p:nvPicPr>
-        <p:blipFill>
-          <a:blip r:embed="rId1"/>
-          <a:stretch>
-            <a:fillRect/>
-          </a:stretch>
-        </p:blipFill>
-        <p:spPr>
-          <a:xfrm>
-            <a:off x="1264920" y="475615"/>
-            <a:ext cx="3744595" cy="5786120"/>
+      <p:grpSpPr>
+        <a:xfrm>
+          <a:off x="0" y="0"/>
+          <a:ext cx="0" cy="0"/>
+          <a:chOff x="0" y="0"/>
+          <a:chExt cx="0" cy="0"/>
+        </a:xfrm>
+      </p:grpSpPr>
+      <p:sp>
+        <p:nvSpPr>
+          <p:cNvPr id="4" name="Text Box 6"/>
+          <p:cNvSpPr txBox="1"/>
+          <p:nvPr/>
+        </p:nvSpPr>
+        <p:spPr>
+          <a:xfrm>
+            <a:off x="1427793" y="1184705"/>
+            <a:ext cx="5602605" cy="521970"/>
           </a:xfrm>
           <a:prstGeom prst="rect">
             <a:avLst/>
           </a:prstGeom>
-        </p:spPr>
-      </p:pic>
+          <a:noFill/>
+        </p:spPr>
+        <p:txBody>
+          <a:bodyPr wrap="square" rtlCol="0" anchor="t">
+            <a:spAutoFit/>
+          </a:bodyPr>
+          <a:lstStyle/>
+          <a:p>
+            <a:r>
+              <a:rPr lang="en-IN" altLang="en-US" sz="2800" dirty="0"/>
+              <a:t>3) </a:t>
+            </a:r>
+            <a:r>
+              <a:rPr lang="en-US" sz="2800" dirty="0"/>
+              <a:t>Aspect-based Sentiment Analysis</a:t>
+            </a:r>
+          </a:p>
+        </p:txBody>
+      </p:sp>
+      <p:sp>
+        <p:nvSpPr>
+          <p:cNvPr id="5" name="Text Box 7"/>
+          <p:cNvSpPr txBox="1"/>
+          <p:nvPr/>
+        </p:nvSpPr>
+        <p:spPr>
+          <a:xfrm>
+            <a:off x="2020248" y="1755883"/>
+            <a:ext cx="5010150" cy="438658"/>
+          </a:xfrm>
+          <a:prstGeom prst="rect">
+            <a:avLst/>
+          </a:prstGeom>
+          <a:noFill/>
+        </p:spPr>
+        <p:txBody>
+          <a:bodyPr wrap="square" rtlCol="0" anchor="t">
+            <a:spAutoFit/>
+          </a:bodyPr>
+          <a:lstStyle/>
+          <a:p>
+            <a:r>
+              <a:rPr lang="en-IN" altLang="en-US" sz="2000" dirty="0"/>
+              <a:t>“T</a:t>
+            </a:r>
+            <a:r>
+              <a:rPr lang="en-US" sz="2000" dirty="0"/>
+              <a:t>he battery life of this camera is too short.</a:t>
+            </a:r>
+            <a:r>
+              <a:rPr lang="en-IN" altLang="en-US" sz="2000" dirty="0"/>
+              <a:t>”</a:t>
+            </a:r>
+          </a:p>
+        </p:txBody>
+      </p:sp>
+      <p:sp>
+        <p:nvSpPr>
+          <p:cNvPr id="6" name="Text Box 8"/>
+          <p:cNvSpPr txBox="1"/>
+          <p:nvPr/>
+        </p:nvSpPr>
+        <p:spPr>
+          <a:xfrm>
+            <a:off x="1427793" y="2468879"/>
+            <a:ext cx="7706995" cy="521970"/>
+          </a:xfrm>
+          <a:prstGeom prst="rect">
+            <a:avLst/>
+          </a:prstGeom>
+          <a:noFill/>
+        </p:spPr>
+        <p:txBody>
+          <a:bodyPr wrap="square" rtlCol="0" anchor="t">
+            <a:spAutoFit/>
+          </a:bodyPr>
+          <a:lstStyle/>
+          <a:p>
+            <a:r>
+              <a:rPr lang="en-IN" altLang="en-US" sz="2800" dirty="0"/>
+              <a:t>4) </a:t>
+            </a:r>
+            <a:r>
+              <a:rPr lang="en-US" sz="2800" dirty="0"/>
+              <a:t>Intent analysis</a:t>
+            </a:r>
+          </a:p>
+        </p:txBody>
+      </p:sp>
+      <p:sp>
+        <p:nvSpPr>
+          <p:cNvPr id="7" name="Text Box 9"/>
+          <p:cNvSpPr txBox="1"/>
+          <p:nvPr/>
+        </p:nvSpPr>
+        <p:spPr>
+          <a:xfrm>
+            <a:off x="2034656" y="3174576"/>
+            <a:ext cx="7420610" cy="1034762"/>
+          </a:xfrm>
+          <a:prstGeom prst="rect">
+            <a:avLst/>
+          </a:prstGeom>
+          <a:noFill/>
+        </p:spPr>
+        <p:txBody>
+          <a:bodyPr wrap="square" rtlCol="0" anchor="t">
+            <a:spAutoFit/>
+          </a:bodyPr>
+          <a:lstStyle/>
+          <a:p>
+            <a:r>
+              <a:rPr lang="en-US" sz="2000" dirty="0"/>
+              <a:t>“Your customer support is a disaster. I’ve been on hold for 20 minutes”.</a:t>
+            </a:r>
+          </a:p>
+          <a:p>
+            <a:r>
+              <a:rPr lang="en-US" sz="2000" dirty="0"/>
+              <a:t>“I would like to know how to replace the cartridge”.</a:t>
+            </a:r>
+          </a:p>
+        </p:txBody>
+      </p:sp>
+      <p:sp>
+        <p:nvSpPr>
+          <p:cNvPr id="9" name="Title 1"/>
+          <p:cNvSpPr>
+            <a:spLocks noGrp="1"/>
+          </p:cNvSpPr>
+          <p:nvPr>
+            <p:ph type="title"/>
+          </p:nvPr>
+        </p:nvSpPr>
+        <p:spPr>
+          <a:xfrm>
+            <a:off x="986593" y="371082"/>
+            <a:ext cx="8766889" cy="694055"/>
+          </a:xfrm>
+        </p:spPr>
+        <p:txBody>
+          <a:bodyPr>
+            <a:normAutofit/>
+          </a:bodyPr>
+          <a:lstStyle/>
+          <a:p>
+            <a:r>
+              <a:rPr lang="en-US" sz="3200" b="1" dirty="0"/>
+              <a:t>Types of Sentiment </a:t>
+            </a:r>
+            <a:r>
+              <a:rPr lang="en-US" sz="3200" b="1" dirty="0" smtClean="0"/>
+              <a:t>Analysis ( cont.)</a:t>
+            </a:r>
+            <a:endParaRPr lang="en-US" sz="3200" b="1" dirty="0"/>
+          </a:p>
+        </p:txBody>
+      </p:sp>
+      <p:sp>
+        <p:nvSpPr>
+          <p:cNvPr id="10" name="Rectangle 9"/>
+          <p:cNvSpPr/>
+          <p:nvPr/>
+        </p:nvSpPr>
+        <p:spPr>
+          <a:xfrm>
+            <a:off x="1427793" y="4609495"/>
+            <a:ext cx="5093061" cy="523220"/>
+          </a:xfrm>
+          <a:prstGeom prst="rect">
+            <a:avLst/>
+          </a:prstGeom>
+        </p:spPr>
+        <p:txBody>
+          <a:bodyPr wrap="none">
+            <a:spAutoFit/>
+          </a:bodyPr>
+          <a:lstStyle/>
+          <a:p>
+            <a:r>
+              <a:rPr lang="en-US" sz="2800" dirty="0" smtClean="0"/>
+              <a:t>5) Multilingual </a:t>
+            </a:r>
+            <a:r>
+              <a:rPr lang="en-US" sz="2800" dirty="0"/>
+              <a:t>sentiment analysis</a:t>
+            </a:r>
+          </a:p>
+        </p:txBody>
+      </p:sp>
     </p:spTree>
+    <p:extLst>
+      <p:ext uri="{BB962C8B-B14F-4D97-AF65-F5344CB8AC3E}">
+        <p14:creationId xmlns:p14="http://schemas.microsoft.com/office/powerpoint/2010/main" val="4125656055"/>
+      </p:ext>
+    </p:extLst>
   </p:cSld>
   <p:clrMapOvr>
     <a:masterClrMapping/>
   </p:clrMapOvr>
+  <p:timing>
+    <p:tnLst>
+      <p:par>
+        <p:cTn id="1" dur="indefinite" restart="never" nodeType="tmRoot"/>
+      </p:par>
+    </p:tnLst>
+  </p:timing>
 </p:sld>
 </file>
 
@@ -3986,141 +7447,67 @@
         <p:cNvGrpSpPr/>
         <p:nvPr/>
       </p:nvGrpSpPr>
-      <p:grpSpPr/>
-      <p:sp>
-        <p:nvSpPr>
-          <p:cNvPr id="4" name="Text Box 3"/>
-          <p:cNvSpPr txBox="1"/>
+      <p:grpSpPr>
+        <a:xfrm>
+          <a:off x="0" y="0"/>
+          <a:ext cx="0" cy="0"/>
+          <a:chOff x="0" y="0"/>
+          <a:chExt cx="0" cy="0"/>
+        </a:xfrm>
+      </p:grpSpPr>
+      <p:pic>
+        <p:nvPicPr>
+          <p:cNvPr id="1026" name="Picture 2" descr="Image result for sentiment analysis preprocessing"/>
+          <p:cNvPicPr>
+            <a:picLocks noChangeAspect="1" noChangeArrowheads="1"/>
+          </p:cNvPicPr>
           <p:nvPr/>
-        </p:nvSpPr>
-        <p:spPr>
-          <a:xfrm>
-            <a:off x="1193165" y="1424940"/>
-            <a:ext cx="8566150" cy="3476625"/>
+        </p:nvPicPr>
+        <p:blipFill>
+          <a:blip r:embed="rId2">
+            <a:extLst>
+              <a:ext uri="{28A0092B-C50C-407E-A947-70E740481C1C}">
+                <a14:useLocalDpi xmlns:a14="http://schemas.microsoft.com/office/drawing/2010/main" val="0"/>
+              </a:ext>
+            </a:extLst>
+          </a:blip>
+          <a:srcRect/>
+          <a:stretch>
+            <a:fillRect/>
+          </a:stretch>
+        </p:blipFill>
+        <p:spPr bwMode="auto">
+          <a:xfrm>
+            <a:off x="1237401" y="1124754"/>
+            <a:ext cx="8988426" cy="4704879"/>
           </a:xfrm>
           <a:prstGeom prst="rect">
             <a:avLst/>
           </a:prstGeom>
           <a:noFill/>
-        </p:spPr>
-        <p:txBody>
-          <a:bodyPr wrap="square" rtlCol="0" anchor="t">
-            <a:spAutoFit/>
-          </a:bodyPr>
-          <a:p>
-            <a:r>
-              <a:rPr lang="en-US" sz="2000"/>
-              <a:t>An initial step in text and sentiment classification is pre-processing. A significant amount of techniques is applied to data in order to reduce the noise of text, reduce dimensionality, and assist in the improvement of classification effectiveness. The most popular techniques include:</a:t>
-            </a:r>
-            <a:endParaRPr lang="en-US" sz="2000"/>
-          </a:p>
-          <a:p>
-            <a:endParaRPr lang="en-US" sz="2000"/>
-          </a:p>
-          <a:p>
-            <a:pPr marL="285750" indent="-285750">
-              <a:buFont typeface="Arial" panose="020B0604020202020204" pitchFamily="34" charset="0"/>
-              <a:buChar char="•"/>
-            </a:pPr>
-            <a:r>
-              <a:rPr lang="en-US" sz="2000"/>
-              <a:t>Remove numbers</a:t>
-            </a:r>
-            <a:endParaRPr lang="en-US" sz="2000"/>
-          </a:p>
-          <a:p>
-            <a:pPr marL="285750" indent="-285750">
-              <a:buFont typeface="Arial" panose="020B0604020202020204" pitchFamily="34" charset="0"/>
-              <a:buChar char="•"/>
-            </a:pPr>
-            <a:r>
-              <a:rPr lang="en-US" sz="2000"/>
-              <a:t>Stemming</a:t>
-            </a:r>
-            <a:endParaRPr lang="en-US" sz="2000"/>
-          </a:p>
-          <a:p>
-            <a:pPr marL="285750" indent="-285750">
-              <a:buFont typeface="Arial" panose="020B0604020202020204" pitchFamily="34" charset="0"/>
-              <a:buChar char="•"/>
-            </a:pPr>
-            <a:r>
-              <a:rPr lang="en-US" sz="2000"/>
-              <a:t>Part of speech tagging</a:t>
-            </a:r>
-            <a:endParaRPr lang="en-US" sz="2000"/>
-          </a:p>
-          <a:p>
-            <a:pPr marL="285750" indent="-285750">
-              <a:buFont typeface="Arial" panose="020B0604020202020204" pitchFamily="34" charset="0"/>
-              <a:buChar char="•"/>
-            </a:pPr>
-            <a:r>
-              <a:rPr lang="en-US" sz="2000"/>
-              <a:t>Remove punctuation</a:t>
-            </a:r>
-            <a:endParaRPr lang="en-US" sz="2000"/>
-          </a:p>
-          <a:p>
-            <a:pPr marL="285750" indent="-285750">
-              <a:buFont typeface="Arial" panose="020B0604020202020204" pitchFamily="34" charset="0"/>
-              <a:buChar char="•"/>
-            </a:pPr>
-            <a:r>
-              <a:rPr lang="en-US" sz="2000"/>
-              <a:t>Lowercase</a:t>
-            </a:r>
-            <a:endParaRPr lang="en-US" sz="2000"/>
-          </a:p>
-          <a:p>
-            <a:pPr marL="285750" indent="-285750">
-              <a:buFont typeface="Arial" panose="020B0604020202020204" pitchFamily="34" charset="0"/>
-              <a:buChar char="•"/>
-            </a:pPr>
-            <a:r>
-              <a:rPr lang="en-US" sz="2000"/>
-              <a:t>Remove stopwords</a:t>
-            </a:r>
-            <a:endParaRPr lang="en-US" sz="2000"/>
-          </a:p>
-        </p:txBody>
-      </p:sp>
-      <p:sp>
-        <p:nvSpPr>
-          <p:cNvPr id="5" name="Text Box 4"/>
-          <p:cNvSpPr txBox="1"/>
-          <p:nvPr/>
-        </p:nvSpPr>
-        <p:spPr>
-          <a:xfrm>
-            <a:off x="772795" y="581660"/>
-            <a:ext cx="4998720" cy="521970"/>
-          </a:xfrm>
-          <a:prstGeom prst="rect">
-            <a:avLst/>
-          </a:prstGeom>
-          <a:noFill/>
-        </p:spPr>
-        <p:txBody>
-          <a:bodyPr wrap="square" rtlCol="0" anchor="t">
-            <a:spAutoFit/>
-          </a:bodyPr>
-          <a:p>
-            <a:r>
-              <a:rPr lang="en-US" sz="2800" b="1">
-                <a:sym typeface="+mn-ea"/>
-              </a:rPr>
-              <a:t>Pre-processing</a:t>
-            </a:r>
-            <a:endParaRPr lang="en-US" sz="2800" b="1"/>
-          </a:p>
-        </p:txBody>
-      </p:sp>
+          <a:extLst>
+            <a:ext uri="{909E8E84-426E-40DD-AFC4-6F175D3DCCD1}">
+              <a14:hiddenFill xmlns:a14="http://schemas.microsoft.com/office/drawing/2010/main">
+                <a:solidFill>
+                  <a:srgbClr val="FFFFFF"/>
+                </a:solidFill>
+              </a14:hiddenFill>
+            </a:ext>
+          </a:extLst>
+        </p:spPr>
+      </p:pic>
     </p:spTree>
   </p:cSld>
   <p:clrMapOvr>
     <a:masterClrMapping/>
   </p:clrMapOvr>
+  <p:timing>
+    <p:tnLst>
+      <p:par>
+        <p:cTn id="1" dur="indefinite" restart="never" nodeType="tmRoot"/>
+      </p:par>
+    </p:tnLst>
+  </p:timing>
 </p:sld>
 </file>
 
@@ -4133,7 +7520,14 @@
         <p:cNvGrpSpPr/>
         <p:nvPr/>
       </p:nvGrpSpPr>
-      <p:grpSpPr/>
+      <p:grpSpPr>
+        <a:xfrm>
+          <a:off x="0" y="0"/>
+          <a:ext cx="0" cy="0"/>
+          <a:chOff x="0" y="0"/>
+          <a:chExt cx="0" cy="0"/>
+        </a:xfrm>
+      </p:grpSpPr>
       <p:sp>
         <p:nvSpPr>
           <p:cNvPr id="4" name="Text Box 3"/>
@@ -4142,8 +7536,8 @@
         </p:nvSpPr>
         <p:spPr>
           <a:xfrm>
-            <a:off x="1423035" y="1291590"/>
-            <a:ext cx="8905875" cy="5077460"/>
+            <a:off x="1566653" y="1424940"/>
+            <a:ext cx="8566150" cy="3476625"/>
           </a:xfrm>
           <a:prstGeom prst="rect">
             <a:avLst/>
@@ -4154,62 +7548,80 @@
           <a:bodyPr wrap="square" rtlCol="0" anchor="t">
             <a:spAutoFit/>
           </a:bodyPr>
-          <a:p>
-            <a:r>
-              <a:rPr lang="en-US" b="1"/>
-              <a:t>Machine Learning</a:t>
-            </a:r>
-            <a:endParaRPr lang="en-US"/>
-          </a:p>
-          <a:p>
-            <a:endParaRPr lang="en-US"/>
-          </a:p>
-          <a:p>
-            <a:r>
-              <a:rPr lang="en-US"/>
-              <a:t>This approach, employes a machine-learning technique and diverse features to construct a classifier that can identify text that expresses sentiment. Nowadays, deep-learning methods are popular because they fit on data learning representations.</a:t>
-            </a:r>
-            <a:endParaRPr lang="en-US"/>
-          </a:p>
-          <a:p>
-            <a:endParaRPr lang="en-US" b="1"/>
-          </a:p>
-          <a:p>
-            <a:r>
-              <a:rPr lang="en-US" b="1"/>
-              <a:t>Lexicon-Based</a:t>
-            </a:r>
-            <a:endParaRPr lang="en-US"/>
-          </a:p>
-          <a:p>
-            <a:endParaRPr lang="en-US"/>
-          </a:p>
-          <a:p>
-            <a:r>
-              <a:rPr lang="en-US"/>
-              <a:t>This method uses a variety of words annotated by polarity score, to decide the general assessment score of a given content. The strongest asset of this technique is that it does not require any training data, while its weakest point is that a large number of words and expressions are not included in sentiment lexicons.</a:t>
-            </a:r>
-            <a:endParaRPr lang="en-US"/>
-          </a:p>
-          <a:p>
-            <a:endParaRPr lang="en-US" b="1"/>
-          </a:p>
-          <a:p>
-            <a:r>
-              <a:rPr lang="en-US" b="1"/>
-              <a:t>Hybrid</a:t>
-            </a:r>
-            <a:endParaRPr lang="en-US"/>
-          </a:p>
-          <a:p>
-            <a:endParaRPr lang="en-US"/>
-          </a:p>
-          <a:p>
-            <a:r>
-              <a:rPr lang="en-US"/>
-              <a:t>The combination of machine learning and lexicon-based approaches to address Sentiment Analysis is called Hybrid. Though not commonly used, this method usually produces more promising results than the approaches mentioned above.</a:t>
-            </a:r>
-            <a:endParaRPr lang="en-US"/>
+          <a:lstStyle/>
+          <a:p>
+            <a:r>
+              <a:rPr lang="en-US" sz="2000" dirty="0"/>
+              <a:t>An initial step in text and sentiment classification is pre-processing. A significant amount of techniques is applied to data in order to reduce the noise of text, reduce dimensionality, and assist in the improvement of classification effectiveness. The most popular techniques include:</a:t>
+            </a:r>
+          </a:p>
+          <a:p>
+            <a:endParaRPr lang="en-US" sz="2000" dirty="0"/>
+          </a:p>
+          <a:p>
+            <a:pPr marL="285750" indent="-285750">
+              <a:buFont typeface="Arial" panose="020B0604020202020204" pitchFamily="34" charset="0"/>
+              <a:buChar char="•"/>
+            </a:pPr>
+            <a:r>
+              <a:rPr lang="en-US" sz="2000" dirty="0"/>
+              <a:t>Remove numbers</a:t>
+            </a:r>
+          </a:p>
+          <a:p>
+            <a:pPr marL="285750" indent="-285750">
+              <a:buFont typeface="Arial" panose="020B0604020202020204" pitchFamily="34" charset="0"/>
+              <a:buChar char="•"/>
+            </a:pPr>
+            <a:r>
+              <a:rPr lang="en-US" sz="2000" dirty="0"/>
+              <a:t>Stemming</a:t>
+            </a:r>
+          </a:p>
+          <a:p>
+            <a:pPr marL="285750" indent="-285750">
+              <a:buFont typeface="Arial" panose="020B0604020202020204" pitchFamily="34" charset="0"/>
+              <a:buChar char="•"/>
+            </a:pPr>
+            <a:r>
+              <a:rPr lang="en-US" sz="2000" dirty="0"/>
+              <a:t>Part of speech tagging</a:t>
+            </a:r>
+          </a:p>
+          <a:p>
+            <a:pPr marL="285750" indent="-285750">
+              <a:buFont typeface="Arial" panose="020B0604020202020204" pitchFamily="34" charset="0"/>
+              <a:buChar char="•"/>
+            </a:pPr>
+            <a:r>
+              <a:rPr lang="en-US" sz="2000" dirty="0"/>
+              <a:t>Remove punctuation</a:t>
+            </a:r>
+          </a:p>
+          <a:p>
+            <a:pPr marL="285750" indent="-285750">
+              <a:buFont typeface="Arial" panose="020B0604020202020204" pitchFamily="34" charset="0"/>
+              <a:buChar char="•"/>
+            </a:pPr>
+            <a:r>
+              <a:rPr lang="en-US" sz="2000" dirty="0"/>
+              <a:t>Lowercase</a:t>
+            </a:r>
+          </a:p>
+          <a:p>
+            <a:pPr marL="285750" indent="-285750">
+              <a:buFont typeface="Arial" panose="020B0604020202020204" pitchFamily="34" charset="0"/>
+              <a:buChar char="•"/>
+            </a:pPr>
+            <a:r>
+              <a:rPr lang="en-US" sz="2000" dirty="0"/>
+              <a:t>Remove </a:t>
+            </a:r>
+            <a:r>
+              <a:rPr lang="en-US" sz="2000" dirty="0" err="1"/>
+              <a:t>stopwords</a:t>
+            </a:r>
+            <a:endParaRPr lang="en-US" sz="2000" dirty="0"/>
           </a:p>
         </p:txBody>
       </p:sp>
@@ -4221,8 +7633,8 @@
         </p:nvSpPr>
         <p:spPr>
           <a:xfrm>
-            <a:off x="1172210" y="501650"/>
-            <a:ext cx="2743835" cy="368300"/>
+            <a:off x="1193165" y="609528"/>
+            <a:ext cx="4998720" cy="521970"/>
           </a:xfrm>
           <a:prstGeom prst="rect">
             <a:avLst/>
@@ -4230,17 +7642,18 @@
           <a:noFill/>
         </p:spPr>
         <p:txBody>
-          <a:bodyPr wrap="none" rtlCol="0" anchor="t">
+          <a:bodyPr wrap="square" rtlCol="0" anchor="t">
             <a:spAutoFit/>
           </a:bodyPr>
-          <a:p>
-            <a:r>
-              <a:rPr lang="en-US" b="1">
+          <a:lstStyle/>
+          <a:p>
+            <a:r>
+              <a:rPr lang="en-US" sz="2800" b="1">
                 <a:sym typeface="+mn-ea"/>
               </a:rPr>
-              <a:t>How to classify Sentiment?</a:t>
-            </a:r>
-            <a:endParaRPr lang="en-US" b="1"/>
+              <a:t>Pre-processing</a:t>
+            </a:r>
+            <a:endParaRPr lang="en-US" sz="2800" b="1"/>
           </a:p>
         </p:txBody>
       </p:sp>
@@ -4249,6 +7662,13 @@
   <p:clrMapOvr>
     <a:masterClrMapping/>
   </p:clrMapOvr>
+  <p:timing>
+    <p:tnLst>
+      <p:par>
+        <p:cTn id="1" dur="indefinite" restart="never" nodeType="tmRoot"/>
+      </p:par>
+    </p:tnLst>
+  </p:timing>
 </p:sld>
 </file>
 
@@ -4261,45 +7681,177 @@
         <p:cNvGrpSpPr/>
         <p:nvPr/>
       </p:nvGrpSpPr>
-      <p:grpSpPr/>
-      <p:pic>
-        <p:nvPicPr>
-          <p:cNvPr id="4" name="Content Placeholder 3"/>
-          <p:cNvPicPr>
-            <a:picLocks noChangeAspect="1"/>
-          </p:cNvPicPr>
-          <p:nvPr>
-            <p:ph idx="1"/>
-          </p:nvPr>
-        </p:nvPicPr>
-        <p:blipFill>
-          <a:blip r:embed="rId1"/>
-          <a:stretch>
-            <a:fillRect/>
-          </a:stretch>
-        </p:blipFill>
-        <p:spPr>
-          <a:xfrm>
-            <a:off x="789305" y="200025"/>
-            <a:ext cx="9853930" cy="6457315"/>
+      <p:grpSpPr>
+        <a:xfrm>
+          <a:off x="0" y="0"/>
+          <a:ext cx="0" cy="0"/>
+          <a:chOff x="0" y="0"/>
+          <a:chExt cx="0" cy="0"/>
+        </a:xfrm>
+      </p:grpSpPr>
+      <p:sp>
+        <p:nvSpPr>
+          <p:cNvPr id="4" name="Text Box 3"/>
+          <p:cNvSpPr txBox="1"/>
+          <p:nvPr/>
+        </p:nvSpPr>
+        <p:spPr>
+          <a:xfrm>
+            <a:off x="1320004" y="1021134"/>
+            <a:ext cx="8905875" cy="5078313"/>
           </a:xfrm>
           <a:prstGeom prst="rect">
             <a:avLst/>
           </a:prstGeom>
-        </p:spPr>
-      </p:pic>
+          <a:noFill/>
+        </p:spPr>
+        <p:txBody>
+          <a:bodyPr wrap="square" rtlCol="0" anchor="t">
+            <a:spAutoFit/>
+          </a:bodyPr>
+          <a:lstStyle/>
+          <a:p>
+            <a:r>
+              <a:rPr lang="en-US" b="1" dirty="0"/>
+              <a:t>Machine Learning</a:t>
+            </a:r>
+            <a:endParaRPr lang="en-US" dirty="0"/>
+          </a:p>
+          <a:p>
+            <a:endParaRPr lang="en-US" dirty="0"/>
+          </a:p>
+          <a:p>
+            <a:r>
+              <a:rPr lang="en-US" dirty="0"/>
+              <a:t>This approach, </a:t>
+            </a:r>
+            <a:r>
+              <a:rPr lang="en-US" dirty="0" err="1"/>
+              <a:t>employes</a:t>
+            </a:r>
+            <a:r>
+              <a:rPr lang="en-US" dirty="0"/>
+              <a:t> a machine-learning technique and diverse features to construct a classifier that can identify text that expresses sentiment. Nowadays, deep-learning methods are popular because they fit on data learning representations.</a:t>
+            </a:r>
+          </a:p>
+          <a:p>
+            <a:endParaRPr lang="en-US" b="1" dirty="0"/>
+          </a:p>
+          <a:p>
+            <a:r>
+              <a:rPr lang="en-US" b="1" dirty="0" smtClean="0"/>
+              <a:t>Lexicon-Based</a:t>
+            </a:r>
+          </a:p>
+          <a:p>
+            <a:endParaRPr lang="en-US" dirty="0"/>
+          </a:p>
+          <a:p>
+            <a:r>
+              <a:rPr lang="en-US" dirty="0" smtClean="0"/>
+              <a:t>This </a:t>
+            </a:r>
+            <a:r>
+              <a:rPr lang="en-US" dirty="0"/>
+              <a:t>method uses a variety of words annotated by polarity score, to decide the </a:t>
+            </a:r>
+            <a:r>
+              <a:rPr lang="en-US" dirty="0" smtClean="0"/>
+              <a:t>general assessment </a:t>
+            </a:r>
+            <a:r>
+              <a:rPr lang="en-US" dirty="0"/>
+              <a:t>score of a given content. The strongest asset of this technique is </a:t>
+            </a:r>
+            <a:r>
+              <a:rPr lang="en-US" dirty="0" smtClean="0"/>
+              <a:t>that </a:t>
+            </a:r>
+            <a:r>
+              <a:rPr lang="en-US" dirty="0"/>
+              <a:t>it does not require any training data, while its weakest point is that a large </a:t>
+            </a:r>
+            <a:r>
+              <a:rPr lang="en-US" dirty="0" smtClean="0"/>
+              <a:t>number </a:t>
+            </a:r>
+            <a:r>
+              <a:rPr lang="en-US" dirty="0"/>
+              <a:t>of words and expressions are not included in sentiment lexicons.</a:t>
+            </a:r>
+          </a:p>
+          <a:p>
+            <a:endParaRPr lang="en-US" b="1" dirty="0"/>
+          </a:p>
+          <a:p>
+            <a:r>
+              <a:rPr lang="en-US" b="1" dirty="0"/>
+              <a:t>Hybrid</a:t>
+            </a:r>
+            <a:endParaRPr lang="en-US" dirty="0"/>
+          </a:p>
+          <a:p>
+            <a:endParaRPr lang="en-US" dirty="0"/>
+          </a:p>
+          <a:p>
+            <a:r>
+              <a:rPr lang="en-US" dirty="0"/>
+              <a:t>The combination of machine learning and lexicon-based approaches to address Sentiment Analysis is called Hybrid. Though not commonly used, this method usually produces more promising results than the approaches mentioned above.</a:t>
+            </a:r>
+          </a:p>
+        </p:txBody>
+      </p:sp>
+      <p:sp>
+        <p:nvSpPr>
+          <p:cNvPr id="5" name="Text Box 4"/>
+          <p:cNvSpPr txBox="1"/>
+          <p:nvPr/>
+        </p:nvSpPr>
+        <p:spPr>
+          <a:xfrm>
+            <a:off x="1172210" y="501650"/>
+            <a:ext cx="2743835" cy="368300"/>
+          </a:xfrm>
+          <a:prstGeom prst="rect">
+            <a:avLst/>
+          </a:prstGeom>
+          <a:noFill/>
+        </p:spPr>
+        <p:txBody>
+          <a:bodyPr wrap="none" rtlCol="0" anchor="t">
+            <a:spAutoFit/>
+          </a:bodyPr>
+          <a:lstStyle/>
+          <a:p>
+            <a:r>
+              <a:rPr lang="en-US" b="1">
+                <a:sym typeface="+mn-ea"/>
+              </a:rPr>
+              <a:t>How to classify Sentiment?</a:t>
+            </a:r>
+            <a:endParaRPr lang="en-US" b="1"/>
+          </a:p>
+        </p:txBody>
+      </p:sp>
     </p:spTree>
   </p:cSld>
   <p:clrMapOvr>
     <a:masterClrMapping/>
   </p:clrMapOvr>
+  <p:timing>
+    <p:tnLst>
+      <p:par>
+        <p:cTn id="1" dur="indefinite" restart="never" nodeType="tmRoot"/>
+      </p:par>
+    </p:tnLst>
+  </p:timing>
 </p:sld>
 </file>
 
 <file path=ppt/theme/theme1.xml><?xml version="1.0" encoding="utf-8"?>
-<a:theme xmlns:a="http://schemas.openxmlformats.org/drawingml/2006/main" name="Office Theme">
+<a:theme xmlns:a="http://schemas.openxmlformats.org/drawingml/2006/main" name="NewsPrint">
   <a:themeElements>
-    <a:clrScheme name="Office">
+    <a:clrScheme name="NewsPrint">
       <a:dk1>
         <a:sysClr val="windowText" lastClr="000000"/>
       </a:dk1>
@@ -4307,43 +7859,78 @@
         <a:sysClr val="window" lastClr="FFFFFF"/>
       </a:lt1>
       <a:dk2>
-        <a:srgbClr val="44546A"/>
+        <a:srgbClr val="303030"/>
       </a:dk2>
       <a:lt2>
-        <a:srgbClr val="E7E6E6"/>
+        <a:srgbClr val="DEDEE0"/>
       </a:lt2>
       <a:accent1>
-        <a:srgbClr val="5B9BD5"/>
+        <a:srgbClr val="AD0101"/>
       </a:accent1>
       <a:accent2>
-        <a:srgbClr val="ED7D31"/>
+        <a:srgbClr val="726056"/>
       </a:accent2>
       <a:accent3>
-        <a:srgbClr val="A5A5A5"/>
+        <a:srgbClr val="AC956E"/>
       </a:accent3>
       <a:accent4>
-        <a:srgbClr val="FFC000"/>
+        <a:srgbClr val="808DA9"/>
       </a:accent4>
       <a:accent5>
-        <a:srgbClr val="4472C4"/>
+        <a:srgbClr val="424E5B"/>
       </a:accent5>
       <a:accent6>
-        <a:srgbClr val="70AD47"/>
+        <a:srgbClr val="730E00"/>
       </a:accent6>
       <a:hlink>
-        <a:srgbClr val="0563C1"/>
+        <a:srgbClr val="D26900"/>
       </a:hlink>
       <a:folHlink>
-        <a:srgbClr val="954F72"/>
+        <a:srgbClr val="D89243"/>
       </a:folHlink>
     </a:clrScheme>
-    <a:fontScheme name="Office">
+    <a:fontScheme name="NewsPrint">
       <a:majorFont>
-        <a:latin typeface="Calibri Light"/>
+        <a:latin typeface="Impact"/>
         <a:ea typeface=""/>
         <a:cs typeface=""/>
-        <a:font script="Jpan" typeface="ＭＳ Ｐゴシック"/>
-        <a:font script="Hang" typeface="맑은 고딕"/>
+        <a:font script="Jpan" typeface="HGP創英角ｺﾞｼｯｸUB"/>
+        <a:font script="Hang" typeface="HY견고딕"/>
+        <a:font script="Hans" typeface="微软雅黑"/>
+        <a:font script="Hant" typeface="微軟正黑體"/>
+        <a:font script="Arab" typeface="Tahoma"/>
+        <a:font script="Hebr" typeface="Tohoma"/>
+        <a:font script="Thai" typeface="Tahoma"/>
+        <a:font script="Ethi" typeface="Nyala"/>
+        <a:font script="Beng" typeface="Vrinda"/>
+        <a:font script="Gujr" typeface="Shruti"/>
+        <a:font script="Khmr" typeface="MoolBoran"/>
+        <a:font script="Knda" typeface="Tunga"/>
+        <a:font script="Guru" typeface="Raavi"/>
+        <a:font script="Cans" typeface="Euphemia"/>
+        <a:font script="Cher" typeface="Plantagenet Cherokee"/>
+        <a:font script="Yiii" typeface="Microsoft Yi Baiti"/>
+        <a:font script="Tibt" typeface="Microsoft Himalaya"/>
+        <a:font script="Thaa" typeface="MV Boli"/>
+        <a:font script="Deva" typeface="Mangal"/>
+        <a:font script="Telu" typeface="Gautami"/>
+        <a:font script="Taml" typeface="Latha"/>
+        <a:font script="Syrc" typeface="Estrangelo Edessa"/>
+        <a:font script="Orya" typeface="Kalinga"/>
+        <a:font script="Mlym" typeface="Kartika"/>
+        <a:font script="Laoo" typeface="DokChampa"/>
+        <a:font script="Sinh" typeface="Iskoola Pota"/>
+        <a:font script="Mong" typeface="Mongolian Baiti"/>
+        <a:font script="Viet" typeface="Times New Roman"/>
+        <a:font script="Uigh" typeface="Microsoft Uighur"/>
+        <a:font script="Geor" typeface="Sylfaen"/>
+      </a:majorFont>
+      <a:minorFont>
+        <a:latin typeface="Times New Roman"/>
+        <a:ea typeface=""/>
+        <a:cs typeface=""/>
+        <a:font script="Jpan" typeface="ＭＳ Ｐ明朝"/>
+        <a:font script="Hang" typeface="바탕"/>
         <a:font script="Hans" typeface="宋体"/>
         <a:font script="Hant" typeface="新細明體"/>
         <a:font script="Arab" typeface="Times New Roman"/>
@@ -4372,44 +7959,9 @@
         <a:font script="Viet" typeface="Times New Roman"/>
         <a:font script="Uigh" typeface="Microsoft Uighur"/>
         <a:font script="Geor" typeface="Sylfaen"/>
-      </a:majorFont>
-      <a:minorFont>
-        <a:latin typeface="Calibri"/>
-        <a:ea typeface=""/>
-        <a:cs typeface=""/>
-        <a:font script="Jpan" typeface="ＭＳ Ｐゴシック"/>
-        <a:font script="Hang" typeface="맑은 고딕"/>
-        <a:font script="Hans" typeface="宋体"/>
-        <a:font script="Hant" typeface="新細明體"/>
-        <a:font script="Arab" typeface="Arial"/>
-        <a:font script="Hebr" typeface="Arial"/>
-        <a:font script="Thai" typeface="Cordia New"/>
-        <a:font script="Ethi" typeface="Nyala"/>
-        <a:font script="Beng" typeface="Vrinda"/>
-        <a:font script="Gujr" typeface="Shruti"/>
-        <a:font script="Khmr" typeface="DaunPenh"/>
-        <a:font script="Knda" typeface="Tunga"/>
-        <a:font script="Guru" typeface="Raavi"/>
-        <a:font script="Cans" typeface="Euphemia"/>
-        <a:font script="Cher" typeface="Plantagenet Cherokee"/>
-        <a:font script="Yiii" typeface="Microsoft Yi Baiti"/>
-        <a:font script="Tibt" typeface="Microsoft Himalaya"/>
-        <a:font script="Thaa" typeface="MV Boli"/>
-        <a:font script="Deva" typeface="Mangal"/>
-        <a:font script="Telu" typeface="Gautami"/>
-        <a:font script="Taml" typeface="Latha"/>
-        <a:font script="Syrc" typeface="Estrangelo Edessa"/>
-        <a:font script="Orya" typeface="Kalinga"/>
-        <a:font script="Mlym" typeface="Kartika"/>
-        <a:font script="Laoo" typeface="DokChampa"/>
-        <a:font script="Sinh" typeface="Iskoola Pota"/>
-        <a:font script="Mong" typeface="Mongolian Baiti"/>
-        <a:font script="Viet" typeface="Arial"/>
-        <a:font script="Uigh" typeface="Microsoft Uighur"/>
-        <a:font script="Geor" typeface="Sylfaen"/>
       </a:minorFont>
     </a:fontScheme>
-    <a:fmtScheme name="Office">
+    <a:fmtScheme name="NewsPrint">
       <a:fillStyleLst>
         <a:solidFill>
           <a:schemeClr val="phClr"/>
@@ -4418,139 +7970,155 @@
           <a:gsLst>
             <a:gs pos="0">
               <a:schemeClr val="phClr">
-                <a:lumMod val="110000"/>
-                <a:satMod val="105000"/>
-                <a:tint val="67000"/>
-              </a:schemeClr>
-            </a:gs>
-            <a:gs pos="50000">
-              <a:schemeClr val="phClr">
-                <a:lumMod val="105000"/>
-                <a:satMod val="103000"/>
-                <a:tint val="73000"/>
+                <a:tint val="37000"/>
+                <a:hueMod val="100000"/>
+                <a:satMod val="200000"/>
+                <a:lumMod val="88000"/>
               </a:schemeClr>
             </a:gs>
             <a:gs pos="100000">
               <a:schemeClr val="phClr">
-                <a:lumMod val="105000"/>
-                <a:satMod val="109000"/>
-                <a:tint val="81000"/>
+                <a:tint val="53000"/>
+                <a:shade val="100000"/>
+                <a:hueMod val="100000"/>
+                <a:satMod val="350000"/>
+                <a:lumMod val="79000"/>
               </a:schemeClr>
             </a:gs>
           </a:gsLst>
-          <a:lin ang="5400000" scaled="0"/>
+          <a:lin ang="5400000" scaled="1"/>
         </a:gradFill>
         <a:gradFill rotWithShape="1">
           <a:gsLst>
             <a:gs pos="0">
               <a:schemeClr val="phClr">
-                <a:satMod val="103000"/>
-                <a:lumMod val="102000"/>
-                <a:tint val="94000"/>
+                <a:tint val="83000"/>
+                <a:shade val="100000"/>
+                <a:alpha val="100000"/>
+                <a:hueMod val="100000"/>
+                <a:satMod val="220000"/>
+                <a:lumMod val="90000"/>
               </a:schemeClr>
             </a:gs>
-            <a:gs pos="50000">
+            <a:gs pos="76000">
               <a:schemeClr val="phClr">
-                <a:satMod val="110000"/>
-                <a:lumMod val="100000"/>
                 <a:shade val="100000"/>
               </a:schemeClr>
             </a:gs>
             <a:gs pos="100000">
               <a:schemeClr val="phClr">
-                <a:lumMod val="99000"/>
-                <a:satMod val="120000"/>
-                <a:shade val="78000"/>
+                <a:shade val="93000"/>
+                <a:alpha val="100000"/>
+                <a:satMod val="100000"/>
+                <a:lumMod val="93000"/>
               </a:schemeClr>
             </a:gs>
           </a:gsLst>
-          <a:lin ang="5400000" scaled="0"/>
+          <a:path path="circle">
+            <a:fillToRect l="15000" t="15000" r="100000" b="100000"/>
+          </a:path>
         </a:gradFill>
       </a:fillStyleLst>
       <a:lnStyleLst>
-        <a:ln w="6350" cap="flat" cmpd="sng" algn="ctr">
+        <a:ln w="15875" cap="flat" cmpd="sng" algn="ctr">
           <a:solidFill>
             <a:schemeClr val="phClr"/>
           </a:solidFill>
           <a:prstDash val="solid"/>
-          <a:miter lim="800000"/>
         </a:ln>
-        <a:ln w="12700" cap="flat" cmpd="sng" algn="ctr">
+        <a:ln w="22225" cap="flat" cmpd="sng" algn="ctr">
           <a:solidFill>
             <a:schemeClr val="phClr"/>
           </a:solidFill>
           <a:prstDash val="solid"/>
-          <a:miter lim="800000"/>
         </a:ln>
-        <a:ln w="19050" cap="flat" cmpd="sng" algn="ctr">
+        <a:ln w="34925" cap="flat" cmpd="sng" algn="ctr">
           <a:solidFill>
             <a:schemeClr val="phClr"/>
           </a:solidFill>
           <a:prstDash val="solid"/>
-          <a:miter lim="800000"/>
         </a:ln>
       </a:lnStyleLst>
       <a:effectStyleLst>
         <a:effectStyle>
-          <a:effectLst/>
-        </a:effectStyle>
-        <a:effectStyle>
-          <a:effectLst/>
+          <a:effectLst>
+            <a:outerShdw blurRad="50800" dist="12700" dir="5280000" rotWithShape="0">
+              <a:srgbClr val="000000">
+                <a:alpha val="40000"/>
+              </a:srgbClr>
+            </a:outerShdw>
+          </a:effectLst>
         </a:effectStyle>
         <a:effectStyle>
           <a:effectLst>
-            <a:outerShdw blurRad="57150" dist="19050" dir="5400000" algn="ctr" rotWithShape="0">
+            <a:outerShdw blurRad="38100" dist="38100" dir="5400000" rotWithShape="0">
               <a:srgbClr val="000000">
-                <a:alpha val="63000"/>
+                <a:alpha val="35000"/>
               </a:srgbClr>
             </a:outerShdw>
           </a:effectLst>
+        </a:effectStyle>
+        <a:effectStyle>
+          <a:effectLst>
+            <a:outerShdw blurRad="38100" dist="38100" dir="5400000" rotWithShape="0">
+              <a:srgbClr val="000000">
+                <a:alpha val="35000"/>
+              </a:srgbClr>
+            </a:outerShdw>
+          </a:effectLst>
+          <a:scene3d>
+            <a:camera prst="orthographicFront">
+              <a:rot lat="0" lon="0" rev="0"/>
+            </a:camera>
+            <a:lightRig rig="brightRoom" dir="tl"/>
+          </a:scene3d>
+          <a:sp3d contourW="12700">
+            <a:bevelT w="31750" h="12700"/>
+            <a:contourClr>
+              <a:schemeClr val="phClr"/>
+            </a:contourClr>
+          </a:sp3d>
         </a:effectStyle>
       </a:effectStyleLst>
       <a:bgFillStyleLst>
         <a:solidFill>
           <a:schemeClr val="phClr"/>
         </a:solidFill>
-        <a:solidFill>
-          <a:schemeClr val="phClr">
-            <a:tint val="95000"/>
-            <a:satMod val="170000"/>
-          </a:schemeClr>
-        </a:solidFill>
         <a:gradFill rotWithShape="1">
           <a:gsLst>
             <a:gs pos="0">
               <a:schemeClr val="phClr">
                 <a:tint val="93000"/>
-                <a:satMod val="150000"/>
-                <a:shade val="98000"/>
-                <a:lumMod val="102000"/>
-              </a:schemeClr>
-            </a:gs>
-            <a:gs pos="50000">
-              <a:schemeClr val="phClr">
-                <a:tint val="98000"/>
-                <a:satMod val="130000"/>
-                <a:shade val="90000"/>
-                <a:lumMod val="103000"/>
               </a:schemeClr>
             </a:gs>
             <a:gs pos="100000">
               <a:schemeClr val="phClr">
-                <a:shade val="63000"/>
-                <a:satMod val="120000"/>
+                <a:shade val="55000"/>
               </a:schemeClr>
             </a:gs>
           </a:gsLst>
-          <a:lin ang="5400000" scaled="0"/>
+          <a:lin ang="5400000" scaled="1"/>
         </a:gradFill>
+        <a:blipFill rotWithShape="1">
+          <a:blip xmlns:r="http://schemas.openxmlformats.org/officeDocument/2006/relationships" r:embed="rId1">
+            <a:duotone>
+              <a:schemeClr val="phClr">
+                <a:shade val="20000"/>
+                <a:satMod val="350000"/>
+                <a:lumMod val="125000"/>
+              </a:schemeClr>
+              <a:schemeClr val="phClr">
+                <a:tint val="90000"/>
+                <a:satMod val="250000"/>
+              </a:schemeClr>
+            </a:duotone>
+          </a:blip>
+          <a:stretch/>
+        </a:blipFill>
       </a:bgFillStyleLst>
     </a:fmtScheme>
   </a:themeElements>
-  <a:extLst>
-    <a:ext uri="{05A4C25C-085E-4340-85A3-A5531E510DB2}">
-      <thm15:themeFamily xmlns:thm15="http://schemas.microsoft.com/office/thememl/2012/main" name="Office Theme" id="{62F939B6-93AF-4DB8-9C6B-D6C7DFDC589F}" vid="{4A3C46E8-61CC-4603-A589-7422A47A8E4A}"/>
-    </a:ext>
-  </a:extLst>
+  <a:objectDefaults/>
+  <a:extraClrSchemeLst/>
 </a:theme>
 </file>